--- a/Goel_Esof_2015.ppt.pptx
+++ b/Goel_Esof_2015.ppt.pptx
@@ -37,6 +37,7 @@
     <p:sldId id="281" r:id="rId32"/>
     <p:sldId id="282" r:id="rId33"/>
     <p:sldId id="283" r:id="rId34"/>
+    <p:sldId id="284" r:id="rId35"/>
   </p:sldIdLst>
   <p:sldSz cy="6858000" cx="12192000"/>
   <p:notesSz cx="6858000" cy="9144000"/>
@@ -507,7 +508,7 @@
   <p:cSld>
     <p:spTree>
       <p:nvGrpSpPr>
-        <p:cNvPr id="84" name="Shape 84"/>
+        <p:cNvPr id="88" name="Shape 88"/>
         <p:cNvGrpSpPr/>
         <p:nvPr/>
       </p:nvGrpSpPr>
@@ -521,7 +522,7 @@
       </p:grpSpPr>
       <p:sp>
         <p:nvSpPr>
-          <p:cNvPr id="85" name="Shape 85"/>
+          <p:cNvPr id="89" name="Shape 89"/>
           <p:cNvSpPr txBox="1"/>
           <p:nvPr>
             <p:ph idx="1" type="body"/>
@@ -557,7 +558,7 @@
       </p:sp>
       <p:sp>
         <p:nvSpPr>
-          <p:cNvPr id="86" name="Shape 86"/>
+          <p:cNvPr id="90" name="Shape 90"/>
           <p:cNvSpPr/>
           <p:nvPr>
             <p:ph idx="2" type="sldImg"/>
@@ -612,7 +613,7 @@
   <p:cSld>
     <p:spTree>
       <p:nvGrpSpPr>
-        <p:cNvPr id="90" name="Shape 90"/>
+        <p:cNvPr id="94" name="Shape 94"/>
         <p:cNvGrpSpPr/>
         <p:nvPr/>
       </p:nvGrpSpPr>
@@ -626,7 +627,7 @@
       </p:grpSpPr>
       <p:sp>
         <p:nvSpPr>
-          <p:cNvPr id="91" name="Shape 91"/>
+          <p:cNvPr id="95" name="Shape 95"/>
           <p:cNvSpPr txBox="1"/>
           <p:nvPr>
             <p:ph idx="1" type="body"/>
@@ -662,7 +663,7 @@
       </p:sp>
       <p:sp>
         <p:nvSpPr>
-          <p:cNvPr id="92" name="Shape 92"/>
+          <p:cNvPr id="96" name="Shape 96"/>
           <p:cNvSpPr/>
           <p:nvPr>
             <p:ph idx="2" type="sldImg"/>
@@ -717,7 +718,7 @@
   <p:cSld>
     <p:spTree>
       <p:nvGrpSpPr>
-        <p:cNvPr id="96" name="Shape 96"/>
+        <p:cNvPr id="100" name="Shape 100"/>
         <p:cNvGrpSpPr/>
         <p:nvPr/>
       </p:nvGrpSpPr>
@@ -731,7 +732,7 @@
       </p:grpSpPr>
       <p:sp>
         <p:nvSpPr>
-          <p:cNvPr id="97" name="Shape 97"/>
+          <p:cNvPr id="101" name="Shape 101"/>
           <p:cNvSpPr txBox="1"/>
           <p:nvPr>
             <p:ph idx="1" type="body"/>
@@ -767,7 +768,7 @@
       </p:sp>
       <p:sp>
         <p:nvSpPr>
-          <p:cNvPr id="98" name="Shape 98"/>
+          <p:cNvPr id="102" name="Shape 102"/>
           <p:cNvSpPr/>
           <p:nvPr>
             <p:ph idx="2" type="sldImg"/>
@@ -822,7 +823,7 @@
   <p:cSld>
     <p:spTree>
       <p:nvGrpSpPr>
-        <p:cNvPr id="102" name="Shape 102"/>
+        <p:cNvPr id="106" name="Shape 106"/>
         <p:cNvGrpSpPr/>
         <p:nvPr/>
       </p:nvGrpSpPr>
@@ -836,7 +837,7 @@
       </p:grpSpPr>
       <p:sp>
         <p:nvSpPr>
-          <p:cNvPr id="103" name="Shape 103"/>
+          <p:cNvPr id="107" name="Shape 107"/>
           <p:cNvSpPr txBox="1"/>
           <p:nvPr>
             <p:ph idx="1" type="body"/>
@@ -872,7 +873,7 @@
       </p:sp>
       <p:sp>
         <p:nvSpPr>
-          <p:cNvPr id="104" name="Shape 104"/>
+          <p:cNvPr id="108" name="Shape 108"/>
           <p:cNvSpPr/>
           <p:nvPr>
             <p:ph idx="2" type="sldImg"/>
@@ -927,7 +928,7 @@
   <p:cSld>
     <p:spTree>
       <p:nvGrpSpPr>
-        <p:cNvPr id="109" name="Shape 109"/>
+        <p:cNvPr id="112" name="Shape 112"/>
         <p:cNvGrpSpPr/>
         <p:nvPr/>
       </p:nvGrpSpPr>
@@ -941,7 +942,7 @@
       </p:grpSpPr>
       <p:sp>
         <p:nvSpPr>
-          <p:cNvPr id="110" name="Shape 110"/>
+          <p:cNvPr id="113" name="Shape 113"/>
           <p:cNvSpPr txBox="1"/>
           <p:nvPr>
             <p:ph idx="1" type="body"/>
@@ -977,7 +978,7 @@
       </p:sp>
       <p:sp>
         <p:nvSpPr>
-          <p:cNvPr id="111" name="Shape 111"/>
+          <p:cNvPr id="114" name="Shape 114"/>
           <p:cNvSpPr/>
           <p:nvPr>
             <p:ph idx="2" type="sldImg"/>
@@ -1032,7 +1033,7 @@
   <p:cSld>
     <p:spTree>
       <p:nvGrpSpPr>
-        <p:cNvPr id="115" name="Shape 115"/>
+        <p:cNvPr id="119" name="Shape 119"/>
         <p:cNvGrpSpPr/>
         <p:nvPr/>
       </p:nvGrpSpPr>
@@ -1046,7 +1047,7 @@
       </p:grpSpPr>
       <p:sp>
         <p:nvSpPr>
-          <p:cNvPr id="116" name="Shape 116"/>
+          <p:cNvPr id="120" name="Shape 120"/>
           <p:cNvSpPr txBox="1"/>
           <p:nvPr>
             <p:ph idx="1" type="body"/>
@@ -1082,7 +1083,7 @@
       </p:sp>
       <p:sp>
         <p:nvSpPr>
-          <p:cNvPr id="117" name="Shape 117"/>
+          <p:cNvPr id="121" name="Shape 121"/>
           <p:cNvSpPr/>
           <p:nvPr>
             <p:ph idx="2" type="sldImg"/>
@@ -1137,7 +1138,7 @@
   <p:cSld>
     <p:spTree>
       <p:nvGrpSpPr>
-        <p:cNvPr id="121" name="Shape 121"/>
+        <p:cNvPr id="125" name="Shape 125"/>
         <p:cNvGrpSpPr/>
         <p:nvPr/>
       </p:nvGrpSpPr>
@@ -1151,7 +1152,7 @@
       </p:grpSpPr>
       <p:sp>
         <p:nvSpPr>
-          <p:cNvPr id="122" name="Shape 122"/>
+          <p:cNvPr id="126" name="Shape 126"/>
           <p:cNvSpPr txBox="1"/>
           <p:nvPr>
             <p:ph idx="1" type="body"/>
@@ -1187,7 +1188,7 @@
       </p:sp>
       <p:sp>
         <p:nvSpPr>
-          <p:cNvPr id="123" name="Shape 123"/>
+          <p:cNvPr id="127" name="Shape 127"/>
           <p:cNvSpPr/>
           <p:nvPr>
             <p:ph idx="2" type="sldImg"/>
@@ -1242,7 +1243,7 @@
   <p:cSld>
     <p:spTree>
       <p:nvGrpSpPr>
-        <p:cNvPr id="127" name="Shape 127"/>
+        <p:cNvPr id="131" name="Shape 131"/>
         <p:cNvGrpSpPr/>
         <p:nvPr/>
       </p:nvGrpSpPr>
@@ -1256,7 +1257,7 @@
       </p:grpSpPr>
       <p:sp>
         <p:nvSpPr>
-          <p:cNvPr id="128" name="Shape 128"/>
+          <p:cNvPr id="132" name="Shape 132"/>
           <p:cNvSpPr txBox="1"/>
           <p:nvPr>
             <p:ph idx="1" type="body"/>
@@ -1292,7 +1293,7 @@
       </p:sp>
       <p:sp>
         <p:nvSpPr>
-          <p:cNvPr id="129" name="Shape 129"/>
+          <p:cNvPr id="133" name="Shape 133"/>
           <p:cNvSpPr/>
           <p:nvPr>
             <p:ph idx="2" type="sldImg"/>
@@ -1347,7 +1348,7 @@
   <p:cSld>
     <p:spTree>
       <p:nvGrpSpPr>
-        <p:cNvPr id="133" name="Shape 133"/>
+        <p:cNvPr id="137" name="Shape 137"/>
         <p:cNvGrpSpPr/>
         <p:nvPr/>
       </p:nvGrpSpPr>
@@ -1361,7 +1362,7 @@
       </p:grpSpPr>
       <p:sp>
         <p:nvSpPr>
-          <p:cNvPr id="134" name="Shape 134"/>
+          <p:cNvPr id="138" name="Shape 138"/>
           <p:cNvSpPr txBox="1"/>
           <p:nvPr>
             <p:ph idx="1" type="body"/>
@@ -1397,7 +1398,7 @@
       </p:sp>
       <p:sp>
         <p:nvSpPr>
-          <p:cNvPr id="135" name="Shape 135"/>
+          <p:cNvPr id="139" name="Shape 139"/>
           <p:cNvSpPr/>
           <p:nvPr>
             <p:ph idx="2" type="sldImg"/>
@@ -1452,7 +1453,7 @@
   <p:cSld>
     <p:spTree>
       <p:nvGrpSpPr>
-        <p:cNvPr id="139" name="Shape 139"/>
+        <p:cNvPr id="143" name="Shape 143"/>
         <p:cNvGrpSpPr/>
         <p:nvPr/>
       </p:nvGrpSpPr>
@@ -1466,7 +1467,7 @@
       </p:grpSpPr>
       <p:sp>
         <p:nvSpPr>
-          <p:cNvPr id="140" name="Shape 140"/>
+          <p:cNvPr id="144" name="Shape 144"/>
           <p:cNvSpPr txBox="1"/>
           <p:nvPr>
             <p:ph idx="1" type="body"/>
@@ -1502,7 +1503,7 @@
       </p:sp>
       <p:sp>
         <p:nvSpPr>
-          <p:cNvPr id="141" name="Shape 141"/>
+          <p:cNvPr id="145" name="Shape 145"/>
           <p:cNvSpPr/>
           <p:nvPr>
             <p:ph idx="2" type="sldImg"/>
@@ -1662,7 +1663,7 @@
   <p:cSld>
     <p:spTree>
       <p:nvGrpSpPr>
-        <p:cNvPr id="145" name="Shape 145"/>
+        <p:cNvPr id="149" name="Shape 149"/>
         <p:cNvGrpSpPr/>
         <p:nvPr/>
       </p:nvGrpSpPr>
@@ -1676,7 +1677,7 @@
       </p:grpSpPr>
       <p:sp>
         <p:nvSpPr>
-          <p:cNvPr id="146" name="Shape 146"/>
+          <p:cNvPr id="150" name="Shape 150"/>
           <p:cNvSpPr txBox="1"/>
           <p:nvPr>
             <p:ph idx="1" type="body"/>
@@ -1712,7 +1713,7 @@
       </p:sp>
       <p:sp>
         <p:nvSpPr>
-          <p:cNvPr id="147" name="Shape 147"/>
+          <p:cNvPr id="151" name="Shape 151"/>
           <p:cNvSpPr/>
           <p:nvPr>
             <p:ph idx="2" type="sldImg"/>
@@ -1767,7 +1768,7 @@
   <p:cSld>
     <p:spTree>
       <p:nvGrpSpPr>
-        <p:cNvPr id="151" name="Shape 151"/>
+        <p:cNvPr id="155" name="Shape 155"/>
         <p:cNvGrpSpPr/>
         <p:nvPr/>
       </p:nvGrpSpPr>
@@ -1781,7 +1782,7 @@
       </p:grpSpPr>
       <p:sp>
         <p:nvSpPr>
-          <p:cNvPr id="152" name="Shape 152"/>
+          <p:cNvPr id="156" name="Shape 156"/>
           <p:cNvSpPr txBox="1"/>
           <p:nvPr>
             <p:ph idx="1" type="body"/>
@@ -1817,7 +1818,7 @@
       </p:sp>
       <p:sp>
         <p:nvSpPr>
-          <p:cNvPr id="153" name="Shape 153"/>
+          <p:cNvPr id="157" name="Shape 157"/>
           <p:cNvSpPr/>
           <p:nvPr>
             <p:ph idx="2" type="sldImg"/>
@@ -1872,7 +1873,7 @@
   <p:cSld>
     <p:spTree>
       <p:nvGrpSpPr>
-        <p:cNvPr id="159" name="Shape 159"/>
+        <p:cNvPr id="161" name="Shape 161"/>
         <p:cNvGrpSpPr/>
         <p:nvPr/>
       </p:nvGrpSpPr>
@@ -1886,7 +1887,7 @@
       </p:grpSpPr>
       <p:sp>
         <p:nvSpPr>
-          <p:cNvPr id="160" name="Shape 160"/>
+          <p:cNvPr id="162" name="Shape 162"/>
           <p:cNvSpPr txBox="1"/>
           <p:nvPr>
             <p:ph idx="1" type="body"/>
@@ -1922,7 +1923,7 @@
       </p:sp>
       <p:sp>
         <p:nvSpPr>
-          <p:cNvPr id="161" name="Shape 161"/>
+          <p:cNvPr id="163" name="Shape 163"/>
           <p:cNvSpPr/>
           <p:nvPr>
             <p:ph idx="2" type="sldImg"/>
@@ -1977,7 +1978,7 @@
   <p:cSld>
     <p:spTree>
       <p:nvGrpSpPr>
-        <p:cNvPr id="168" name="Shape 168"/>
+        <p:cNvPr id="169" name="Shape 169"/>
         <p:cNvGrpSpPr/>
         <p:nvPr/>
       </p:nvGrpSpPr>
@@ -1991,7 +1992,7 @@
       </p:grpSpPr>
       <p:sp>
         <p:nvSpPr>
-          <p:cNvPr id="169" name="Shape 169"/>
+          <p:cNvPr id="170" name="Shape 170"/>
           <p:cNvSpPr txBox="1"/>
           <p:nvPr>
             <p:ph idx="1" type="body"/>
@@ -2027,7 +2028,7 @@
       </p:sp>
       <p:sp>
         <p:nvSpPr>
-          <p:cNvPr id="170" name="Shape 170"/>
+          <p:cNvPr id="171" name="Shape 171"/>
           <p:cNvSpPr/>
           <p:nvPr>
             <p:ph idx="2" type="sldImg"/>
@@ -2187,7 +2188,7 @@
   <p:cSld>
     <p:spTree>
       <p:nvGrpSpPr>
-        <p:cNvPr id="189" name="Shape 189"/>
+        <p:cNvPr id="188" name="Shape 188"/>
         <p:cNvGrpSpPr/>
         <p:nvPr/>
       </p:nvGrpSpPr>
@@ -2201,7 +2202,7 @@
       </p:grpSpPr>
       <p:sp>
         <p:nvSpPr>
-          <p:cNvPr id="190" name="Shape 190"/>
+          <p:cNvPr id="189" name="Shape 189"/>
           <p:cNvSpPr txBox="1"/>
           <p:nvPr>
             <p:ph idx="1" type="body"/>
@@ -2237,7 +2238,7 @@
       </p:sp>
       <p:sp>
         <p:nvSpPr>
-          <p:cNvPr id="191" name="Shape 191"/>
+          <p:cNvPr id="190" name="Shape 190"/>
           <p:cNvSpPr/>
           <p:nvPr>
             <p:ph idx="2" type="sldImg"/>
@@ -2292,7 +2293,7 @@
   <p:cSld>
     <p:spTree>
       <p:nvGrpSpPr>
-        <p:cNvPr id="201" name="Shape 201"/>
+        <p:cNvPr id="199" name="Shape 199"/>
         <p:cNvGrpSpPr/>
         <p:nvPr/>
       </p:nvGrpSpPr>
@@ -2306,7 +2307,7 @@
       </p:grpSpPr>
       <p:sp>
         <p:nvSpPr>
-          <p:cNvPr id="202" name="Shape 202"/>
+          <p:cNvPr id="200" name="Shape 200"/>
           <p:cNvSpPr txBox="1"/>
           <p:nvPr>
             <p:ph idx="1" type="body"/>
@@ -2342,7 +2343,7 @@
       </p:sp>
       <p:sp>
         <p:nvSpPr>
-          <p:cNvPr id="203" name="Shape 203"/>
+          <p:cNvPr id="201" name="Shape 201"/>
           <p:cNvSpPr/>
           <p:nvPr>
             <p:ph idx="2" type="sldImg"/>
@@ -2397,7 +2398,7 @@
   <p:cSld>
     <p:spTree>
       <p:nvGrpSpPr>
-        <p:cNvPr id="207" name="Shape 207"/>
+        <p:cNvPr id="211" name="Shape 211"/>
         <p:cNvGrpSpPr/>
         <p:nvPr/>
       </p:nvGrpSpPr>
@@ -2411,7 +2412,7 @@
       </p:grpSpPr>
       <p:sp>
         <p:nvSpPr>
-          <p:cNvPr id="208" name="Shape 208"/>
+          <p:cNvPr id="212" name="Shape 212"/>
           <p:cNvSpPr txBox="1"/>
           <p:nvPr>
             <p:ph idx="1" type="body"/>
@@ -2447,7 +2448,7 @@
       </p:sp>
       <p:sp>
         <p:nvSpPr>
-          <p:cNvPr id="209" name="Shape 209"/>
+          <p:cNvPr id="213" name="Shape 213"/>
           <p:cNvSpPr/>
           <p:nvPr>
             <p:ph idx="2" type="sldImg"/>
@@ -2502,7 +2503,7 @@
   <p:cSld>
     <p:spTree>
       <p:nvGrpSpPr>
-        <p:cNvPr id="214" name="Shape 214"/>
+        <p:cNvPr id="217" name="Shape 217"/>
         <p:cNvGrpSpPr/>
         <p:nvPr/>
       </p:nvGrpSpPr>
@@ -2516,7 +2517,7 @@
       </p:grpSpPr>
       <p:sp>
         <p:nvSpPr>
-          <p:cNvPr id="215" name="Shape 215"/>
+          <p:cNvPr id="218" name="Shape 218"/>
           <p:cNvSpPr txBox="1"/>
           <p:nvPr>
             <p:ph idx="1" type="body"/>
@@ -2552,7 +2553,112 @@
       </p:sp>
       <p:sp>
         <p:nvSpPr>
-          <p:cNvPr id="216" name="Shape 216"/>
+          <p:cNvPr id="219" name="Shape 219"/>
+          <p:cNvSpPr/>
+          <p:nvPr>
+            <p:ph idx="2" type="sldImg"/>
+          </p:nvPr>
+        </p:nvSpPr>
+        <p:spPr>
+          <a:xfrm>
+            <a:off x="1143000" y="685800"/>
+            <a:ext cx="4572000" cy="3429000"/>
+          </a:xfrm>
+          <a:custGeom>
+            <a:pathLst>
+              <a:path extrusionOk="0" h="120000" w="120000">
+                <a:moveTo>
+                  <a:pt x="0" y="0"/>
+                </a:moveTo>
+                <a:lnTo>
+                  <a:pt x="120000" y="0"/>
+                </a:lnTo>
+                <a:lnTo>
+                  <a:pt x="120000" y="120000"/>
+                </a:lnTo>
+                <a:lnTo>
+                  <a:pt x="0" y="120000"/>
+                </a:lnTo>
+                <a:close/>
+              </a:path>
+            </a:pathLst>
+          </a:custGeom>
+          <a:noFill/>
+          <a:ln cap="flat" w="9525">
+            <a:solidFill>
+              <a:srgbClr val="000000"/>
+            </a:solidFill>
+            <a:prstDash val="solid"/>
+            <a:round/>
+            <a:headEnd len="med" w="med" type="none"/>
+            <a:tailEnd len="med" w="med" type="none"/>
+          </a:ln>
+        </p:spPr>
+      </p:sp>
+    </p:spTree>
+  </p:cSld>
+  <p:clrMapOvr>
+    <a:masterClrMapping/>
+  </p:clrMapOvr>
+</p:notes>
+</file>
+
+<file path=ppt/notesSlides/notesSlide29.xml><?xml version="1.0" encoding="utf-8"?>
+<p:notes xmlns:a="http://schemas.openxmlformats.org/drawingml/2006/main" xmlns:r="http://schemas.openxmlformats.org/officeDocument/2006/relationships" xmlns:mc="http://schemas.openxmlformats.org/markup-compatibility/2006" xmlns:mv="urn:schemas-microsoft-com:mac:vml" xmlns:p="http://schemas.openxmlformats.org/presentationml/2006/main" xmlns:c="http://schemas.openxmlformats.org/drawingml/2006/chart" xmlns:dgm="http://schemas.openxmlformats.org/drawingml/2006/diagram" xmlns:o="urn:schemas-microsoft-com:office:office" xmlns:v="urn:schemas-microsoft-com:vml" xmlns:pvml="urn:schemas-microsoft-com:office:powerpoint" xmlns:com="http://schemas.openxmlformats.org/drawingml/2006/compatibility" xmlns:p14="http://schemas.microsoft.com/office/powerpoint/2010/main" showMasterPhAnim="0" showMasterSp="0">
+  <p:cSld>
+    <p:spTree>
+      <p:nvGrpSpPr>
+        <p:cNvPr id="224" name="Shape 224"/>
+        <p:cNvGrpSpPr/>
+        <p:nvPr/>
+      </p:nvGrpSpPr>
+      <p:grpSpPr>
+        <a:xfrm>
+          <a:off x="0" y="0"/>
+          <a:ext cx="0" cy="0"/>
+          <a:chOff x="0" y="0"/>
+          <a:chExt cx="0" cy="0"/>
+        </a:xfrm>
+      </p:grpSpPr>
+      <p:sp>
+        <p:nvSpPr>
+          <p:cNvPr id="225" name="Shape 225"/>
+          <p:cNvSpPr txBox="1"/>
+          <p:nvPr>
+            <p:ph idx="1" type="body"/>
+          </p:nvPr>
+        </p:nvSpPr>
+        <p:spPr>
+          <a:xfrm>
+            <a:off x="914400" y="4343400"/>
+            <a:ext cx="5029199" cy="4114800"/>
+          </a:xfrm>
+          <a:prstGeom prst="rect">
+            <a:avLst/>
+          </a:prstGeom>
+        </p:spPr>
+        <p:txBody>
+          <a:bodyPr anchorCtr="0" anchor="ctr" bIns="91425" lIns="91425" rIns="91425" tIns="91425">
+            <a:noAutofit/>
+          </a:bodyPr>
+          <a:lstStyle/>
+          <a:p>
+            <a:pPr>
+              <a:spcBef>
+                <a:spcPts val="0"/>
+              </a:spcBef>
+              <a:buNone/>
+            </a:pPr>
+            <a:r>
+              <a:t/>
+            </a:r>
+            <a:endParaRPr/>
+          </a:p>
+        </p:txBody>
+      </p:sp>
+      <p:sp>
+        <p:nvSpPr>
+          <p:cNvPr id="226" name="Shape 226"/>
           <p:cNvSpPr/>
           <p:nvPr>
             <p:ph idx="2" type="sldImg"/>
@@ -2922,7 +3028,7 @@
   <p:cSld>
     <p:spTree>
       <p:nvGrpSpPr>
-        <p:cNvPr id="60" name="Shape 60"/>
+        <p:cNvPr id="64" name="Shape 64"/>
         <p:cNvGrpSpPr/>
         <p:nvPr/>
       </p:nvGrpSpPr>
@@ -2936,7 +3042,7 @@
       </p:grpSpPr>
       <p:sp>
         <p:nvSpPr>
-          <p:cNvPr id="61" name="Shape 61"/>
+          <p:cNvPr id="65" name="Shape 65"/>
           <p:cNvSpPr txBox="1"/>
           <p:nvPr>
             <p:ph idx="1" type="body"/>
@@ -2972,7 +3078,7 @@
       </p:sp>
       <p:sp>
         <p:nvSpPr>
-          <p:cNvPr id="62" name="Shape 62"/>
+          <p:cNvPr id="66" name="Shape 66"/>
           <p:cNvSpPr/>
           <p:nvPr>
             <p:ph idx="2" type="sldImg"/>
@@ -3027,7 +3133,7 @@
   <p:cSld>
     <p:spTree>
       <p:nvGrpSpPr>
-        <p:cNvPr id="66" name="Shape 66"/>
+        <p:cNvPr id="70" name="Shape 70"/>
         <p:cNvGrpSpPr/>
         <p:nvPr/>
       </p:nvGrpSpPr>
@@ -3041,7 +3147,7 @@
       </p:grpSpPr>
       <p:sp>
         <p:nvSpPr>
-          <p:cNvPr id="67" name="Shape 67"/>
+          <p:cNvPr id="71" name="Shape 71"/>
           <p:cNvSpPr txBox="1"/>
           <p:nvPr>
             <p:ph idx="1" type="body"/>
@@ -3077,7 +3183,7 @@
       </p:sp>
       <p:sp>
         <p:nvSpPr>
-          <p:cNvPr id="68" name="Shape 68"/>
+          <p:cNvPr id="72" name="Shape 72"/>
           <p:cNvSpPr/>
           <p:nvPr>
             <p:ph idx="2" type="sldImg"/>
@@ -3132,7 +3238,7 @@
   <p:cSld>
     <p:spTree>
       <p:nvGrpSpPr>
-        <p:cNvPr id="72" name="Shape 72"/>
+        <p:cNvPr id="76" name="Shape 76"/>
         <p:cNvGrpSpPr/>
         <p:nvPr/>
       </p:nvGrpSpPr>
@@ -3146,7 +3252,7 @@
       </p:grpSpPr>
       <p:sp>
         <p:nvSpPr>
-          <p:cNvPr id="73" name="Shape 73"/>
+          <p:cNvPr id="77" name="Shape 77"/>
           <p:cNvSpPr txBox="1"/>
           <p:nvPr>
             <p:ph idx="1" type="body"/>
@@ -3182,7 +3288,7 @@
       </p:sp>
       <p:sp>
         <p:nvSpPr>
-          <p:cNvPr id="74" name="Shape 74"/>
+          <p:cNvPr id="78" name="Shape 78"/>
           <p:cNvSpPr/>
           <p:nvPr>
             <p:ph idx="2" type="sldImg"/>
@@ -3237,7 +3343,7 @@
   <p:cSld>
     <p:spTree>
       <p:nvGrpSpPr>
-        <p:cNvPr id="78" name="Shape 78"/>
+        <p:cNvPr id="82" name="Shape 82"/>
         <p:cNvGrpSpPr/>
         <p:nvPr/>
       </p:nvGrpSpPr>
@@ -3251,7 +3357,7 @@
       </p:grpSpPr>
       <p:sp>
         <p:nvSpPr>
-          <p:cNvPr id="79" name="Shape 79"/>
+          <p:cNvPr id="83" name="Shape 83"/>
           <p:cNvSpPr txBox="1"/>
           <p:nvPr>
             <p:ph idx="1" type="body"/>
@@ -3287,7 +3393,7 @@
       </p:sp>
       <p:sp>
         <p:nvSpPr>
-          <p:cNvPr id="80" name="Shape 80"/>
+          <p:cNvPr id="84" name="Shape 84"/>
           <p:cNvSpPr/>
           <p:nvPr>
             <p:ph idx="2" type="sldImg"/>
@@ -5617,7 +5723,7 @@
     </p:bg>
     <p:spTree>
       <p:nvGrpSpPr>
-        <p:cNvPr id="81" name="Shape 81"/>
+        <p:cNvPr id="85" name="Shape 85"/>
         <p:cNvGrpSpPr/>
         <p:nvPr/>
       </p:nvGrpSpPr>
@@ -5631,7 +5737,7 @@
       </p:grpSpPr>
       <p:sp>
         <p:nvSpPr>
-          <p:cNvPr id="82" name="Shape 82"/>
+          <p:cNvPr id="86" name="Shape 86"/>
           <p:cNvSpPr txBox="1"/>
           <p:nvPr>
             <p:ph type="title"/>
@@ -5639,8 +5745,8 @@
         </p:nvSpPr>
         <p:spPr>
           <a:xfrm>
-            <a:off x="304800" y="0"/>
-            <a:ext cx="8839199" cy="882649"/>
+            <a:off x="304800" y="74611"/>
+            <a:ext cx="8839199" cy="731837"/>
           </a:xfrm>
           <a:prstGeom prst="rect">
             <a:avLst/>
@@ -5683,14 +5789,14 @@
                 <a:cs typeface="Arial"/>
                 <a:sym typeface="Arial"/>
               </a:rPr>
-              <a:t>Research Questions</a:t>
+              <a:t>Data Collected</a:t>
             </a:r>
           </a:p>
         </p:txBody>
       </p:sp>
       <p:sp>
         <p:nvSpPr>
-          <p:cNvPr id="83" name="Shape 83"/>
+          <p:cNvPr id="87" name="Shape 87"/>
           <p:cNvSpPr txBox="1"/>
           <p:nvPr>
             <p:ph idx="1" type="body"/>
@@ -5699,7 +5805,7 @@
         <p:spPr>
           <a:xfrm>
             <a:off x="406400" y="1193800"/>
-            <a:ext cx="11277600" cy="5664199"/>
+            <a:ext cx="11277600" cy="5080000"/>
           </a:xfrm>
           <a:prstGeom prst="rect">
             <a:avLst/>
@@ -5726,7 +5832,7 @@
                 <a:spcPts val="0"/>
               </a:spcAft>
               <a:buClr>
-                <a:srgbClr val="BEBEBE"/>
+                <a:srgbClr val="262626"/>
               </a:buClr>
               <a:buSzPct val="100000"/>
               <a:buFont typeface="Arial"/>
@@ -5735,47 +5841,152 @@
             <a:r>
               <a:rPr b="0" baseline="0" i="0" lang="en-US" sz="3200" u="none" cap="none" strike="noStrike">
                 <a:solidFill>
-                  <a:srgbClr val="BEBEBE"/>
+                  <a:srgbClr val="262626"/>
                 </a:solidFill>
                 <a:latin typeface="Arial"/>
                 <a:ea typeface="Arial"/>
                 <a:cs typeface="Arial"/>
                 <a:sym typeface="Arial"/>
               </a:rPr>
-              <a:t>How to </a:t>
-            </a:r>
-            <a:r>
-              <a:rPr b="1" baseline="0" i="0" lang="en-US" sz="3200" u="none" cap="none" strike="noStrike">
+              <a:t>63 networking conferences</a:t>
+            </a:r>
+          </a:p>
+          <a:p>
+            <a:pPr indent="-481012" lvl="1" marL="1077912" marR="0" rtl="0" algn="l">
+              <a:lnSpc>
+                <a:spcPct val="100000"/>
+              </a:lnSpc>
+              <a:spcBef>
+                <a:spcPts val="600"/>
+              </a:spcBef>
+              <a:spcAft>
+                <a:spcPts val="0"/>
+              </a:spcAft>
+              <a:buClr>
+                <a:srgbClr val="215968"/>
+              </a:buClr>
+              <a:buSzPct val="25000"/>
+              <a:buFont typeface="Arial"/>
+              <a:buNone/>
+            </a:pPr>
+            <a:r>
+              <a:rPr b="1" baseline="0" i="0" lang="en-US" sz="2600" u="none" cap="none" strike="noStrike">
                 <a:solidFill>
-                  <a:srgbClr val="BEBEBE"/>
+                  <a:srgbClr val="215968"/>
                 </a:solidFill>
                 <a:latin typeface="Arial"/>
                 <a:ea typeface="Arial"/>
                 <a:cs typeface="Arial"/>
                 <a:sym typeface="Arial"/>
               </a:rPr>
-              <a:t>classify conferences</a:t>
-            </a:r>
-            <a:r>
-              <a:rPr b="0" baseline="0" i="0" lang="en-US" sz="3200" u="none" cap="none" strike="noStrike">
+              <a:t>22 rank A conferences</a:t>
+            </a:r>
+            <a:r>
+              <a:rPr b="0" baseline="0" i="0" lang="en-US" sz="2600" u="none" cap="none" strike="noStrike">
                 <a:solidFill>
-                  <a:srgbClr val="BEBEBE"/>
+                  <a:srgbClr val="215968"/>
                 </a:solidFill>
                 <a:latin typeface="Arial"/>
                 <a:ea typeface="Arial"/>
                 <a:cs typeface="Arial"/>
                 <a:sym typeface="Arial"/>
               </a:rPr>
-              <a:t> in different ranks?</a:t>
-            </a:r>
-          </a:p>
-          <a:p>
-            <a:pPr indent="-252412" lvl="0" marL="455612" marR="0" rtl="0" algn="l">
-              <a:lnSpc>
-                <a:spcPct val="100000"/>
-              </a:lnSpc>
-              <a:spcBef>
-                <a:spcPts val="700"/>
+              <a:t> (Acceptance Rate: 11% to 20.9%)</a:t>
+            </a:r>
+          </a:p>
+          <a:p>
+            <a:pPr indent="-481012" lvl="1" marL="1077912" marR="0" rtl="0" algn="l">
+              <a:lnSpc>
+                <a:spcPct val="100000"/>
+              </a:lnSpc>
+              <a:spcBef>
+                <a:spcPts val="600"/>
+              </a:spcBef>
+              <a:spcAft>
+                <a:spcPts val="0"/>
+              </a:spcAft>
+              <a:buClr>
+                <a:srgbClr val="215968"/>
+              </a:buClr>
+              <a:buSzPct val="25000"/>
+              <a:buFont typeface="Arial"/>
+              <a:buNone/>
+            </a:pPr>
+            <a:r>
+              <a:rPr b="1" baseline="0" i="0" lang="en-US" sz="2600" u="none" cap="none" strike="noStrike">
+                <a:solidFill>
+                  <a:srgbClr val="215968"/>
+                </a:solidFill>
+                <a:latin typeface="Arial"/>
+                <a:ea typeface="Arial"/>
+                <a:cs typeface="Arial"/>
+                <a:sym typeface="Arial"/>
+              </a:rPr>
+              <a:t>22 rank B conferences</a:t>
+            </a:r>
+            <a:r>
+              <a:rPr b="0" baseline="0" i="0" lang="en-US" sz="2600" u="none" cap="none" strike="noStrike">
+                <a:solidFill>
+                  <a:srgbClr val="215968"/>
+                </a:solidFill>
+                <a:latin typeface="Arial"/>
+                <a:ea typeface="Arial"/>
+                <a:cs typeface="Arial"/>
+                <a:sym typeface="Arial"/>
+              </a:rPr>
+              <a:t> (Acceptance Rate: 21% to 30.9%)</a:t>
+            </a:r>
+          </a:p>
+          <a:p>
+            <a:pPr indent="-481012" lvl="1" marL="1077912" marR="0" rtl="0" algn="l">
+              <a:lnSpc>
+                <a:spcPct val="100000"/>
+              </a:lnSpc>
+              <a:spcBef>
+                <a:spcPts val="600"/>
+              </a:spcBef>
+              <a:spcAft>
+                <a:spcPts val="0"/>
+              </a:spcAft>
+              <a:buClr>
+                <a:srgbClr val="215968"/>
+              </a:buClr>
+              <a:buSzPct val="25000"/>
+              <a:buFont typeface="Arial"/>
+              <a:buNone/>
+            </a:pPr>
+            <a:r>
+              <a:rPr b="1" baseline="0" i="0" lang="en-US" sz="2600" u="none" cap="none" strike="noStrike">
+                <a:solidFill>
+                  <a:srgbClr val="215968"/>
+                </a:solidFill>
+                <a:latin typeface="Arial"/>
+                <a:ea typeface="Arial"/>
+                <a:cs typeface="Arial"/>
+                <a:sym typeface="Arial"/>
+              </a:rPr>
+              <a:t>19 rank C conferences</a:t>
+            </a:r>
+            <a:r>
+              <a:rPr b="0" baseline="0" i="0" lang="en-US" sz="2600" u="none" cap="none" strike="noStrike">
+                <a:solidFill>
+                  <a:srgbClr val="215968"/>
+                </a:solidFill>
+                <a:latin typeface="Arial"/>
+                <a:ea typeface="Arial"/>
+                <a:cs typeface="Arial"/>
+                <a:sym typeface="Arial"/>
+              </a:rPr>
+              <a:t> (Acceptance Rate: 31% to 40.9%)</a:t>
+            </a:r>
+          </a:p>
+          <a:p>
+            <a:pPr indent="-481012" lvl="1" marL="1077912" marR="0" rtl="0" algn="l">
+              <a:lnSpc>
+                <a:spcPct val="100000"/>
+              </a:lnSpc>
+              <a:spcBef>
+                <a:spcPts val="600"/>
               </a:spcBef>
               <a:spcAft>
                 <a:spcPts val="0"/>
@@ -5789,9 +6000,9 @@
             <a:r>
               <a:t/>
             </a:r>
-            <a:endParaRPr b="0" baseline="0" i="0" sz="3200" u="none" cap="none" strike="noStrike">
+            <a:endParaRPr b="0" baseline="0" i="0" sz="2600" u="none" cap="none" strike="noStrike">
               <a:solidFill>
-                <a:srgbClr val="BEBEBE"/>
+                <a:srgbClr val="215968"/>
               </a:solidFill>
               <a:latin typeface="Arial"/>
               <a:ea typeface="Arial"/>
@@ -5811,7 +6022,7 @@
                 <a:spcPts val="0"/>
               </a:spcAft>
               <a:buClr>
-                <a:srgbClr val="000000"/>
+                <a:srgbClr val="262626"/>
               </a:buClr>
               <a:buSzPct val="100000"/>
               <a:buFont typeface="Arial"/>
@@ -5820,154 +6031,107 @@
             <a:r>
               <a:rPr b="0" baseline="0" i="0" lang="en-US" sz="3200" u="none" cap="none" strike="noStrike">
                 <a:solidFill>
-                  <a:srgbClr val="000000"/>
+                  <a:srgbClr val="262626"/>
                 </a:solidFill>
                 <a:latin typeface="Arial"/>
                 <a:ea typeface="Arial"/>
                 <a:cs typeface="Arial"/>
                 <a:sym typeface="Arial"/>
               </a:rPr>
-              <a:t>Is there an </a:t>
-            </a:r>
-            <a:r>
-              <a:rPr b="1" baseline="0" i="0" lang="en-US" sz="3200" u="none" cap="none" strike="noStrike">
+              <a:t>Total papers = 38895</a:t>
+            </a:r>
+          </a:p>
+          <a:p>
+            <a:pPr indent="-481012" lvl="1" marL="1077912" marR="0" rtl="0" algn="l">
+              <a:lnSpc>
+                <a:spcPct val="100000"/>
+              </a:lnSpc>
+              <a:spcBef>
+                <a:spcPts val="600"/>
+              </a:spcBef>
+              <a:spcAft>
+                <a:spcPts val="0"/>
+              </a:spcAft>
+              <a:buClr>
+                <a:srgbClr val="215968"/>
+              </a:buClr>
+              <a:buSzPct val="25000"/>
+              <a:buFont typeface="Arial"/>
+              <a:buNone/>
+            </a:pPr>
+            <a:r>
+              <a:rPr b="1" baseline="0" i="0" lang="en-US" sz="2600" u="none" cap="none" strike="noStrike">
                 <a:solidFill>
-                  <a:srgbClr val="000000"/>
+                  <a:srgbClr val="215968"/>
                 </a:solidFill>
                 <a:latin typeface="Arial"/>
                 <a:ea typeface="Arial"/>
                 <a:cs typeface="Arial"/>
                 <a:sym typeface="Arial"/>
               </a:rPr>
-              <a:t>accurate database</a:t>
-            </a:r>
-            <a:r>
-              <a:rPr b="0" baseline="0" i="0" lang="en-US" sz="3200" u="none" cap="none" strike="noStrike">
+              <a:t>#Papers in Rank A Conferences = 8224</a:t>
+            </a:r>
+          </a:p>
+          <a:p>
+            <a:pPr indent="-481012" lvl="1" marL="1077912" marR="0" rtl="0" algn="l">
+              <a:lnSpc>
+                <a:spcPct val="100000"/>
+              </a:lnSpc>
+              <a:spcBef>
+                <a:spcPts val="600"/>
+              </a:spcBef>
+              <a:spcAft>
+                <a:spcPts val="0"/>
+              </a:spcAft>
+              <a:buClr>
+                <a:srgbClr val="215968"/>
+              </a:buClr>
+              <a:buSzPct val="25000"/>
+              <a:buFont typeface="Arial"/>
+              <a:buNone/>
+            </a:pPr>
+            <a:r>
+              <a:rPr b="1" baseline="0" i="0" lang="en-US" sz="2600" u="none" cap="none" strike="noStrike">
                 <a:solidFill>
-                  <a:srgbClr val="000000"/>
+                  <a:srgbClr val="215968"/>
                 </a:solidFill>
                 <a:latin typeface="Arial"/>
                 <a:ea typeface="Arial"/>
                 <a:cs typeface="Arial"/>
                 <a:sym typeface="Arial"/>
               </a:rPr>
-              <a:t> for conference rankings?</a:t>
-            </a:r>
-          </a:p>
-          <a:p>
-            <a:pPr indent="-252412" lvl="0" marL="455612" marR="0" rtl="0" algn="l">
-              <a:lnSpc>
-                <a:spcPct val="100000"/>
-              </a:lnSpc>
-              <a:spcBef>
-                <a:spcPts val="700"/>
+              <a:t>#Papers in Rank B Conferences = 7134</a:t>
+            </a:r>
+          </a:p>
+          <a:p>
+            <a:pPr indent="-481012" lvl="1" marL="1077912" marR="0" rtl="0" algn="l">
+              <a:lnSpc>
+                <a:spcPct val="100000"/>
+              </a:lnSpc>
+              <a:spcBef>
+                <a:spcPts val="600"/>
               </a:spcBef>
               <a:spcAft>
                 <a:spcPts val="0"/>
               </a:spcAft>
               <a:buClr>
-                <a:srgbClr val="262626"/>
+                <a:srgbClr val="215968"/>
               </a:buClr>
+              <a:buSzPct val="25000"/>
               <a:buFont typeface="Arial"/>
               <a:buNone/>
             </a:pPr>
             <a:r>
-              <a:t/>
-            </a:r>
-            <a:endParaRPr b="0" baseline="0" i="0" sz="3200" u="none" cap="none" strike="noStrike">
-              <a:solidFill>
-                <a:srgbClr val="BEBEBE"/>
-              </a:solidFill>
-              <a:latin typeface="Arial"/>
-              <a:ea typeface="Arial"/>
-              <a:cs typeface="Arial"/>
-              <a:sym typeface="Arial"/>
-            </a:endParaRPr>
-          </a:p>
-          <a:p>
-            <a:pPr indent="-455612" lvl="0" marL="455612" marR="0" rtl="0" algn="l">
-              <a:lnSpc>
-                <a:spcPct val="100000"/>
-              </a:lnSpc>
-              <a:spcBef>
-                <a:spcPts val="700"/>
-              </a:spcBef>
-              <a:spcAft>
-                <a:spcPts val="0"/>
-              </a:spcAft>
-              <a:buClr>
-                <a:srgbClr val="BEBEBE"/>
-              </a:buClr>
-              <a:buSzPct val="100000"/>
-              <a:buFont typeface="Arial"/>
-              <a:buChar char="•"/>
-            </a:pPr>
-            <a:r>
-              <a:rPr b="0" baseline="0" i="0" lang="en-US" sz="3200" u="none" cap="none" strike="noStrike">
+              <a:rPr b="1" baseline="0" i="0" lang="en-US" sz="2600" u="none" cap="none" strike="noStrike">
                 <a:solidFill>
-                  <a:srgbClr val="BEBEBE"/>
+                  <a:srgbClr val="215968"/>
                 </a:solidFill>
                 <a:latin typeface="Arial"/>
                 <a:ea typeface="Arial"/>
                 <a:cs typeface="Arial"/>
                 <a:sym typeface="Arial"/>
               </a:rPr>
-              <a:t>Does the rankings </a:t>
-            </a:r>
-            <a:r>
-              <a:rPr b="1" baseline="0" i="0" lang="en-US" sz="3200" u="none" cap="none" strike="noStrike">
-                <a:solidFill>
-                  <a:srgbClr val="BEBEBE"/>
-                </a:solidFill>
-                <a:latin typeface="Arial"/>
-                <a:ea typeface="Arial"/>
-                <a:cs typeface="Arial"/>
-                <a:sym typeface="Arial"/>
-              </a:rPr>
-              <a:t>change over time</a:t>
-            </a:r>
-            <a:r>
-              <a:rPr b="0" baseline="0" i="0" lang="en-US" sz="3200" u="none" cap="none" strike="noStrike">
-                <a:solidFill>
-                  <a:srgbClr val="BEBEBE"/>
-                </a:solidFill>
-                <a:latin typeface="Arial"/>
-                <a:ea typeface="Arial"/>
-                <a:cs typeface="Arial"/>
-                <a:sym typeface="Arial"/>
-              </a:rPr>
-              <a:t>?</a:t>
-            </a:r>
-          </a:p>
-          <a:p>
-            <a:pPr indent="-455612" lvl="0" marL="455612" marR="0" rtl="0" algn="l">
-              <a:lnSpc>
-                <a:spcPct val="100000"/>
-              </a:lnSpc>
-              <a:spcBef>
-                <a:spcPts val="700"/>
-              </a:spcBef>
-              <a:spcAft>
-                <a:spcPts val="0"/>
-              </a:spcAft>
-              <a:buClr>
-                <a:srgbClr val="BEBEBE"/>
-              </a:buClr>
-              <a:buSzPct val="100000"/>
-              <a:buFont typeface="Arial"/>
-              <a:buChar char="•"/>
-            </a:pPr>
-            <a:r>
-              <a:rPr b="0" baseline="0" i="0" lang="en-US" sz="3200" u="none" cap="none" strike="noStrike">
-                <a:solidFill>
-                  <a:srgbClr val="BEBEBE"/>
-                </a:solidFill>
-                <a:latin typeface="Arial"/>
-                <a:ea typeface="Arial"/>
-                <a:cs typeface="Arial"/>
-                <a:sym typeface="Arial"/>
-              </a:rPr>
-              <a:t>What </a:t>
+              <a:t>#Papers in Rank C Conferences = 23537</a:t>
             </a:r>
           </a:p>
         </p:txBody>
@@ -5995,7 +6159,7 @@
     </p:bg>
     <p:spTree>
       <p:nvGrpSpPr>
-        <p:cNvPr id="87" name="Shape 87"/>
+        <p:cNvPr id="91" name="Shape 91"/>
         <p:cNvGrpSpPr/>
         <p:nvPr/>
       </p:nvGrpSpPr>
@@ -6009,7 +6173,7 @@
       </p:grpSpPr>
       <p:sp>
         <p:nvSpPr>
-          <p:cNvPr id="88" name="Shape 88"/>
+          <p:cNvPr id="92" name="Shape 92"/>
           <p:cNvSpPr txBox="1"/>
           <p:nvPr>
             <p:ph type="title"/>
@@ -6017,8 +6181,8 @@
         </p:nvSpPr>
         <p:spPr>
           <a:xfrm>
-            <a:off x="304800" y="74611"/>
-            <a:ext cx="8839199" cy="731837"/>
+            <a:off x="304800" y="0"/>
+            <a:ext cx="8839199" cy="882649"/>
           </a:xfrm>
           <a:prstGeom prst="rect">
             <a:avLst/>
@@ -6061,28 +6225,23 @@
                 <a:cs typeface="Arial"/>
                 <a:sym typeface="Arial"/>
               </a:rPr>
-              <a:t>Variation in Conference Ranking</a:t>
+              <a:t>Research Questions</a:t>
             </a:r>
           </a:p>
         </p:txBody>
       </p:sp>
-      <p:pic>
-        <p:nvPicPr>
-          <p:cNvPr id="89" name="Shape 89"/>
-          <p:cNvPicPr preferRelativeResize="0"/>
-          <p:nvPr/>
-        </p:nvPicPr>
-        <p:blipFill rotWithShape="1">
-          <a:blip r:embed="rId3">
-            <a:alphaModFix/>
-          </a:blip>
-          <a:srcRect b="0" l="0" r="0" t="0"/>
-          <a:stretch/>
-        </p:blipFill>
-        <p:spPr>
-          <a:xfrm>
-            <a:off x="1743075" y="1054100"/>
-            <a:ext cx="7913686" cy="5275262"/>
+      <p:sp>
+        <p:nvSpPr>
+          <p:cNvPr id="93" name="Shape 93"/>
+          <p:cNvSpPr txBox="1"/>
+          <p:nvPr>
+            <p:ph idx="1" type="body"/>
+          </p:nvPr>
+        </p:nvSpPr>
+        <p:spPr>
+          <a:xfrm>
+            <a:off x="406400" y="1193800"/>
+            <a:ext cx="11277600" cy="5664199"/>
           </a:xfrm>
           <a:prstGeom prst="rect">
             <a:avLst/>
@@ -6092,7 +6251,269 @@
             <a:noFill/>
           </a:ln>
         </p:spPr>
-      </p:pic>
+        <p:txBody>
+          <a:bodyPr anchorCtr="0" anchor="t" bIns="45700" lIns="45700" rIns="45700" tIns="45700">
+            <a:noAutofit/>
+          </a:bodyPr>
+          <a:lstStyle/>
+          <a:p>
+            <a:pPr indent="-455612" lvl="0" marL="455612" marR="0" rtl="0" algn="l">
+              <a:lnSpc>
+                <a:spcPct val="100000"/>
+              </a:lnSpc>
+              <a:spcBef>
+                <a:spcPts val="0"/>
+              </a:spcBef>
+              <a:spcAft>
+                <a:spcPts val="0"/>
+              </a:spcAft>
+              <a:buClr>
+                <a:srgbClr val="BEBEBE"/>
+              </a:buClr>
+              <a:buSzPct val="100000"/>
+              <a:buFont typeface="Arial"/>
+              <a:buChar char="•"/>
+            </a:pPr>
+            <a:r>
+              <a:rPr b="0" baseline="0" i="0" lang="en-US" sz="3200" u="none" cap="none" strike="noStrike">
+                <a:solidFill>
+                  <a:srgbClr val="BEBEBE"/>
+                </a:solidFill>
+                <a:latin typeface="Arial"/>
+                <a:ea typeface="Arial"/>
+                <a:cs typeface="Arial"/>
+                <a:sym typeface="Arial"/>
+              </a:rPr>
+              <a:t>How to </a:t>
+            </a:r>
+            <a:r>
+              <a:rPr b="1" baseline="0" i="0" lang="en-US" sz="3200" u="none" cap="none" strike="noStrike">
+                <a:solidFill>
+                  <a:srgbClr val="BEBEBE"/>
+                </a:solidFill>
+                <a:latin typeface="Arial"/>
+                <a:ea typeface="Arial"/>
+                <a:cs typeface="Arial"/>
+                <a:sym typeface="Arial"/>
+              </a:rPr>
+              <a:t>classify conferences</a:t>
+            </a:r>
+            <a:r>
+              <a:rPr b="0" baseline="0" i="0" lang="en-US" sz="3200" u="none" cap="none" strike="noStrike">
+                <a:solidFill>
+                  <a:srgbClr val="BEBEBE"/>
+                </a:solidFill>
+                <a:latin typeface="Arial"/>
+                <a:ea typeface="Arial"/>
+                <a:cs typeface="Arial"/>
+                <a:sym typeface="Arial"/>
+              </a:rPr>
+              <a:t> in different ranks?</a:t>
+            </a:r>
+          </a:p>
+          <a:p>
+            <a:pPr indent="-252412" lvl="0" marL="455612" marR="0" rtl="0" algn="l">
+              <a:lnSpc>
+                <a:spcPct val="100000"/>
+              </a:lnSpc>
+              <a:spcBef>
+                <a:spcPts val="700"/>
+              </a:spcBef>
+              <a:spcAft>
+                <a:spcPts val="0"/>
+              </a:spcAft>
+              <a:buClr>
+                <a:srgbClr val="262626"/>
+              </a:buClr>
+              <a:buFont typeface="Arial"/>
+              <a:buNone/>
+            </a:pPr>
+            <a:r>
+              <a:t/>
+            </a:r>
+            <a:endParaRPr b="0" baseline="0" i="0" sz="3200" u="none" cap="none" strike="noStrike">
+              <a:solidFill>
+                <a:srgbClr val="BEBEBE"/>
+              </a:solidFill>
+              <a:latin typeface="Arial"/>
+              <a:ea typeface="Arial"/>
+              <a:cs typeface="Arial"/>
+              <a:sym typeface="Arial"/>
+            </a:endParaRPr>
+          </a:p>
+          <a:p>
+            <a:pPr indent="-455612" lvl="0" marL="455612" marR="0" rtl="0" algn="l">
+              <a:lnSpc>
+                <a:spcPct val="100000"/>
+              </a:lnSpc>
+              <a:spcBef>
+                <a:spcPts val="700"/>
+              </a:spcBef>
+              <a:spcAft>
+                <a:spcPts val="0"/>
+              </a:spcAft>
+              <a:buClr>
+                <a:srgbClr val="000000"/>
+              </a:buClr>
+              <a:buSzPct val="100000"/>
+              <a:buFont typeface="Arial"/>
+              <a:buChar char="•"/>
+            </a:pPr>
+            <a:r>
+              <a:rPr b="0" baseline="0" i="0" lang="en-US" sz="3200" u="none" cap="none" strike="noStrike">
+                <a:solidFill>
+                  <a:srgbClr val="000000"/>
+                </a:solidFill>
+                <a:latin typeface="Arial"/>
+                <a:ea typeface="Arial"/>
+                <a:cs typeface="Arial"/>
+                <a:sym typeface="Arial"/>
+              </a:rPr>
+              <a:t>Is there an </a:t>
+            </a:r>
+            <a:r>
+              <a:rPr b="1" baseline="0" i="0" lang="en-US" sz="3200" u="none" cap="none" strike="noStrike">
+                <a:solidFill>
+                  <a:srgbClr val="000000"/>
+                </a:solidFill>
+                <a:latin typeface="Arial"/>
+                <a:ea typeface="Arial"/>
+                <a:cs typeface="Arial"/>
+                <a:sym typeface="Arial"/>
+              </a:rPr>
+              <a:t>accurate database</a:t>
+            </a:r>
+            <a:r>
+              <a:rPr b="0" baseline="0" i="0" lang="en-US" sz="3200" u="none" cap="none" strike="noStrike">
+                <a:solidFill>
+                  <a:srgbClr val="000000"/>
+                </a:solidFill>
+                <a:latin typeface="Arial"/>
+                <a:ea typeface="Arial"/>
+                <a:cs typeface="Arial"/>
+                <a:sym typeface="Arial"/>
+              </a:rPr>
+              <a:t> for conference rankings?</a:t>
+            </a:r>
+          </a:p>
+          <a:p>
+            <a:pPr indent="-252412" lvl="0" marL="455612" marR="0" rtl="0" algn="l">
+              <a:lnSpc>
+                <a:spcPct val="100000"/>
+              </a:lnSpc>
+              <a:spcBef>
+                <a:spcPts val="700"/>
+              </a:spcBef>
+              <a:spcAft>
+                <a:spcPts val="0"/>
+              </a:spcAft>
+              <a:buClr>
+                <a:srgbClr val="262626"/>
+              </a:buClr>
+              <a:buFont typeface="Arial"/>
+              <a:buNone/>
+            </a:pPr>
+            <a:r>
+              <a:t/>
+            </a:r>
+            <a:endParaRPr b="0" baseline="0" i="0" sz="3200" u="none" cap="none" strike="noStrike">
+              <a:solidFill>
+                <a:srgbClr val="BEBEBE"/>
+              </a:solidFill>
+              <a:latin typeface="Arial"/>
+              <a:ea typeface="Arial"/>
+              <a:cs typeface="Arial"/>
+              <a:sym typeface="Arial"/>
+            </a:endParaRPr>
+          </a:p>
+          <a:p>
+            <a:pPr indent="-455612" lvl="0" marL="455612" marR="0" rtl="0" algn="l">
+              <a:lnSpc>
+                <a:spcPct val="100000"/>
+              </a:lnSpc>
+              <a:spcBef>
+                <a:spcPts val="700"/>
+              </a:spcBef>
+              <a:spcAft>
+                <a:spcPts val="0"/>
+              </a:spcAft>
+              <a:buClr>
+                <a:srgbClr val="BEBEBE"/>
+              </a:buClr>
+              <a:buSzPct val="100000"/>
+              <a:buFont typeface="Arial"/>
+              <a:buChar char="•"/>
+            </a:pPr>
+            <a:r>
+              <a:rPr b="0" baseline="0" i="0" lang="en-US" sz="3200" u="none" cap="none" strike="noStrike">
+                <a:solidFill>
+                  <a:srgbClr val="BEBEBE"/>
+                </a:solidFill>
+                <a:latin typeface="Arial"/>
+                <a:ea typeface="Arial"/>
+                <a:cs typeface="Arial"/>
+                <a:sym typeface="Arial"/>
+              </a:rPr>
+              <a:t>Does the rankings </a:t>
+            </a:r>
+            <a:r>
+              <a:rPr b="1" baseline="0" i="0" lang="en-US" sz="3200" u="none" cap="none" strike="noStrike">
+                <a:solidFill>
+                  <a:srgbClr val="BEBEBE"/>
+                </a:solidFill>
+                <a:latin typeface="Arial"/>
+                <a:ea typeface="Arial"/>
+                <a:cs typeface="Arial"/>
+                <a:sym typeface="Arial"/>
+              </a:rPr>
+              <a:t>change over time</a:t>
+            </a:r>
+            <a:r>
+              <a:rPr b="0" baseline="0" i="0" lang="en-US" sz="3200" u="none" cap="none" strike="noStrike">
+                <a:solidFill>
+                  <a:srgbClr val="BEBEBE"/>
+                </a:solidFill>
+                <a:latin typeface="Arial"/>
+                <a:ea typeface="Arial"/>
+                <a:cs typeface="Arial"/>
+                <a:sym typeface="Arial"/>
+              </a:rPr>
+              <a:t>?</a:t>
+            </a:r>
+          </a:p>
+          <a:p>
+            <a:pPr indent="-455612" lvl="0" marL="455612" marR="0" rtl="0" algn="l">
+              <a:lnSpc>
+                <a:spcPct val="100000"/>
+              </a:lnSpc>
+              <a:spcBef>
+                <a:spcPts val="700"/>
+              </a:spcBef>
+              <a:spcAft>
+                <a:spcPts val="0"/>
+              </a:spcAft>
+              <a:buClr>
+                <a:srgbClr val="BEBEBE"/>
+              </a:buClr>
+              <a:buSzPct val="100000"/>
+              <a:buFont typeface="Arial"/>
+              <a:buChar char="•"/>
+            </a:pPr>
+            <a:r>
+              <a:rPr b="0" baseline="0" i="0" lang="en-US" sz="3200" u="none" cap="none" strike="noStrike">
+                <a:solidFill>
+                  <a:srgbClr val="BEBEBE"/>
+                </a:solidFill>
+                <a:latin typeface="Arial"/>
+                <a:ea typeface="Arial"/>
+                <a:cs typeface="Arial"/>
+                <a:sym typeface="Arial"/>
+              </a:rPr>
+              <a:t>What </a:t>
+            </a:r>
+          </a:p>
+        </p:txBody>
+      </p:sp>
     </p:spTree>
   </p:cSld>
   <p:clrMapOvr>
@@ -6116,7 +6537,7 @@
     </p:bg>
     <p:spTree>
       <p:nvGrpSpPr>
-        <p:cNvPr id="93" name="Shape 93"/>
+        <p:cNvPr id="97" name="Shape 97"/>
         <p:cNvGrpSpPr/>
         <p:nvPr/>
       </p:nvGrpSpPr>
@@ -6130,7 +6551,7 @@
       </p:grpSpPr>
       <p:sp>
         <p:nvSpPr>
-          <p:cNvPr id="94" name="Shape 94"/>
+          <p:cNvPr id="98" name="Shape 98"/>
           <p:cNvSpPr txBox="1"/>
           <p:nvPr>
             <p:ph type="title"/>
@@ -6138,8 +6559,8 @@
         </p:nvSpPr>
         <p:spPr>
           <a:xfrm>
-            <a:off x="304800" y="0"/>
-            <a:ext cx="8839199" cy="882649"/>
+            <a:off x="304800" y="74611"/>
+            <a:ext cx="8839199" cy="731837"/>
           </a:xfrm>
           <a:prstGeom prst="rect">
             <a:avLst/>
@@ -6182,23 +6603,28 @@
                 <a:cs typeface="Arial"/>
                 <a:sym typeface="Arial"/>
               </a:rPr>
-              <a:t>Research Questions</a:t>
+              <a:t>Variation in Conference Ranking</a:t>
             </a:r>
           </a:p>
         </p:txBody>
       </p:sp>
-      <p:sp>
-        <p:nvSpPr>
-          <p:cNvPr id="95" name="Shape 95"/>
-          <p:cNvSpPr txBox="1"/>
-          <p:nvPr>
-            <p:ph idx="1" type="body"/>
-          </p:nvPr>
-        </p:nvSpPr>
-        <p:spPr>
-          <a:xfrm>
-            <a:off x="406400" y="1193800"/>
-            <a:ext cx="11277600" cy="5664199"/>
+      <p:pic>
+        <p:nvPicPr>
+          <p:cNvPr id="99" name="Shape 99"/>
+          <p:cNvPicPr preferRelativeResize="0"/>
+          <p:nvPr/>
+        </p:nvPicPr>
+        <p:blipFill rotWithShape="1">
+          <a:blip r:embed="rId3">
+            <a:alphaModFix/>
+          </a:blip>
+          <a:srcRect b="0" l="0" r="0" t="0"/>
+          <a:stretch/>
+        </p:blipFill>
+        <p:spPr>
+          <a:xfrm>
+            <a:off x="1743075" y="1054100"/>
+            <a:ext cx="7913686" cy="5275262"/>
           </a:xfrm>
           <a:prstGeom prst="rect">
             <a:avLst/>
@@ -6208,238 +6634,7 @@
             <a:noFill/>
           </a:ln>
         </p:spPr>
-        <p:txBody>
-          <a:bodyPr anchorCtr="0" anchor="t" bIns="45700" lIns="45700" rIns="45700" tIns="45700">
-            <a:noAutofit/>
-          </a:bodyPr>
-          <a:lstStyle/>
-          <a:p>
-            <a:pPr indent="-455612" lvl="0" marL="455612" marR="0" rtl="0" algn="l">
-              <a:lnSpc>
-                <a:spcPct val="100000"/>
-              </a:lnSpc>
-              <a:spcBef>
-                <a:spcPts val="0"/>
-              </a:spcBef>
-              <a:spcAft>
-                <a:spcPts val="0"/>
-              </a:spcAft>
-              <a:buClr>
-                <a:srgbClr val="BEBEBE"/>
-              </a:buClr>
-              <a:buSzPct val="100000"/>
-              <a:buFont typeface="Arial"/>
-              <a:buChar char="•"/>
-            </a:pPr>
-            <a:r>
-              <a:rPr b="0" baseline="0" i="0" lang="en-US" sz="3200" u="none" cap="none" strike="noStrike">
-                <a:solidFill>
-                  <a:srgbClr val="BEBEBE"/>
-                </a:solidFill>
-                <a:latin typeface="Arial"/>
-                <a:ea typeface="Arial"/>
-                <a:cs typeface="Arial"/>
-                <a:sym typeface="Arial"/>
-              </a:rPr>
-              <a:t>How to </a:t>
-            </a:r>
-            <a:r>
-              <a:rPr b="1" baseline="0" i="0" lang="en-US" sz="3200" u="none" cap="none" strike="noStrike">
-                <a:solidFill>
-                  <a:srgbClr val="BEBEBE"/>
-                </a:solidFill>
-                <a:latin typeface="Arial"/>
-                <a:ea typeface="Arial"/>
-                <a:cs typeface="Arial"/>
-                <a:sym typeface="Arial"/>
-              </a:rPr>
-              <a:t>classify conferences</a:t>
-            </a:r>
-            <a:r>
-              <a:rPr b="0" baseline="0" i="0" lang="en-US" sz="3200" u="none" cap="none" strike="noStrike">
-                <a:solidFill>
-                  <a:srgbClr val="BEBEBE"/>
-                </a:solidFill>
-                <a:latin typeface="Arial"/>
-                <a:ea typeface="Arial"/>
-                <a:cs typeface="Arial"/>
-                <a:sym typeface="Arial"/>
-              </a:rPr>
-              <a:t> in different ranks?</a:t>
-            </a:r>
-          </a:p>
-          <a:p>
-            <a:pPr indent="-252412" lvl="0" marL="455612" marR="0" rtl="0" algn="l">
-              <a:lnSpc>
-                <a:spcPct val="100000"/>
-              </a:lnSpc>
-              <a:spcBef>
-                <a:spcPts val="700"/>
-              </a:spcBef>
-              <a:spcAft>
-                <a:spcPts val="0"/>
-              </a:spcAft>
-              <a:buClr>
-                <a:srgbClr val="262626"/>
-              </a:buClr>
-              <a:buFont typeface="Arial"/>
-              <a:buNone/>
-            </a:pPr>
-            <a:r>
-              <a:t/>
-            </a:r>
-            <a:endParaRPr b="0" baseline="0" i="0" sz="3200" u="none" cap="none" strike="noStrike">
-              <a:solidFill>
-                <a:srgbClr val="BEBEBE"/>
-              </a:solidFill>
-              <a:latin typeface="Arial"/>
-              <a:ea typeface="Arial"/>
-              <a:cs typeface="Arial"/>
-              <a:sym typeface="Arial"/>
-            </a:endParaRPr>
-          </a:p>
-          <a:p>
-            <a:pPr indent="-455612" lvl="0" marL="455612" marR="0" rtl="0" algn="l">
-              <a:lnSpc>
-                <a:spcPct val="100000"/>
-              </a:lnSpc>
-              <a:spcBef>
-                <a:spcPts val="700"/>
-              </a:spcBef>
-              <a:spcAft>
-                <a:spcPts val="0"/>
-              </a:spcAft>
-              <a:buClr>
-                <a:srgbClr val="BEBEBE"/>
-              </a:buClr>
-              <a:buSzPct val="100000"/>
-              <a:buFont typeface="Arial"/>
-              <a:buChar char="•"/>
-            </a:pPr>
-            <a:r>
-              <a:rPr b="0" baseline="0" i="0" lang="en-US" sz="3200" u="none" cap="none" strike="noStrike">
-                <a:solidFill>
-                  <a:srgbClr val="BEBEBE"/>
-                </a:solidFill>
-                <a:latin typeface="Arial"/>
-                <a:ea typeface="Arial"/>
-                <a:cs typeface="Arial"/>
-                <a:sym typeface="Arial"/>
-              </a:rPr>
-              <a:t>Is there an </a:t>
-            </a:r>
-            <a:r>
-              <a:rPr b="1" baseline="0" i="0" lang="en-US" sz="3200" u="none" cap="none" strike="noStrike">
-                <a:solidFill>
-                  <a:srgbClr val="BEBEBE"/>
-                </a:solidFill>
-                <a:latin typeface="Arial"/>
-                <a:ea typeface="Arial"/>
-                <a:cs typeface="Arial"/>
-                <a:sym typeface="Arial"/>
-              </a:rPr>
-              <a:t>accurate database</a:t>
-            </a:r>
-            <a:r>
-              <a:rPr b="0" baseline="0" i="0" lang="en-US" sz="3200" u="none" cap="none" strike="noStrike">
-                <a:solidFill>
-                  <a:srgbClr val="BEBEBE"/>
-                </a:solidFill>
-                <a:latin typeface="Arial"/>
-                <a:ea typeface="Arial"/>
-                <a:cs typeface="Arial"/>
-                <a:sym typeface="Arial"/>
-              </a:rPr>
-              <a:t> for conference rankings?</a:t>
-            </a:r>
-          </a:p>
-          <a:p>
-            <a:pPr indent="-252412" lvl="0" marL="455612" marR="0" rtl="0" algn="l">
-              <a:lnSpc>
-                <a:spcPct val="100000"/>
-              </a:lnSpc>
-              <a:spcBef>
-                <a:spcPts val="700"/>
-              </a:spcBef>
-              <a:spcAft>
-                <a:spcPts val="0"/>
-              </a:spcAft>
-              <a:buClr>
-                <a:srgbClr val="262626"/>
-              </a:buClr>
-              <a:buFont typeface="Arial"/>
-              <a:buNone/>
-            </a:pPr>
-            <a:r>
-              <a:t/>
-            </a:r>
-            <a:endParaRPr b="0" baseline="0" i="0" sz="3200" u="none" cap="none" strike="noStrike">
-              <a:solidFill>
-                <a:srgbClr val="BEBEBE"/>
-              </a:solidFill>
-              <a:latin typeface="Arial"/>
-              <a:ea typeface="Arial"/>
-              <a:cs typeface="Arial"/>
-              <a:sym typeface="Arial"/>
-            </a:endParaRPr>
-          </a:p>
-          <a:p>
-            <a:pPr indent="-455612" lvl="0" marL="455612" marR="0" rtl="0" algn="l">
-              <a:lnSpc>
-                <a:spcPct val="100000"/>
-              </a:lnSpc>
-              <a:spcBef>
-                <a:spcPts val="700"/>
-              </a:spcBef>
-              <a:spcAft>
-                <a:spcPts val="0"/>
-              </a:spcAft>
-              <a:buClr>
-                <a:srgbClr val="000000"/>
-              </a:buClr>
-              <a:buSzPct val="100000"/>
-              <a:buFont typeface="Arial"/>
-              <a:buChar char="•"/>
-            </a:pPr>
-            <a:r>
-              <a:rPr b="0" baseline="0" i="0" lang="en-US" sz="3200" u="none" cap="none" strike="noStrike">
-                <a:solidFill>
-                  <a:srgbClr val="000000"/>
-                </a:solidFill>
-                <a:latin typeface="Arial"/>
-                <a:ea typeface="Arial"/>
-                <a:cs typeface="Arial"/>
-                <a:sym typeface="Arial"/>
-              </a:rPr>
-              <a:t>Does conference rankings </a:t>
-            </a:r>
-            <a:r>
-              <a:rPr b="1" baseline="0" i="0" lang="en-US" sz="3200" u="none" cap="none" strike="noStrike">
-                <a:solidFill>
-                  <a:srgbClr val="000000"/>
-                </a:solidFill>
-                <a:latin typeface="Arial"/>
-                <a:ea typeface="Arial"/>
-                <a:cs typeface="Arial"/>
-                <a:sym typeface="Arial"/>
-              </a:rPr>
-              <a:t>change over time</a:t>
-            </a:r>
-            <a:r>
-              <a:rPr b="0" baseline="0" i="0" lang="en-US" sz="3200" u="none" cap="none" strike="noStrike">
-                <a:solidFill>
-                  <a:srgbClr val="000000"/>
-                </a:solidFill>
-                <a:latin typeface="Arial"/>
-                <a:ea typeface="Arial"/>
-                <a:cs typeface="Arial"/>
-                <a:sym typeface="Arial"/>
-              </a:rPr>
-              <a:t>?</a:t>
-            </a:r>
-          </a:p>
-        </p:txBody>
-      </p:sp>
+      </p:pic>
     </p:spTree>
   </p:cSld>
   <p:clrMapOvr>
@@ -6463,7 +6658,7 @@
     </p:bg>
     <p:spTree>
       <p:nvGrpSpPr>
-        <p:cNvPr id="99" name="Shape 99"/>
+        <p:cNvPr id="103" name="Shape 103"/>
         <p:cNvGrpSpPr/>
         <p:nvPr/>
       </p:nvGrpSpPr>
@@ -6477,7 +6672,7 @@
       </p:grpSpPr>
       <p:sp>
         <p:nvSpPr>
-          <p:cNvPr id="100" name="Shape 100"/>
+          <p:cNvPr id="104" name="Shape 104"/>
           <p:cNvSpPr txBox="1"/>
           <p:nvPr>
             <p:ph type="title"/>
@@ -6485,8 +6680,8 @@
         </p:nvSpPr>
         <p:spPr>
           <a:xfrm>
-            <a:off x="304800" y="74611"/>
-            <a:ext cx="8839199" cy="731837"/>
+            <a:off x="304800" y="0"/>
+            <a:ext cx="8839199" cy="882649"/>
           </a:xfrm>
           <a:prstGeom prst="rect">
             <a:avLst/>
@@ -6529,28 +6724,23 @@
                 <a:cs typeface="Arial"/>
                 <a:sym typeface="Arial"/>
               </a:rPr>
-              <a:t>Conference Rankings over Time</a:t>
+              <a:t>Research Questions</a:t>
             </a:r>
           </a:p>
         </p:txBody>
       </p:sp>
-      <p:pic>
-        <p:nvPicPr>
-          <p:cNvPr id="101" name="Shape 101"/>
-          <p:cNvPicPr preferRelativeResize="0"/>
-          <p:nvPr/>
-        </p:nvPicPr>
-        <p:blipFill rotWithShape="1">
-          <a:blip r:embed="rId3">
-            <a:alphaModFix/>
-          </a:blip>
-          <a:srcRect b="0" l="0" r="0" t="0"/>
-          <a:stretch/>
-        </p:blipFill>
-        <p:spPr>
-          <a:xfrm>
-            <a:off x="1538287" y="917575"/>
-            <a:ext cx="8323262" cy="5548312"/>
+      <p:sp>
+        <p:nvSpPr>
+          <p:cNvPr id="105" name="Shape 105"/>
+          <p:cNvSpPr txBox="1"/>
+          <p:nvPr>
+            <p:ph idx="1" type="body"/>
+          </p:nvPr>
+        </p:nvSpPr>
+        <p:spPr>
+          <a:xfrm>
+            <a:off x="406400" y="1193800"/>
+            <a:ext cx="11277600" cy="5664199"/>
           </a:xfrm>
           <a:prstGeom prst="rect">
             <a:avLst/>
@@ -6560,7 +6750,238 @@
             <a:noFill/>
           </a:ln>
         </p:spPr>
-      </p:pic>
+        <p:txBody>
+          <a:bodyPr anchorCtr="0" anchor="t" bIns="45700" lIns="45700" rIns="45700" tIns="45700">
+            <a:noAutofit/>
+          </a:bodyPr>
+          <a:lstStyle/>
+          <a:p>
+            <a:pPr indent="-455612" lvl="0" marL="455612" marR="0" rtl="0" algn="l">
+              <a:lnSpc>
+                <a:spcPct val="100000"/>
+              </a:lnSpc>
+              <a:spcBef>
+                <a:spcPts val="0"/>
+              </a:spcBef>
+              <a:spcAft>
+                <a:spcPts val="0"/>
+              </a:spcAft>
+              <a:buClr>
+                <a:srgbClr val="BEBEBE"/>
+              </a:buClr>
+              <a:buSzPct val="100000"/>
+              <a:buFont typeface="Arial"/>
+              <a:buChar char="•"/>
+            </a:pPr>
+            <a:r>
+              <a:rPr b="0" baseline="0" i="0" lang="en-US" sz="3200" u="none" cap="none" strike="noStrike">
+                <a:solidFill>
+                  <a:srgbClr val="BEBEBE"/>
+                </a:solidFill>
+                <a:latin typeface="Arial"/>
+                <a:ea typeface="Arial"/>
+                <a:cs typeface="Arial"/>
+                <a:sym typeface="Arial"/>
+              </a:rPr>
+              <a:t>How to </a:t>
+            </a:r>
+            <a:r>
+              <a:rPr b="1" baseline="0" i="0" lang="en-US" sz="3200" u="none" cap="none" strike="noStrike">
+                <a:solidFill>
+                  <a:srgbClr val="BEBEBE"/>
+                </a:solidFill>
+                <a:latin typeface="Arial"/>
+                <a:ea typeface="Arial"/>
+                <a:cs typeface="Arial"/>
+                <a:sym typeface="Arial"/>
+              </a:rPr>
+              <a:t>classify conferences</a:t>
+            </a:r>
+            <a:r>
+              <a:rPr b="0" baseline="0" i="0" lang="en-US" sz="3200" u="none" cap="none" strike="noStrike">
+                <a:solidFill>
+                  <a:srgbClr val="BEBEBE"/>
+                </a:solidFill>
+                <a:latin typeface="Arial"/>
+                <a:ea typeface="Arial"/>
+                <a:cs typeface="Arial"/>
+                <a:sym typeface="Arial"/>
+              </a:rPr>
+              <a:t> in different ranks?</a:t>
+            </a:r>
+          </a:p>
+          <a:p>
+            <a:pPr indent="-252412" lvl="0" marL="455612" marR="0" rtl="0" algn="l">
+              <a:lnSpc>
+                <a:spcPct val="100000"/>
+              </a:lnSpc>
+              <a:spcBef>
+                <a:spcPts val="700"/>
+              </a:spcBef>
+              <a:spcAft>
+                <a:spcPts val="0"/>
+              </a:spcAft>
+              <a:buClr>
+                <a:srgbClr val="262626"/>
+              </a:buClr>
+              <a:buFont typeface="Arial"/>
+              <a:buNone/>
+            </a:pPr>
+            <a:r>
+              <a:t/>
+            </a:r>
+            <a:endParaRPr b="0" baseline="0" i="0" sz="3200" u="none" cap="none" strike="noStrike">
+              <a:solidFill>
+                <a:srgbClr val="BEBEBE"/>
+              </a:solidFill>
+              <a:latin typeface="Arial"/>
+              <a:ea typeface="Arial"/>
+              <a:cs typeface="Arial"/>
+              <a:sym typeface="Arial"/>
+            </a:endParaRPr>
+          </a:p>
+          <a:p>
+            <a:pPr indent="-455612" lvl="0" marL="455612" marR="0" rtl="0" algn="l">
+              <a:lnSpc>
+                <a:spcPct val="100000"/>
+              </a:lnSpc>
+              <a:spcBef>
+                <a:spcPts val="700"/>
+              </a:spcBef>
+              <a:spcAft>
+                <a:spcPts val="0"/>
+              </a:spcAft>
+              <a:buClr>
+                <a:srgbClr val="BEBEBE"/>
+              </a:buClr>
+              <a:buSzPct val="100000"/>
+              <a:buFont typeface="Arial"/>
+              <a:buChar char="•"/>
+            </a:pPr>
+            <a:r>
+              <a:rPr b="0" baseline="0" i="0" lang="en-US" sz="3200" u="none" cap="none" strike="noStrike">
+                <a:solidFill>
+                  <a:srgbClr val="BEBEBE"/>
+                </a:solidFill>
+                <a:latin typeface="Arial"/>
+                <a:ea typeface="Arial"/>
+                <a:cs typeface="Arial"/>
+                <a:sym typeface="Arial"/>
+              </a:rPr>
+              <a:t>Is there an </a:t>
+            </a:r>
+            <a:r>
+              <a:rPr b="1" baseline="0" i="0" lang="en-US" sz="3200" u="none" cap="none" strike="noStrike">
+                <a:solidFill>
+                  <a:srgbClr val="BEBEBE"/>
+                </a:solidFill>
+                <a:latin typeface="Arial"/>
+                <a:ea typeface="Arial"/>
+                <a:cs typeface="Arial"/>
+                <a:sym typeface="Arial"/>
+              </a:rPr>
+              <a:t>accurate database</a:t>
+            </a:r>
+            <a:r>
+              <a:rPr b="0" baseline="0" i="0" lang="en-US" sz="3200" u="none" cap="none" strike="noStrike">
+                <a:solidFill>
+                  <a:srgbClr val="BEBEBE"/>
+                </a:solidFill>
+                <a:latin typeface="Arial"/>
+                <a:ea typeface="Arial"/>
+                <a:cs typeface="Arial"/>
+                <a:sym typeface="Arial"/>
+              </a:rPr>
+              <a:t> for conference rankings?</a:t>
+            </a:r>
+          </a:p>
+          <a:p>
+            <a:pPr indent="-252412" lvl="0" marL="455612" marR="0" rtl="0" algn="l">
+              <a:lnSpc>
+                <a:spcPct val="100000"/>
+              </a:lnSpc>
+              <a:spcBef>
+                <a:spcPts val="700"/>
+              </a:spcBef>
+              <a:spcAft>
+                <a:spcPts val="0"/>
+              </a:spcAft>
+              <a:buClr>
+                <a:srgbClr val="262626"/>
+              </a:buClr>
+              <a:buFont typeface="Arial"/>
+              <a:buNone/>
+            </a:pPr>
+            <a:r>
+              <a:t/>
+            </a:r>
+            <a:endParaRPr b="0" baseline="0" i="0" sz="3200" u="none" cap="none" strike="noStrike">
+              <a:solidFill>
+                <a:srgbClr val="BEBEBE"/>
+              </a:solidFill>
+              <a:latin typeface="Arial"/>
+              <a:ea typeface="Arial"/>
+              <a:cs typeface="Arial"/>
+              <a:sym typeface="Arial"/>
+            </a:endParaRPr>
+          </a:p>
+          <a:p>
+            <a:pPr indent="-455612" lvl="0" marL="455612" marR="0" rtl="0" algn="l">
+              <a:lnSpc>
+                <a:spcPct val="100000"/>
+              </a:lnSpc>
+              <a:spcBef>
+                <a:spcPts val="700"/>
+              </a:spcBef>
+              <a:spcAft>
+                <a:spcPts val="0"/>
+              </a:spcAft>
+              <a:buClr>
+                <a:srgbClr val="000000"/>
+              </a:buClr>
+              <a:buSzPct val="100000"/>
+              <a:buFont typeface="Arial"/>
+              <a:buChar char="•"/>
+            </a:pPr>
+            <a:r>
+              <a:rPr b="0" baseline="0" i="0" lang="en-US" sz="3200" u="none" cap="none" strike="noStrike">
+                <a:solidFill>
+                  <a:srgbClr val="000000"/>
+                </a:solidFill>
+                <a:latin typeface="Arial"/>
+                <a:ea typeface="Arial"/>
+                <a:cs typeface="Arial"/>
+                <a:sym typeface="Arial"/>
+              </a:rPr>
+              <a:t>Does conference rankings </a:t>
+            </a:r>
+            <a:r>
+              <a:rPr b="1" baseline="0" i="0" lang="en-US" sz="3200" u="none" cap="none" strike="noStrike">
+                <a:solidFill>
+                  <a:srgbClr val="000000"/>
+                </a:solidFill>
+                <a:latin typeface="Arial"/>
+                <a:ea typeface="Arial"/>
+                <a:cs typeface="Arial"/>
+                <a:sym typeface="Arial"/>
+              </a:rPr>
+              <a:t>change over time</a:t>
+            </a:r>
+            <a:r>
+              <a:rPr b="0" baseline="0" i="0" lang="en-US" sz="3200" u="none" cap="none" strike="noStrike">
+                <a:solidFill>
+                  <a:srgbClr val="000000"/>
+                </a:solidFill>
+                <a:latin typeface="Arial"/>
+                <a:ea typeface="Arial"/>
+                <a:cs typeface="Arial"/>
+                <a:sym typeface="Arial"/>
+              </a:rPr>
+              <a:t>?</a:t>
+            </a:r>
+          </a:p>
+        </p:txBody>
+      </p:sp>
     </p:spTree>
   </p:cSld>
   <p:clrMapOvr>
@@ -6584,7 +7005,7 @@
     </p:bg>
     <p:spTree>
       <p:nvGrpSpPr>
-        <p:cNvPr id="105" name="Shape 105"/>
+        <p:cNvPr id="109" name="Shape 109"/>
         <p:cNvGrpSpPr/>
         <p:nvPr/>
       </p:nvGrpSpPr>
@@ -6598,7 +7019,7 @@
       </p:grpSpPr>
       <p:sp>
         <p:nvSpPr>
-          <p:cNvPr id="106" name="Shape 106"/>
+          <p:cNvPr id="110" name="Shape 110"/>
           <p:cNvSpPr txBox="1"/>
           <p:nvPr>
             <p:ph type="title"/>
@@ -6650,14 +7071,14 @@
                 <a:cs typeface="Arial"/>
                 <a:sym typeface="Arial"/>
               </a:rPr>
-              <a:t>How do people cite papers?</a:t>
+              <a:t>Conference Rankings over Time</a:t>
             </a:r>
           </a:p>
         </p:txBody>
       </p:sp>
       <p:pic>
         <p:nvPicPr>
-          <p:cNvPr id="107" name="Shape 107"/>
+          <p:cNvPr id="111" name="Shape 111"/>
           <p:cNvPicPr preferRelativeResize="0"/>
           <p:nvPr/>
         </p:nvPicPr>
@@ -6670,8 +7091,8 @@
         </p:blipFill>
         <p:spPr>
           <a:xfrm>
-            <a:off x="5926137" y="1716086"/>
-            <a:ext cx="5826124" cy="3424237"/>
+            <a:off x="1538287" y="917575"/>
+            <a:ext cx="8323262" cy="5548312"/>
           </a:xfrm>
           <a:prstGeom prst="rect">
             <a:avLst/>
@@ -6682,177 +7103,6 @@
           </a:ln>
         </p:spPr>
       </p:pic>
-      <p:sp>
-        <p:nvSpPr>
-          <p:cNvPr id="108" name="Shape 108"/>
-          <p:cNvSpPr txBox="1"/>
-          <p:nvPr/>
-        </p:nvSpPr>
-        <p:spPr>
-          <a:xfrm>
-            <a:off x="354000" y="1841500"/>
-            <a:ext cx="5216400" cy="3809999"/>
-          </a:xfrm>
-          <a:prstGeom prst="rect">
-            <a:avLst/>
-          </a:prstGeom>
-          <a:noFill/>
-          <a:ln>
-            <a:noFill/>
-          </a:ln>
-        </p:spPr>
-        <p:txBody>
-          <a:bodyPr anchorCtr="0" anchor="t" bIns="45700" lIns="45700" rIns="45700" tIns="45700">
-            <a:noAutofit/>
-          </a:bodyPr>
-          <a:lstStyle/>
-          <a:p>
-            <a:pPr indent="-419100" lvl="0" marL="457200" marR="0" rtl="0" algn="l">
-              <a:lnSpc>
-                <a:spcPct val="100000"/>
-              </a:lnSpc>
-              <a:spcBef>
-                <a:spcPts val="0"/>
-              </a:spcBef>
-              <a:spcAft>
-                <a:spcPts val="0"/>
-              </a:spcAft>
-              <a:buClr>
-                <a:srgbClr val="262626"/>
-              </a:buClr>
-              <a:buSzPct val="100000"/>
-              <a:buFont typeface="Arial"/>
-              <a:buChar char="●"/>
-            </a:pPr>
-            <a:r>
-              <a:rPr b="0" baseline="0" i="0" lang="en-US" sz="3000" u="none" cap="none" strike="noStrike">
-                <a:solidFill>
-                  <a:srgbClr val="262626"/>
-                </a:solidFill>
-                <a:latin typeface="Arial"/>
-                <a:ea typeface="Arial"/>
-                <a:cs typeface="Arial"/>
-                <a:sym typeface="Arial"/>
-              </a:rPr>
-              <a:t>Search papers from high quality conferences?</a:t>
-            </a:r>
-          </a:p>
-          <a:p>
-            <a:pPr lvl="0" marR="0" rtl="0" algn="l">
-              <a:lnSpc>
-                <a:spcPct val="100000"/>
-              </a:lnSpc>
-              <a:spcBef>
-                <a:spcPts val="0"/>
-              </a:spcBef>
-              <a:spcAft>
-                <a:spcPts val="0"/>
-              </a:spcAft>
-              <a:buNone/>
-            </a:pPr>
-            <a:r>
-              <a:t/>
-            </a:r>
-            <a:endParaRPr b="0" baseline="0" i="0" sz="3000" u="none" cap="none" strike="noStrike">
-              <a:solidFill>
-                <a:srgbClr val="262626"/>
-              </a:solidFill>
-              <a:latin typeface="Arial"/>
-              <a:ea typeface="Arial"/>
-              <a:cs typeface="Arial"/>
-              <a:sym typeface="Arial"/>
-            </a:endParaRPr>
-          </a:p>
-          <a:p>
-            <a:pPr indent="-419100" lvl="0" marL="457200" marR="0" rtl="0" algn="l">
-              <a:lnSpc>
-                <a:spcPct val="100000"/>
-              </a:lnSpc>
-              <a:spcBef>
-                <a:spcPts val="0"/>
-              </a:spcBef>
-              <a:spcAft>
-                <a:spcPts val="0"/>
-              </a:spcAft>
-              <a:buClr>
-                <a:srgbClr val="262626"/>
-              </a:buClr>
-              <a:buSzPct val="100000"/>
-              <a:buFont typeface="Arial"/>
-              <a:buChar char="●"/>
-            </a:pPr>
-            <a:r>
-              <a:rPr b="0" baseline="0" i="0" lang="en-US" sz="3000" u="none" cap="none" strike="noStrike">
-                <a:solidFill>
-                  <a:srgbClr val="262626"/>
-                </a:solidFill>
-                <a:latin typeface="Arial"/>
-                <a:ea typeface="Arial"/>
-                <a:cs typeface="Arial"/>
-                <a:sym typeface="Arial"/>
-              </a:rPr>
-              <a:t>Ask Google?</a:t>
-            </a:r>
-          </a:p>
-          <a:p>
-            <a:pPr lvl="0" marR="0" rtl="0" algn="l">
-              <a:lnSpc>
-                <a:spcPct val="100000"/>
-              </a:lnSpc>
-              <a:spcBef>
-                <a:spcPts val="0"/>
-              </a:spcBef>
-              <a:spcAft>
-                <a:spcPts val="0"/>
-              </a:spcAft>
-              <a:buNone/>
-            </a:pPr>
-            <a:r>
-              <a:t/>
-            </a:r>
-            <a:endParaRPr b="0" baseline="0" i="0" sz="3000" u="none" cap="none" strike="noStrike">
-              <a:solidFill>
-                <a:srgbClr val="262626"/>
-              </a:solidFill>
-              <a:latin typeface="Arial"/>
-              <a:ea typeface="Arial"/>
-              <a:cs typeface="Arial"/>
-              <a:sym typeface="Arial"/>
-            </a:endParaRPr>
-          </a:p>
-          <a:p>
-            <a:pPr indent="-419100" lvl="0" marL="457200" marR="0" rtl="0" algn="l">
-              <a:lnSpc>
-                <a:spcPct val="100000"/>
-              </a:lnSpc>
-              <a:spcBef>
-                <a:spcPts val="0"/>
-              </a:spcBef>
-              <a:spcAft>
-                <a:spcPts val="0"/>
-              </a:spcAft>
-              <a:buClr>
-                <a:srgbClr val="262626"/>
-              </a:buClr>
-              <a:buSzPct val="100000"/>
-              <a:buFont typeface="Arial"/>
-              <a:buChar char="●"/>
-            </a:pPr>
-            <a:r>
-              <a:rPr b="0" baseline="0" i="0" lang="en-US" sz="3000" u="none" cap="none" strike="noStrike">
-                <a:solidFill>
-                  <a:srgbClr val="262626"/>
-                </a:solidFill>
-                <a:latin typeface="Arial"/>
-                <a:ea typeface="Arial"/>
-                <a:cs typeface="Arial"/>
-                <a:sym typeface="Arial"/>
-              </a:rPr>
-              <a:t>Search papers from an year?</a:t>
-            </a:r>
-          </a:p>
-        </p:txBody>
-      </p:sp>
     </p:spTree>
   </p:cSld>
   <p:clrMapOvr>
@@ -6876,7 +7126,7 @@
     </p:bg>
     <p:spTree>
       <p:nvGrpSpPr>
-        <p:cNvPr id="112" name="Shape 112"/>
+        <p:cNvPr id="115" name="Shape 115"/>
         <p:cNvGrpSpPr/>
         <p:nvPr/>
       </p:nvGrpSpPr>
@@ -6890,7 +7140,7 @@
       </p:grpSpPr>
       <p:sp>
         <p:nvSpPr>
-          <p:cNvPr id="113" name="Shape 113"/>
+          <p:cNvPr id="116" name="Shape 116"/>
           <p:cNvSpPr txBox="1"/>
           <p:nvPr>
             <p:ph type="title"/>
@@ -6933,7 +7183,7 @@
               <a:buNone/>
             </a:pPr>
             <a:r>
-              <a:rPr b="1" baseline="0" i="0" lang="en-US" sz="3600" u="none" cap="none" strike="noStrike">
+              <a:rPr b="1" baseline="0" i="0" lang="en-US" sz="4200" u="none" cap="none" strike="noStrike">
                 <a:solidFill>
                   <a:srgbClr val="0A1F62"/>
                 </a:solidFill>
@@ -6942,14 +7192,14 @@
                 <a:cs typeface="Arial"/>
                 <a:sym typeface="Arial"/>
               </a:rPr>
-              <a:t>Does Conference affect Citation Count?</a:t>
+              <a:t>How do people cite papers?</a:t>
             </a:r>
           </a:p>
         </p:txBody>
       </p:sp>
       <p:pic>
         <p:nvPicPr>
-          <p:cNvPr id="114" name="Shape 114"/>
+          <p:cNvPr id="117" name="Shape 117"/>
           <p:cNvPicPr preferRelativeResize="0"/>
           <p:nvPr/>
         </p:nvPicPr>
@@ -6962,8 +7212,8 @@
         </p:blipFill>
         <p:spPr>
           <a:xfrm>
-            <a:off x="1395412" y="1200150"/>
-            <a:ext cx="8702675" cy="5289550"/>
+            <a:off x="5926137" y="1716086"/>
+            <a:ext cx="5826124" cy="3424237"/>
           </a:xfrm>
           <a:prstGeom prst="rect">
             <a:avLst/>
@@ -6974,6 +7224,177 @@
           </a:ln>
         </p:spPr>
       </p:pic>
+      <p:sp>
+        <p:nvSpPr>
+          <p:cNvPr id="118" name="Shape 118"/>
+          <p:cNvSpPr txBox="1"/>
+          <p:nvPr/>
+        </p:nvSpPr>
+        <p:spPr>
+          <a:xfrm>
+            <a:off x="354000" y="1841500"/>
+            <a:ext cx="5216400" cy="3809999"/>
+          </a:xfrm>
+          <a:prstGeom prst="rect">
+            <a:avLst/>
+          </a:prstGeom>
+          <a:noFill/>
+          <a:ln>
+            <a:noFill/>
+          </a:ln>
+        </p:spPr>
+        <p:txBody>
+          <a:bodyPr anchorCtr="0" anchor="t" bIns="45700" lIns="45700" rIns="45700" tIns="45700">
+            <a:noAutofit/>
+          </a:bodyPr>
+          <a:lstStyle/>
+          <a:p>
+            <a:pPr indent="-419100" lvl="0" marL="457200" marR="0" rtl="0" algn="l">
+              <a:lnSpc>
+                <a:spcPct val="100000"/>
+              </a:lnSpc>
+              <a:spcBef>
+                <a:spcPts val="0"/>
+              </a:spcBef>
+              <a:spcAft>
+                <a:spcPts val="0"/>
+              </a:spcAft>
+              <a:buClr>
+                <a:srgbClr val="262626"/>
+              </a:buClr>
+              <a:buSzPct val="100000"/>
+              <a:buFont typeface="Arial"/>
+              <a:buChar char="●"/>
+            </a:pPr>
+            <a:r>
+              <a:rPr b="0" baseline="0" i="0" lang="en-US" sz="3000" u="none" cap="none" strike="noStrike">
+                <a:solidFill>
+                  <a:srgbClr val="262626"/>
+                </a:solidFill>
+                <a:latin typeface="Arial"/>
+                <a:ea typeface="Arial"/>
+                <a:cs typeface="Arial"/>
+                <a:sym typeface="Arial"/>
+              </a:rPr>
+              <a:t>Search papers from high quality conferences?</a:t>
+            </a:r>
+          </a:p>
+          <a:p>
+            <a:pPr lvl="0" marR="0" rtl="0" algn="l">
+              <a:lnSpc>
+                <a:spcPct val="100000"/>
+              </a:lnSpc>
+              <a:spcBef>
+                <a:spcPts val="0"/>
+              </a:spcBef>
+              <a:spcAft>
+                <a:spcPts val="0"/>
+              </a:spcAft>
+              <a:buNone/>
+            </a:pPr>
+            <a:r>
+              <a:t/>
+            </a:r>
+            <a:endParaRPr b="0" baseline="0" i="0" sz="3000" u="none" cap="none" strike="noStrike">
+              <a:solidFill>
+                <a:srgbClr val="262626"/>
+              </a:solidFill>
+              <a:latin typeface="Arial"/>
+              <a:ea typeface="Arial"/>
+              <a:cs typeface="Arial"/>
+              <a:sym typeface="Arial"/>
+            </a:endParaRPr>
+          </a:p>
+          <a:p>
+            <a:pPr indent="-419100" lvl="0" marL="457200" marR="0" rtl="0" algn="l">
+              <a:lnSpc>
+                <a:spcPct val="100000"/>
+              </a:lnSpc>
+              <a:spcBef>
+                <a:spcPts val="0"/>
+              </a:spcBef>
+              <a:spcAft>
+                <a:spcPts val="0"/>
+              </a:spcAft>
+              <a:buClr>
+                <a:srgbClr val="262626"/>
+              </a:buClr>
+              <a:buSzPct val="100000"/>
+              <a:buFont typeface="Arial"/>
+              <a:buChar char="●"/>
+            </a:pPr>
+            <a:r>
+              <a:rPr b="0" baseline="0" i="0" lang="en-US" sz="3000" u="none" cap="none" strike="noStrike">
+                <a:solidFill>
+                  <a:srgbClr val="262626"/>
+                </a:solidFill>
+                <a:latin typeface="Arial"/>
+                <a:ea typeface="Arial"/>
+                <a:cs typeface="Arial"/>
+                <a:sym typeface="Arial"/>
+              </a:rPr>
+              <a:t>Ask Google?</a:t>
+            </a:r>
+          </a:p>
+          <a:p>
+            <a:pPr lvl="0" marR="0" rtl="0" algn="l">
+              <a:lnSpc>
+                <a:spcPct val="100000"/>
+              </a:lnSpc>
+              <a:spcBef>
+                <a:spcPts val="0"/>
+              </a:spcBef>
+              <a:spcAft>
+                <a:spcPts val="0"/>
+              </a:spcAft>
+              <a:buNone/>
+            </a:pPr>
+            <a:r>
+              <a:t/>
+            </a:r>
+            <a:endParaRPr b="0" baseline="0" i="0" sz="3000" u="none" cap="none" strike="noStrike">
+              <a:solidFill>
+                <a:srgbClr val="262626"/>
+              </a:solidFill>
+              <a:latin typeface="Arial"/>
+              <a:ea typeface="Arial"/>
+              <a:cs typeface="Arial"/>
+              <a:sym typeface="Arial"/>
+            </a:endParaRPr>
+          </a:p>
+          <a:p>
+            <a:pPr indent="-419100" lvl="0" marL="457200" marR="0" rtl="0" algn="l">
+              <a:lnSpc>
+                <a:spcPct val="100000"/>
+              </a:lnSpc>
+              <a:spcBef>
+                <a:spcPts val="0"/>
+              </a:spcBef>
+              <a:spcAft>
+                <a:spcPts val="0"/>
+              </a:spcAft>
+              <a:buClr>
+                <a:srgbClr val="262626"/>
+              </a:buClr>
+              <a:buSzPct val="100000"/>
+              <a:buFont typeface="Arial"/>
+              <a:buChar char="●"/>
+            </a:pPr>
+            <a:r>
+              <a:rPr b="0" baseline="0" i="0" lang="en-US" sz="3000" u="none" cap="none" strike="noStrike">
+                <a:solidFill>
+                  <a:srgbClr val="262626"/>
+                </a:solidFill>
+                <a:latin typeface="Arial"/>
+                <a:ea typeface="Arial"/>
+                <a:cs typeface="Arial"/>
+                <a:sym typeface="Arial"/>
+              </a:rPr>
+              <a:t>Search papers from an year?</a:t>
+            </a:r>
+          </a:p>
+        </p:txBody>
+      </p:sp>
     </p:spTree>
   </p:cSld>
   <p:clrMapOvr>
@@ -6997,7 +7418,7 @@
     </p:bg>
     <p:spTree>
       <p:nvGrpSpPr>
-        <p:cNvPr id="118" name="Shape 118"/>
+        <p:cNvPr id="122" name="Shape 122"/>
         <p:cNvGrpSpPr/>
         <p:nvPr/>
       </p:nvGrpSpPr>
@@ -7009,9 +7430,68 @@
           <a:chExt cx="0" cy="0"/>
         </a:xfrm>
       </p:grpSpPr>
+      <p:sp>
+        <p:nvSpPr>
+          <p:cNvPr id="123" name="Shape 123"/>
+          <p:cNvSpPr txBox="1"/>
+          <p:nvPr>
+            <p:ph type="title"/>
+          </p:nvPr>
+        </p:nvSpPr>
+        <p:spPr>
+          <a:xfrm>
+            <a:off x="304800" y="74611"/>
+            <a:ext cx="8839199" cy="731837"/>
+          </a:xfrm>
+          <a:prstGeom prst="rect">
+            <a:avLst/>
+          </a:prstGeom>
+          <a:noFill/>
+          <a:ln>
+            <a:noFill/>
+          </a:ln>
+        </p:spPr>
+        <p:txBody>
+          <a:bodyPr anchorCtr="0" anchor="ctr" bIns="0" lIns="0" rIns="0" tIns="0">
+            <a:noAutofit/>
+          </a:bodyPr>
+          <a:lstStyle/>
+          <a:p>
+            <a:pPr indent="0" lvl="0" marL="0" marR="0" rtl="0" algn="l">
+              <a:lnSpc>
+                <a:spcPct val="100000"/>
+              </a:lnSpc>
+              <a:spcBef>
+                <a:spcPts val="0"/>
+              </a:spcBef>
+              <a:spcAft>
+                <a:spcPts val="0"/>
+              </a:spcAft>
+              <a:buClr>
+                <a:srgbClr val="0A1F62"/>
+              </a:buClr>
+              <a:buSzPct val="25000"/>
+              <a:buFont typeface="Arial"/>
+              <a:buNone/>
+            </a:pPr>
+            <a:r>
+              <a:rPr b="1" baseline="0" i="0" lang="en-US" sz="3600" u="none" cap="none" strike="noStrike">
+                <a:solidFill>
+                  <a:srgbClr val="0A1F62"/>
+                </a:solidFill>
+                <a:latin typeface="Arial"/>
+                <a:ea typeface="Arial"/>
+                <a:cs typeface="Arial"/>
+                <a:sym typeface="Arial"/>
+              </a:rPr>
+              <a:t>Does Conference affect Citation Count?</a:t>
+            </a:r>
+          </a:p>
+        </p:txBody>
+      </p:sp>
       <p:pic>
         <p:nvPicPr>
-          <p:cNvPr id="119" name="Shape 119"/>
+          <p:cNvPr id="124" name="Shape 124"/>
           <p:cNvPicPr preferRelativeResize="0"/>
           <p:nvPr/>
         </p:nvPicPr>
@@ -7024,8 +7504,8 @@
         </p:blipFill>
         <p:spPr>
           <a:xfrm>
-            <a:off x="2012950" y="1079500"/>
-            <a:ext cx="7850187" cy="5224462"/>
+            <a:off x="1395412" y="1200150"/>
+            <a:ext cx="8702675" cy="5289550"/>
           </a:xfrm>
           <a:prstGeom prst="rect">
             <a:avLst/>
@@ -7036,65 +7516,6 @@
           </a:ln>
         </p:spPr>
       </p:pic>
-      <p:sp>
-        <p:nvSpPr>
-          <p:cNvPr id="120" name="Shape 120"/>
-          <p:cNvSpPr txBox="1"/>
-          <p:nvPr>
-            <p:ph type="title"/>
-          </p:nvPr>
-        </p:nvSpPr>
-        <p:spPr>
-          <a:xfrm>
-            <a:off x="304800" y="74611"/>
-            <a:ext cx="8839199" cy="731837"/>
-          </a:xfrm>
-          <a:prstGeom prst="rect">
-            <a:avLst/>
-          </a:prstGeom>
-          <a:noFill/>
-          <a:ln>
-            <a:noFill/>
-          </a:ln>
-        </p:spPr>
-        <p:txBody>
-          <a:bodyPr anchorCtr="0" anchor="ctr" bIns="0" lIns="0" rIns="0" tIns="0">
-            <a:noAutofit/>
-          </a:bodyPr>
-          <a:lstStyle/>
-          <a:p>
-            <a:pPr indent="0" lvl="0" marL="0" marR="0" rtl="0" algn="l">
-              <a:lnSpc>
-                <a:spcPct val="100000"/>
-              </a:lnSpc>
-              <a:spcBef>
-                <a:spcPts val="0"/>
-              </a:spcBef>
-              <a:spcAft>
-                <a:spcPts val="0"/>
-              </a:spcAft>
-              <a:buClr>
-                <a:srgbClr val="0A1F62"/>
-              </a:buClr>
-              <a:buSzPct val="25000"/>
-              <a:buFont typeface="Arial"/>
-              <a:buNone/>
-            </a:pPr>
-            <a:r>
-              <a:rPr b="1" baseline="0" i="0" lang="en-US" sz="3600" u="none" cap="none" strike="noStrike">
-                <a:solidFill>
-                  <a:srgbClr val="0A1F62"/>
-                </a:solidFill>
-                <a:latin typeface="Arial"/>
-                <a:ea typeface="Arial"/>
-                <a:cs typeface="Arial"/>
-                <a:sym typeface="Arial"/>
-              </a:rPr>
-              <a:t>Does Paper Title affect Citation Count?</a:t>
-            </a:r>
-          </a:p>
-        </p:txBody>
-      </p:sp>
     </p:spTree>
   </p:cSld>
   <p:clrMapOvr>
@@ -7118,7 +7539,7 @@
     </p:bg>
     <p:spTree>
       <p:nvGrpSpPr>
-        <p:cNvPr id="124" name="Shape 124"/>
+        <p:cNvPr id="128" name="Shape 128"/>
         <p:cNvGrpSpPr/>
         <p:nvPr/>
       </p:nvGrpSpPr>
@@ -7132,7 +7553,7 @@
       </p:grpSpPr>
       <p:pic>
         <p:nvPicPr>
-          <p:cNvPr id="125" name="Shape 125"/>
+          <p:cNvPr id="129" name="Shape 129"/>
           <p:cNvPicPr preferRelativeResize="0"/>
           <p:nvPr/>
         </p:nvPicPr>
@@ -7145,8 +7566,8 @@
         </p:blipFill>
         <p:spPr>
           <a:xfrm>
-            <a:off x="1344612" y="998537"/>
-            <a:ext cx="8255000" cy="5605462"/>
+            <a:off x="2012950" y="1079500"/>
+            <a:ext cx="7850187" cy="5224462"/>
           </a:xfrm>
           <a:prstGeom prst="rect">
             <a:avLst/>
@@ -7159,7 +7580,7 @@
       </p:pic>
       <p:sp>
         <p:nvSpPr>
-          <p:cNvPr id="126" name="Shape 126"/>
+          <p:cNvPr id="130" name="Shape 130"/>
           <p:cNvSpPr txBox="1"/>
           <p:nvPr>
             <p:ph type="title"/>
@@ -7202,7 +7623,7 @@
               <a:buNone/>
             </a:pPr>
             <a:r>
-              <a:rPr b="1" baseline="0" i="0" lang="en-US" sz="3200" u="none" cap="none" strike="noStrike">
+              <a:rPr b="1" baseline="0" i="0" lang="en-US" sz="3600" u="none" cap="none" strike="noStrike">
                 <a:solidFill>
                   <a:srgbClr val="0A1F62"/>
                 </a:solidFill>
@@ -7211,7 +7632,7 @@
                 <a:cs typeface="Arial"/>
                 <a:sym typeface="Arial"/>
               </a:rPr>
-              <a:t>Does Publication Year affect Citation Count?</a:t>
+              <a:t>Does Paper Title affect Citation Count?</a:t>
             </a:r>
           </a:p>
         </p:txBody>
@@ -7239,7 +7660,7 @@
     </p:bg>
     <p:spTree>
       <p:nvGrpSpPr>
-        <p:cNvPr id="130" name="Shape 130"/>
+        <p:cNvPr id="134" name="Shape 134"/>
         <p:cNvGrpSpPr/>
         <p:nvPr/>
       </p:nvGrpSpPr>
@@ -7251,18 +7672,23 @@
           <a:chExt cx="0" cy="0"/>
         </a:xfrm>
       </p:grpSpPr>
-      <p:sp>
-        <p:nvSpPr>
-          <p:cNvPr id="131" name="Shape 131"/>
-          <p:cNvSpPr txBox="1"/>
-          <p:nvPr>
-            <p:ph type="title"/>
-          </p:nvPr>
-        </p:nvSpPr>
-        <p:spPr>
-          <a:xfrm>
-            <a:off x="304800" y="74611"/>
-            <a:ext cx="8839199" cy="731837"/>
+      <p:pic>
+        <p:nvPicPr>
+          <p:cNvPr id="135" name="Shape 135"/>
+          <p:cNvPicPr preferRelativeResize="0"/>
+          <p:nvPr/>
+        </p:nvPicPr>
+        <p:blipFill rotWithShape="1">
+          <a:blip r:embed="rId3">
+            <a:alphaModFix/>
+          </a:blip>
+          <a:srcRect b="0" l="0" r="0" t="0"/>
+          <a:stretch/>
+        </p:blipFill>
+        <p:spPr>
+          <a:xfrm>
+            <a:off x="1344612" y="998537"/>
+            <a:ext cx="8255000" cy="5605462"/>
           </a:xfrm>
           <a:prstGeom prst="rect">
             <a:avLst/>
@@ -7272,6 +7698,28 @@
             <a:noFill/>
           </a:ln>
         </p:spPr>
+      </p:pic>
+      <p:sp>
+        <p:nvSpPr>
+          <p:cNvPr id="136" name="Shape 136"/>
+          <p:cNvSpPr txBox="1"/>
+          <p:nvPr>
+            <p:ph type="title"/>
+          </p:nvPr>
+        </p:nvSpPr>
+        <p:spPr>
+          <a:xfrm>
+            <a:off x="304800" y="74611"/>
+            <a:ext cx="8839199" cy="731837"/>
+          </a:xfrm>
+          <a:prstGeom prst="rect">
+            <a:avLst/>
+          </a:prstGeom>
+          <a:noFill/>
+          <a:ln>
+            <a:noFill/>
+          </a:ln>
+        </p:spPr>
         <p:txBody>
           <a:bodyPr anchorCtr="0" anchor="ctr" bIns="0" lIns="0" rIns="0" tIns="0">
             <a:noAutofit/>
@@ -7296,7 +7744,7 @@
               <a:buNone/>
             </a:pPr>
             <a:r>
-              <a:rPr b="1" baseline="0" i="0" lang="en-US" sz="4200" u="none" cap="none" strike="noStrike">
+              <a:rPr b="1" baseline="0" i="0" lang="en-US" sz="3200" u="none" cap="none" strike="noStrike">
                 <a:solidFill>
                   <a:srgbClr val="0A1F62"/>
                 </a:solidFill>
@@ -7305,39 +7753,11 @@
                 <a:cs typeface="Arial"/>
                 <a:sym typeface="Arial"/>
               </a:rPr>
-              <a:t>3-Way Nested ANOVA</a:t>
+              <a:t>Does Publication Year affect Citation Count?</a:t>
             </a:r>
           </a:p>
         </p:txBody>
       </p:sp>
-      <p:pic>
-        <p:nvPicPr>
-          <p:cNvPr id="132" name="Shape 132"/>
-          <p:cNvPicPr preferRelativeResize="0"/>
-          <p:nvPr/>
-        </p:nvPicPr>
-        <p:blipFill>
-          <a:blip r:embed="rId3">
-            <a:alphaModFix/>
-          </a:blip>
-          <a:stretch>
-            <a:fillRect/>
-          </a:stretch>
-        </p:blipFill>
-        <p:spPr>
-          <a:xfrm>
-            <a:off x="259175" y="2346225"/>
-            <a:ext cx="11673649" cy="2255124"/>
-          </a:xfrm>
-          <a:prstGeom prst="rect">
-            <a:avLst/>
-          </a:prstGeom>
-          <a:noFill/>
-          <a:ln>
-            <a:noFill/>
-          </a:ln>
-        </p:spPr>
-      </p:pic>
     </p:spTree>
   </p:cSld>
   <p:clrMapOvr>
@@ -7361,7 +7781,7 @@
     </p:bg>
     <p:spTree>
       <p:nvGrpSpPr>
-        <p:cNvPr id="136" name="Shape 136"/>
+        <p:cNvPr id="140" name="Shape 140"/>
         <p:cNvGrpSpPr/>
         <p:nvPr/>
       </p:nvGrpSpPr>
@@ -7375,7 +7795,7 @@
       </p:grpSpPr>
       <p:sp>
         <p:nvSpPr>
-          <p:cNvPr id="137" name="Shape 137"/>
+          <p:cNvPr id="141" name="Shape 141"/>
           <p:cNvSpPr txBox="1"/>
           <p:nvPr>
             <p:ph type="title"/>
@@ -7427,14 +7847,14 @@
                 <a:cs typeface="Arial"/>
                 <a:sym typeface="Arial"/>
               </a:rPr>
-              <a:t>3-Way Nested ANOVA Contd…</a:t>
+              <a:t>3-Way Nested ANOVA</a:t>
             </a:r>
           </a:p>
         </p:txBody>
       </p:sp>
       <p:pic>
         <p:nvPicPr>
-          <p:cNvPr id="138" name="Shape 138"/>
+          <p:cNvPr id="142" name="Shape 142"/>
           <p:cNvPicPr preferRelativeResize="0"/>
           <p:nvPr/>
         </p:nvPicPr>
@@ -7448,8 +7868,8 @@
         </p:blipFill>
         <p:spPr>
           <a:xfrm>
-            <a:off x="304800" y="2082800"/>
-            <a:ext cx="11502424" cy="3352799"/>
+            <a:off x="259175" y="2346225"/>
+            <a:ext cx="11673649" cy="2255124"/>
           </a:xfrm>
           <a:prstGeom prst="rect">
             <a:avLst/>
@@ -7604,7 +8024,7 @@
     </p:bg>
     <p:spTree>
       <p:nvGrpSpPr>
-        <p:cNvPr id="142" name="Shape 142"/>
+        <p:cNvPr id="146" name="Shape 146"/>
         <p:cNvGrpSpPr/>
         <p:nvPr/>
       </p:nvGrpSpPr>
@@ -7618,7 +8038,7 @@
       </p:grpSpPr>
       <p:sp>
         <p:nvSpPr>
-          <p:cNvPr id="143" name="Shape 143"/>
+          <p:cNvPr id="147" name="Shape 147"/>
           <p:cNvSpPr txBox="1"/>
           <p:nvPr>
             <p:ph type="title"/>
@@ -7670,21 +8090,29 @@
                 <a:cs typeface="Arial"/>
                 <a:sym typeface="Arial"/>
               </a:rPr>
-              <a:t>Conclusion</a:t>
+              <a:t>3-Way Nested ANOVA Contd…</a:t>
             </a:r>
           </a:p>
         </p:txBody>
       </p:sp>
-      <p:sp>
-        <p:nvSpPr>
-          <p:cNvPr id="144" name="Shape 144"/>
-          <p:cNvSpPr txBox="1"/>
+      <p:pic>
+        <p:nvPicPr>
+          <p:cNvPr id="148" name="Shape 148"/>
+          <p:cNvPicPr preferRelativeResize="0"/>
           <p:nvPr/>
-        </p:nvSpPr>
-        <p:spPr>
-          <a:xfrm>
-            <a:off x="774700" y="1524000"/>
-            <a:ext cx="10401299" cy="4356000"/>
+        </p:nvPicPr>
+        <p:blipFill>
+          <a:blip r:embed="rId3">
+            <a:alphaModFix/>
+          </a:blip>
+          <a:stretch>
+            <a:fillRect/>
+          </a:stretch>
+        </p:blipFill>
+        <p:spPr>
+          <a:xfrm>
+            <a:off x="304800" y="2082800"/>
+            <a:ext cx="11502424" cy="3352799"/>
           </a:xfrm>
           <a:prstGeom prst="rect">
             <a:avLst/>
@@ -7694,202 +8122,7 @@
             <a:noFill/>
           </a:ln>
         </p:spPr>
-        <p:txBody>
-          <a:bodyPr anchorCtr="0" anchor="t" bIns="91425" lIns="91425" rIns="91425" tIns="91425">
-            <a:noAutofit/>
-          </a:bodyPr>
-          <a:lstStyle/>
-          <a:p>
-            <a:pPr indent="-406400" lvl="0" marL="457200" rtl="0">
-              <a:spcBef>
-                <a:spcPts val="0"/>
-              </a:spcBef>
-              <a:buClr>
-                <a:srgbClr val="000000"/>
-              </a:buClr>
-              <a:buSzPct val="100000"/>
-              <a:buFont typeface="Arial"/>
-              <a:buChar char="●"/>
-            </a:pPr>
-            <a:r>
-              <a:rPr b="1" lang="en-US" sz="2800"/>
-              <a:t>Conference Ranking</a:t>
-            </a:r>
-            <a:r>
-              <a:rPr lang="en-US" sz="2800"/>
-              <a:t> affects citation count by </a:t>
-            </a:r>
-            <a:r>
-              <a:rPr b="1" lang="en-US" sz="2800"/>
-              <a:t>13%</a:t>
-            </a:r>
-            <a:r>
-              <a:rPr lang="en-US" sz="2800"/>
-              <a:t>.</a:t>
-            </a:r>
-          </a:p>
-          <a:p>
-            <a:pPr lvl="0" rtl="0">
-              <a:spcBef>
-                <a:spcPts val="0"/>
-              </a:spcBef>
-              <a:buNone/>
-            </a:pPr>
-            <a:r>
-              <a:t/>
-            </a:r>
-            <a:endParaRPr sz="2800"/>
-          </a:p>
-          <a:p>
-            <a:pPr indent="-406400" lvl="0" marL="457200" rtl="0">
-              <a:spcBef>
-                <a:spcPts val="0"/>
-              </a:spcBef>
-              <a:buClr>
-                <a:srgbClr val="000000"/>
-              </a:buClr>
-              <a:buSzPct val="100000"/>
-              <a:buFont typeface="Arial"/>
-              <a:buChar char="●"/>
-            </a:pPr>
-            <a:r>
-              <a:rPr b="1" lang="en-US" sz="2800"/>
-              <a:t>Paper title</a:t>
-            </a:r>
-            <a:r>
-              <a:rPr lang="en-US" sz="2800"/>
-              <a:t> affects citation count by </a:t>
-            </a:r>
-            <a:r>
-              <a:rPr b="1" lang="en-US" sz="2800"/>
-              <a:t>9.3%</a:t>
-            </a:r>
-            <a:r>
-              <a:rPr lang="en-US" sz="2800"/>
-              <a:t>.</a:t>
-            </a:r>
-          </a:p>
-          <a:p>
-            <a:pPr lvl="0" rtl="0">
-              <a:spcBef>
-                <a:spcPts val="0"/>
-              </a:spcBef>
-              <a:buNone/>
-            </a:pPr>
-            <a:r>
-              <a:t/>
-            </a:r>
-            <a:endParaRPr sz="2800"/>
-          </a:p>
-          <a:p>
-            <a:pPr indent="-406400" lvl="0" marL="457200" rtl="0">
-              <a:spcBef>
-                <a:spcPts val="0"/>
-              </a:spcBef>
-              <a:buClr>
-                <a:srgbClr val="000000"/>
-              </a:buClr>
-              <a:buSzPct val="100000"/>
-              <a:buFont typeface="Arial"/>
-              <a:buChar char="●"/>
-            </a:pPr>
-            <a:r>
-              <a:rPr b="1" lang="en-US" sz="2800"/>
-              <a:t>Publication year</a:t>
-            </a:r>
-            <a:r>
-              <a:rPr lang="en-US" sz="2800"/>
-              <a:t> affects citation count by </a:t>
-            </a:r>
-            <a:r>
-              <a:rPr b="1" lang="en-US" sz="2800"/>
-              <a:t>9%</a:t>
-            </a:r>
-            <a:r>
-              <a:rPr lang="en-US" sz="2800"/>
-              <a:t>.</a:t>
-            </a:r>
-          </a:p>
-          <a:p>
-            <a:pPr lvl="0" rtl="0">
-              <a:spcBef>
-                <a:spcPts val="0"/>
-              </a:spcBef>
-              <a:buNone/>
-            </a:pPr>
-            <a:r>
-              <a:t/>
-            </a:r>
-            <a:endParaRPr sz="2800"/>
-          </a:p>
-          <a:p>
-            <a:pPr indent="-406400" lvl="0" marL="457200" rtl="0">
-              <a:spcBef>
-                <a:spcPts val="0"/>
-              </a:spcBef>
-              <a:buClr>
-                <a:srgbClr val="000000"/>
-              </a:buClr>
-              <a:buSzPct val="100000"/>
-              <a:buFont typeface="Arial"/>
-              <a:buChar char="●"/>
-            </a:pPr>
-            <a:r>
-              <a:rPr b="1" lang="en-US" sz="2800"/>
-              <a:t>Interactions</a:t>
-            </a:r>
-            <a:r>
-              <a:rPr lang="en-US" sz="2800"/>
-              <a:t> affect citation count by </a:t>
-            </a:r>
-            <a:r>
-              <a:rPr b="1" lang="en-US" sz="2800"/>
-              <a:t>23%</a:t>
-            </a:r>
-            <a:r>
-              <a:rPr lang="en-US" sz="2800"/>
-              <a:t>.</a:t>
-            </a:r>
-          </a:p>
-          <a:p>
-            <a:pPr lvl="0" rtl="0">
-              <a:spcBef>
-                <a:spcPts val="0"/>
-              </a:spcBef>
-              <a:buNone/>
-            </a:pPr>
-            <a:r>
-              <a:t/>
-            </a:r>
-            <a:endParaRPr sz="2800"/>
-          </a:p>
-          <a:p>
-            <a:pPr indent="-406400" lvl="0" marL="457200" rtl="0">
-              <a:spcBef>
-                <a:spcPts val="0"/>
-              </a:spcBef>
-              <a:buClr>
-                <a:srgbClr val="000000"/>
-              </a:buClr>
-              <a:buSzPct val="100000"/>
-              <a:buFont typeface="Arial"/>
-              <a:buChar char="●"/>
-            </a:pPr>
-            <a:r>
-              <a:rPr b="1" lang="en-US" sz="2800"/>
-              <a:t>Unknown factors</a:t>
-            </a:r>
-            <a:r>
-              <a:rPr lang="en-US" sz="2800"/>
-              <a:t> affect citation count by </a:t>
-            </a:r>
-            <a:r>
-              <a:rPr b="1" lang="en-US" sz="2800"/>
-              <a:t>45.7%.</a:t>
-            </a:r>
-          </a:p>
-        </p:txBody>
-      </p:sp>
+      </p:pic>
     </p:spTree>
   </p:cSld>
   <p:clrMapOvr>
@@ -7913,7 +8146,7 @@
     </p:bg>
     <p:spTree>
       <p:nvGrpSpPr>
-        <p:cNvPr id="148" name="Shape 148"/>
+        <p:cNvPr id="152" name="Shape 152"/>
         <p:cNvGrpSpPr/>
         <p:nvPr/>
       </p:nvGrpSpPr>
@@ -7927,7 +8160,7 @@
       </p:grpSpPr>
       <p:sp>
         <p:nvSpPr>
-          <p:cNvPr id="149" name="Shape 149"/>
+          <p:cNvPr id="153" name="Shape 153"/>
           <p:cNvSpPr txBox="1"/>
           <p:nvPr>
             <p:ph type="title"/>
@@ -7979,23 +8212,21 @@
                 <a:cs typeface="Arial"/>
                 <a:sym typeface="Arial"/>
               </a:rPr>
-              <a:t>Conclusion Contd…</a:t>
+              <a:t>Conclusion</a:t>
             </a:r>
           </a:p>
         </p:txBody>
       </p:sp>
       <p:sp>
         <p:nvSpPr>
-          <p:cNvPr id="150" name="Shape 150"/>
+          <p:cNvPr id="154" name="Shape 154"/>
           <p:cNvSpPr txBox="1"/>
-          <p:nvPr>
-            <p:ph idx="1" type="body"/>
-          </p:nvPr>
+          <p:nvPr/>
         </p:nvSpPr>
         <p:spPr>
           <a:xfrm>
-            <a:off x="406400" y="1193800"/>
-            <a:ext cx="6602411" cy="727074"/>
+            <a:off x="774700" y="1524000"/>
+            <a:ext cx="10401299" cy="4356000"/>
           </a:xfrm>
           <a:prstGeom prst="rect">
             <a:avLst/>
@@ -8006,39 +8237,197 @@
           </a:ln>
         </p:spPr>
         <p:txBody>
-          <a:bodyPr anchorCtr="0" anchor="t" bIns="45700" lIns="45700" rIns="45700" tIns="45700">
+          <a:bodyPr anchorCtr="0" anchor="t" bIns="91425" lIns="91425" rIns="91425" tIns="91425">
             <a:noAutofit/>
           </a:bodyPr>
           <a:lstStyle/>
           <a:p>
-            <a:pPr indent="-455612" lvl="0" marL="455612" marR="0" rtl="0" algn="l">
-              <a:lnSpc>
-                <a:spcPct val="100000"/>
-              </a:lnSpc>
-              <a:spcBef>
-                <a:spcPts val="0"/>
-              </a:spcBef>
-              <a:spcAft>
-                <a:spcPts val="0"/>
-              </a:spcAft>
+            <a:pPr indent="-406400" lvl="0" marL="457200" rtl="0">
+              <a:spcBef>
+                <a:spcPts val="0"/>
+              </a:spcBef>
               <a:buClr>
                 <a:srgbClr val="000000"/>
               </a:buClr>
               <a:buSzPct val="100000"/>
               <a:buFont typeface="Arial"/>
-              <a:buChar char="•"/>
-            </a:pPr>
-            <a:r>
-              <a:rPr b="0" baseline="0" i="0" lang="en-US" sz="3200" u="none" cap="none" strike="noStrike">
-                <a:solidFill>
-                  <a:srgbClr val="000000"/>
-                </a:solidFill>
-                <a:latin typeface="Arial"/>
-                <a:ea typeface="Arial"/>
-                <a:cs typeface="Arial"/>
-                <a:sym typeface="Arial"/>
-              </a:rPr>
-              <a:t>What else could affect citations?</a:t>
+              <a:buChar char="●"/>
+            </a:pPr>
+            <a:r>
+              <a:rPr b="1" lang="en-US" sz="2800"/>
+              <a:t>Conference Ranking</a:t>
+            </a:r>
+            <a:r>
+              <a:rPr lang="en-US" sz="2800"/>
+              <a:t> affects citation count by </a:t>
+            </a:r>
+            <a:r>
+              <a:rPr b="1" lang="en-US" sz="2800"/>
+              <a:t>13%</a:t>
+            </a:r>
+            <a:r>
+              <a:rPr lang="en-US" sz="2800"/>
+              <a:t>.</a:t>
+            </a:r>
+          </a:p>
+          <a:p>
+            <a:pPr lvl="0" rtl="0">
+              <a:spcBef>
+                <a:spcPts val="0"/>
+              </a:spcBef>
+              <a:buNone/>
+            </a:pPr>
+            <a:r>
+              <a:t/>
+            </a:r>
+            <a:endParaRPr sz="2800"/>
+          </a:p>
+          <a:p>
+            <a:pPr indent="-406400" lvl="0" marL="457200" rtl="0">
+              <a:spcBef>
+                <a:spcPts val="0"/>
+              </a:spcBef>
+              <a:buClr>
+                <a:srgbClr val="000000"/>
+              </a:buClr>
+              <a:buSzPct val="100000"/>
+              <a:buFont typeface="Arial"/>
+              <a:buChar char="●"/>
+            </a:pPr>
+            <a:r>
+              <a:rPr b="1" lang="en-US" sz="2800"/>
+              <a:t>Paper title</a:t>
+            </a:r>
+            <a:r>
+              <a:rPr lang="en-US" sz="2800"/>
+              <a:t> affects citation count by </a:t>
+            </a:r>
+            <a:r>
+              <a:rPr b="1" lang="en-US" sz="2800"/>
+              <a:t>9.3%</a:t>
+            </a:r>
+            <a:r>
+              <a:rPr lang="en-US" sz="2800"/>
+              <a:t>.</a:t>
+            </a:r>
+          </a:p>
+          <a:p>
+            <a:pPr lvl="0" rtl="0">
+              <a:spcBef>
+                <a:spcPts val="0"/>
+              </a:spcBef>
+              <a:buNone/>
+            </a:pPr>
+            <a:r>
+              <a:t/>
+            </a:r>
+            <a:endParaRPr sz="2800"/>
+          </a:p>
+          <a:p>
+            <a:pPr indent="-406400" lvl="0" marL="457200" rtl="0">
+              <a:spcBef>
+                <a:spcPts val="0"/>
+              </a:spcBef>
+              <a:buClr>
+                <a:srgbClr val="000000"/>
+              </a:buClr>
+              <a:buSzPct val="100000"/>
+              <a:buFont typeface="Arial"/>
+              <a:buChar char="●"/>
+            </a:pPr>
+            <a:r>
+              <a:rPr b="1" lang="en-US" sz="2800"/>
+              <a:t>Publication year</a:t>
+            </a:r>
+            <a:r>
+              <a:rPr lang="en-US" sz="2800"/>
+              <a:t> affects citation count by </a:t>
+            </a:r>
+            <a:r>
+              <a:rPr b="1" lang="en-US" sz="2800"/>
+              <a:t>9%</a:t>
+            </a:r>
+            <a:r>
+              <a:rPr lang="en-US" sz="2800"/>
+              <a:t>.</a:t>
+            </a:r>
+          </a:p>
+          <a:p>
+            <a:pPr lvl="0" rtl="0">
+              <a:spcBef>
+                <a:spcPts val="0"/>
+              </a:spcBef>
+              <a:buNone/>
+            </a:pPr>
+            <a:r>
+              <a:t/>
+            </a:r>
+            <a:endParaRPr sz="2800"/>
+          </a:p>
+          <a:p>
+            <a:pPr indent="-406400" lvl="0" marL="457200" rtl="0">
+              <a:spcBef>
+                <a:spcPts val="0"/>
+              </a:spcBef>
+              <a:buClr>
+                <a:srgbClr val="000000"/>
+              </a:buClr>
+              <a:buSzPct val="100000"/>
+              <a:buFont typeface="Arial"/>
+              <a:buChar char="●"/>
+            </a:pPr>
+            <a:r>
+              <a:rPr b="1" lang="en-US" sz="2800"/>
+              <a:t>Interactions</a:t>
+            </a:r>
+            <a:r>
+              <a:rPr lang="en-US" sz="2800"/>
+              <a:t> affect citation count by </a:t>
+            </a:r>
+            <a:r>
+              <a:rPr b="1" lang="en-US" sz="2800"/>
+              <a:t>23%</a:t>
+            </a:r>
+            <a:r>
+              <a:rPr lang="en-US" sz="2800"/>
+              <a:t>.</a:t>
+            </a:r>
+          </a:p>
+          <a:p>
+            <a:pPr lvl="0" rtl="0">
+              <a:spcBef>
+                <a:spcPts val="0"/>
+              </a:spcBef>
+              <a:buNone/>
+            </a:pPr>
+            <a:r>
+              <a:t/>
+            </a:r>
+            <a:endParaRPr sz="2800"/>
+          </a:p>
+          <a:p>
+            <a:pPr indent="-406400" lvl="0" marL="457200" rtl="0">
+              <a:spcBef>
+                <a:spcPts val="0"/>
+              </a:spcBef>
+              <a:buClr>
+                <a:srgbClr val="000000"/>
+              </a:buClr>
+              <a:buSzPct val="100000"/>
+              <a:buFont typeface="Arial"/>
+              <a:buChar char="●"/>
+            </a:pPr>
+            <a:r>
+              <a:rPr b="1" lang="en-US" sz="2800"/>
+              <a:t>Unknown factors</a:t>
+            </a:r>
+            <a:r>
+              <a:rPr lang="en-US" sz="2800"/>
+              <a:t> affect citation count by </a:t>
+            </a:r>
+            <a:r>
+              <a:rPr b="1" lang="en-US" sz="2800"/>
+              <a:t>45.7%.</a:t>
             </a:r>
           </a:p>
         </p:txBody>
@@ -8066,7 +8455,7 @@
     </p:bg>
     <p:spTree>
       <p:nvGrpSpPr>
-        <p:cNvPr id="154" name="Shape 154"/>
+        <p:cNvPr id="158" name="Shape 158"/>
         <p:cNvGrpSpPr/>
         <p:nvPr/>
       </p:nvGrpSpPr>
@@ -8080,7 +8469,7 @@
       </p:grpSpPr>
       <p:sp>
         <p:nvSpPr>
-          <p:cNvPr id="155" name="Shape 155"/>
+          <p:cNvPr id="159" name="Shape 159"/>
           <p:cNvSpPr txBox="1"/>
           <p:nvPr>
             <p:ph type="title"/>
@@ -8089,7 +8478,7 @@
         <p:spPr>
           <a:xfrm>
             <a:off x="304800" y="74611"/>
-            <a:ext cx="8839199" cy="731700"/>
+            <a:ext cx="8839199" cy="731837"/>
           </a:xfrm>
           <a:prstGeom prst="rect">
             <a:avLst/>
@@ -8139,7 +8528,7 @@
       </p:sp>
       <p:sp>
         <p:nvSpPr>
-          <p:cNvPr id="156" name="Shape 156"/>
+          <p:cNvPr id="160" name="Shape 160"/>
           <p:cNvSpPr txBox="1"/>
           <p:nvPr>
             <p:ph idx="1" type="body"/>
@@ -8148,7 +8537,7 @@
         <p:spPr>
           <a:xfrm>
             <a:off x="406400" y="1193800"/>
-            <a:ext cx="6602399" cy="727200"/>
+            <a:ext cx="6602411" cy="727074"/>
           </a:xfrm>
           <a:prstGeom prst="rect">
             <a:avLst/>
@@ -8192,90 +8581,6 @@
                 <a:sym typeface="Arial"/>
               </a:rPr>
               <a:t>What else could affect citations?</a:t>
-            </a:r>
-          </a:p>
-        </p:txBody>
-      </p:sp>
-      <p:pic>
-        <p:nvPicPr>
-          <p:cNvPr id="157" name="Shape 157"/>
-          <p:cNvPicPr preferRelativeResize="0"/>
-          <p:nvPr/>
-        </p:nvPicPr>
-        <p:blipFill rotWithShape="1">
-          <a:blip r:embed="rId3">
-            <a:alphaModFix/>
-          </a:blip>
-          <a:srcRect b="0" l="0" r="0" t="0"/>
-          <a:stretch/>
-        </p:blipFill>
-        <p:spPr>
-          <a:xfrm>
-            <a:off x="6900861" y="1765300"/>
-            <a:ext cx="4718100" cy="4949699"/>
-          </a:xfrm>
-          <a:prstGeom prst="rect">
-            <a:avLst/>
-          </a:prstGeom>
-          <a:noFill/>
-          <a:ln>
-            <a:noFill/>
-          </a:ln>
-        </p:spPr>
-      </p:pic>
-      <p:sp>
-        <p:nvSpPr>
-          <p:cNvPr id="158" name="Shape 158"/>
-          <p:cNvSpPr txBox="1"/>
-          <p:nvPr/>
-        </p:nvSpPr>
-        <p:spPr>
-          <a:xfrm>
-            <a:off x="280987" y="1906586"/>
-            <a:ext cx="5762699" cy="547800"/>
-          </a:xfrm>
-          <a:prstGeom prst="rect">
-            <a:avLst/>
-          </a:prstGeom>
-          <a:noFill/>
-          <a:ln>
-            <a:noFill/>
-          </a:ln>
-        </p:spPr>
-        <p:txBody>
-          <a:bodyPr anchorCtr="0" anchor="t" bIns="0" lIns="0" rIns="0" tIns="0">
-            <a:noAutofit/>
-          </a:bodyPr>
-          <a:lstStyle/>
-          <a:p>
-            <a:pPr indent="-468312" lvl="1" marL="1065212" marR="0" rtl="0" algn="l">
-              <a:lnSpc>
-                <a:spcPct val="100000"/>
-              </a:lnSpc>
-              <a:spcBef>
-                <a:spcPts val="0"/>
-              </a:spcBef>
-              <a:spcAft>
-                <a:spcPts val="0"/>
-              </a:spcAft>
-              <a:buClr>
-                <a:srgbClr val="000000"/>
-              </a:buClr>
-              <a:buSzPct val="100000"/>
-              <a:buFont typeface="Arial"/>
-              <a:buChar char="•"/>
-            </a:pPr>
-            <a:r>
-              <a:rPr b="0" baseline="0" i="0" lang="en-US" sz="3200" u="none" cap="none" strike="noStrike">
-                <a:solidFill>
-                  <a:srgbClr val="000000"/>
-                </a:solidFill>
-                <a:latin typeface="Arial"/>
-                <a:ea typeface="Arial"/>
-                <a:cs typeface="Arial"/>
-                <a:sym typeface="Arial"/>
-              </a:rPr>
-              <a:t>Author popularity.</a:t>
             </a:r>
           </a:p>
         </p:txBody>
@@ -8303,7 +8608,7 @@
     </p:bg>
     <p:spTree>
       <p:nvGrpSpPr>
-        <p:cNvPr id="162" name="Shape 162"/>
+        <p:cNvPr id="164" name="Shape 164"/>
         <p:cNvGrpSpPr/>
         <p:nvPr/>
       </p:nvGrpSpPr>
@@ -8317,7 +8622,7 @@
       </p:grpSpPr>
       <p:sp>
         <p:nvSpPr>
-          <p:cNvPr id="163" name="Shape 163"/>
+          <p:cNvPr id="165" name="Shape 165"/>
           <p:cNvSpPr txBox="1"/>
           <p:nvPr>
             <p:ph type="title"/>
@@ -8326,7 +8631,7 @@
         <p:spPr>
           <a:xfrm>
             <a:off x="304800" y="74611"/>
-            <a:ext cx="8839199" cy="731837"/>
+            <a:ext cx="8839199" cy="731700"/>
           </a:xfrm>
           <a:prstGeom prst="rect">
             <a:avLst/>
@@ -8376,7 +8681,7 @@
       </p:sp>
       <p:sp>
         <p:nvSpPr>
-          <p:cNvPr id="164" name="Shape 164"/>
+          <p:cNvPr id="166" name="Shape 166"/>
           <p:cNvSpPr txBox="1"/>
           <p:nvPr>
             <p:ph idx="1" type="body"/>
@@ -8385,7 +8690,7 @@
         <p:spPr>
           <a:xfrm>
             <a:off x="406400" y="1193800"/>
-            <a:ext cx="6602411" cy="727074"/>
+            <a:ext cx="6602399" cy="727200"/>
           </a:xfrm>
           <a:prstGeom prst="rect">
             <a:avLst/>
@@ -8429,120 +8734,6 @@
                 <a:sym typeface="Arial"/>
               </a:rPr>
               <a:t>What else could affect citations?</a:t>
-            </a:r>
-          </a:p>
-        </p:txBody>
-      </p:sp>
-      <p:sp>
-        <p:nvSpPr>
-          <p:cNvPr id="165" name="Shape 165"/>
-          <p:cNvSpPr txBox="1"/>
-          <p:nvPr/>
-        </p:nvSpPr>
-        <p:spPr>
-          <a:xfrm>
-            <a:off x="280987" y="1906586"/>
-            <a:ext cx="5762624" cy="547687"/>
-          </a:xfrm>
-          <a:prstGeom prst="rect">
-            <a:avLst/>
-          </a:prstGeom>
-          <a:noFill/>
-          <a:ln>
-            <a:noFill/>
-          </a:ln>
-        </p:spPr>
-        <p:txBody>
-          <a:bodyPr anchorCtr="0" anchor="t" bIns="0" lIns="0" rIns="0" tIns="0">
-            <a:noAutofit/>
-          </a:bodyPr>
-          <a:lstStyle/>
-          <a:p>
-            <a:pPr indent="-468312" lvl="1" marL="1065212" marR="0" rtl="0" algn="l">
-              <a:lnSpc>
-                <a:spcPct val="100000"/>
-              </a:lnSpc>
-              <a:spcBef>
-                <a:spcPts val="0"/>
-              </a:spcBef>
-              <a:spcAft>
-                <a:spcPts val="0"/>
-              </a:spcAft>
-              <a:buClr>
-                <a:srgbClr val="000000"/>
-              </a:buClr>
-              <a:buSzPct val="100000"/>
-              <a:buFont typeface="Arial"/>
-              <a:buChar char="•"/>
-            </a:pPr>
-            <a:r>
-              <a:rPr b="0" baseline="0" i="0" lang="en-US" sz="3200" u="none" cap="none" strike="noStrike">
-                <a:solidFill>
-                  <a:srgbClr val="000000"/>
-                </a:solidFill>
-                <a:latin typeface="Arial"/>
-                <a:ea typeface="Arial"/>
-                <a:cs typeface="Arial"/>
-                <a:sym typeface="Arial"/>
-              </a:rPr>
-              <a:t>Author popularity.</a:t>
-            </a:r>
-          </a:p>
-        </p:txBody>
-      </p:sp>
-      <p:sp>
-        <p:nvSpPr>
-          <p:cNvPr id="166" name="Shape 166"/>
-          <p:cNvSpPr txBox="1"/>
-          <p:nvPr/>
-        </p:nvSpPr>
-        <p:spPr>
-          <a:xfrm>
-            <a:off x="284162" y="2693986"/>
-            <a:ext cx="4243386" cy="547687"/>
-          </a:xfrm>
-          <a:prstGeom prst="rect">
-            <a:avLst/>
-          </a:prstGeom>
-          <a:noFill/>
-          <a:ln>
-            <a:noFill/>
-          </a:ln>
-        </p:spPr>
-        <p:txBody>
-          <a:bodyPr anchorCtr="0" anchor="t" bIns="0" lIns="0" rIns="0" tIns="0">
-            <a:noAutofit/>
-          </a:bodyPr>
-          <a:lstStyle/>
-          <a:p>
-            <a:pPr indent="-468312" lvl="1" marL="1065212" marR="0" rtl="0" algn="l">
-              <a:lnSpc>
-                <a:spcPct val="100000"/>
-              </a:lnSpc>
-              <a:spcBef>
-                <a:spcPts val="0"/>
-              </a:spcBef>
-              <a:spcAft>
-                <a:spcPts val="0"/>
-              </a:spcAft>
-              <a:buClr>
-                <a:srgbClr val="000000"/>
-              </a:buClr>
-              <a:buSzPct val="100000"/>
-              <a:buFont typeface="Arial"/>
-              <a:buChar char="•"/>
-            </a:pPr>
-            <a:r>
-              <a:rPr b="0" baseline="0" i="0" lang="en-US" sz="3200" u="none" cap="none" strike="noStrike">
-                <a:solidFill>
-                  <a:srgbClr val="000000"/>
-                </a:solidFill>
-                <a:latin typeface="Arial"/>
-                <a:ea typeface="Arial"/>
-                <a:cs typeface="Arial"/>
-                <a:sym typeface="Arial"/>
-              </a:rPr>
-              <a:t>Paper relevance.</a:t>
             </a:r>
           </a:p>
         </p:txBody>
@@ -8562,8 +8753,8 @@
         </p:blipFill>
         <p:spPr>
           <a:xfrm>
-            <a:off x="5613400" y="1924050"/>
-            <a:ext cx="6223000" cy="4127500"/>
+            <a:off x="6900861" y="1765300"/>
+            <a:ext cx="4718100" cy="4949699"/>
           </a:xfrm>
           <a:prstGeom prst="rect">
             <a:avLst/>
@@ -8574,6 +8765,63 @@
           </a:ln>
         </p:spPr>
       </p:pic>
+      <p:sp>
+        <p:nvSpPr>
+          <p:cNvPr id="168" name="Shape 168"/>
+          <p:cNvSpPr txBox="1"/>
+          <p:nvPr/>
+        </p:nvSpPr>
+        <p:spPr>
+          <a:xfrm>
+            <a:off x="280987" y="1906586"/>
+            <a:ext cx="5762699" cy="547800"/>
+          </a:xfrm>
+          <a:prstGeom prst="rect">
+            <a:avLst/>
+          </a:prstGeom>
+          <a:noFill/>
+          <a:ln>
+            <a:noFill/>
+          </a:ln>
+        </p:spPr>
+        <p:txBody>
+          <a:bodyPr anchorCtr="0" anchor="t" bIns="0" lIns="0" rIns="0" tIns="0">
+            <a:noAutofit/>
+          </a:bodyPr>
+          <a:lstStyle/>
+          <a:p>
+            <a:pPr indent="-468312" lvl="1" marL="1065212" marR="0" rtl="0" algn="l">
+              <a:lnSpc>
+                <a:spcPct val="100000"/>
+              </a:lnSpc>
+              <a:spcBef>
+                <a:spcPts val="0"/>
+              </a:spcBef>
+              <a:spcAft>
+                <a:spcPts val="0"/>
+              </a:spcAft>
+              <a:buClr>
+                <a:srgbClr val="000000"/>
+              </a:buClr>
+              <a:buSzPct val="100000"/>
+              <a:buFont typeface="Arial"/>
+              <a:buChar char="•"/>
+            </a:pPr>
+            <a:r>
+              <a:rPr b="0" baseline="0" i="0" lang="en-US" sz="3200" u="none" cap="none" strike="noStrike">
+                <a:solidFill>
+                  <a:srgbClr val="000000"/>
+                </a:solidFill>
+                <a:latin typeface="Arial"/>
+                <a:ea typeface="Arial"/>
+                <a:cs typeface="Arial"/>
+                <a:sym typeface="Arial"/>
+              </a:rPr>
+              <a:t>Author popularity.</a:t>
+            </a:r>
+          </a:p>
+        </p:txBody>
+      </p:sp>
     </p:spTree>
   </p:cSld>
   <p:clrMapOvr>
@@ -8597,7 +8845,7 @@
     </p:bg>
     <p:spTree>
       <p:nvGrpSpPr>
-        <p:cNvPr id="171" name="Shape 171"/>
+        <p:cNvPr id="172" name="Shape 172"/>
         <p:cNvGrpSpPr/>
         <p:nvPr/>
       </p:nvGrpSpPr>
@@ -8611,7 +8859,7 @@
       </p:grpSpPr>
       <p:sp>
         <p:nvSpPr>
-          <p:cNvPr id="172" name="Shape 172"/>
+          <p:cNvPr id="173" name="Shape 173"/>
           <p:cNvSpPr txBox="1"/>
           <p:nvPr>
             <p:ph type="title"/>
@@ -8670,7 +8918,7 @@
       </p:sp>
       <p:sp>
         <p:nvSpPr>
-          <p:cNvPr id="173" name="Shape 173"/>
+          <p:cNvPr id="174" name="Shape 174"/>
           <p:cNvSpPr txBox="1"/>
           <p:nvPr>
             <p:ph idx="1" type="body"/>
@@ -8727,9 +8975,123 @@
           </a:p>
         </p:txBody>
       </p:sp>
+      <p:sp>
+        <p:nvSpPr>
+          <p:cNvPr id="175" name="Shape 175"/>
+          <p:cNvSpPr txBox="1"/>
+          <p:nvPr/>
+        </p:nvSpPr>
+        <p:spPr>
+          <a:xfrm>
+            <a:off x="280987" y="1906586"/>
+            <a:ext cx="5762624" cy="547687"/>
+          </a:xfrm>
+          <a:prstGeom prst="rect">
+            <a:avLst/>
+          </a:prstGeom>
+          <a:noFill/>
+          <a:ln>
+            <a:noFill/>
+          </a:ln>
+        </p:spPr>
+        <p:txBody>
+          <a:bodyPr anchorCtr="0" anchor="t" bIns="0" lIns="0" rIns="0" tIns="0">
+            <a:noAutofit/>
+          </a:bodyPr>
+          <a:lstStyle/>
+          <a:p>
+            <a:pPr indent="-468312" lvl="1" marL="1065212" marR="0" rtl="0" algn="l">
+              <a:lnSpc>
+                <a:spcPct val="100000"/>
+              </a:lnSpc>
+              <a:spcBef>
+                <a:spcPts val="0"/>
+              </a:spcBef>
+              <a:spcAft>
+                <a:spcPts val="0"/>
+              </a:spcAft>
+              <a:buClr>
+                <a:srgbClr val="000000"/>
+              </a:buClr>
+              <a:buSzPct val="100000"/>
+              <a:buFont typeface="Arial"/>
+              <a:buChar char="•"/>
+            </a:pPr>
+            <a:r>
+              <a:rPr b="0" baseline="0" i="0" lang="en-US" sz="3200" u="none" cap="none" strike="noStrike">
+                <a:solidFill>
+                  <a:srgbClr val="000000"/>
+                </a:solidFill>
+                <a:latin typeface="Arial"/>
+                <a:ea typeface="Arial"/>
+                <a:cs typeface="Arial"/>
+                <a:sym typeface="Arial"/>
+              </a:rPr>
+              <a:t>Author popularity.</a:t>
+            </a:r>
+          </a:p>
+        </p:txBody>
+      </p:sp>
+      <p:sp>
+        <p:nvSpPr>
+          <p:cNvPr id="176" name="Shape 176"/>
+          <p:cNvSpPr txBox="1"/>
+          <p:nvPr/>
+        </p:nvSpPr>
+        <p:spPr>
+          <a:xfrm>
+            <a:off x="284162" y="2693986"/>
+            <a:ext cx="4243386" cy="547687"/>
+          </a:xfrm>
+          <a:prstGeom prst="rect">
+            <a:avLst/>
+          </a:prstGeom>
+          <a:noFill/>
+          <a:ln>
+            <a:noFill/>
+          </a:ln>
+        </p:spPr>
+        <p:txBody>
+          <a:bodyPr anchorCtr="0" anchor="t" bIns="0" lIns="0" rIns="0" tIns="0">
+            <a:noAutofit/>
+          </a:bodyPr>
+          <a:lstStyle/>
+          <a:p>
+            <a:pPr indent="-468312" lvl="1" marL="1065212" marR="0" rtl="0" algn="l">
+              <a:lnSpc>
+                <a:spcPct val="100000"/>
+              </a:lnSpc>
+              <a:spcBef>
+                <a:spcPts val="0"/>
+              </a:spcBef>
+              <a:spcAft>
+                <a:spcPts val="0"/>
+              </a:spcAft>
+              <a:buClr>
+                <a:srgbClr val="000000"/>
+              </a:buClr>
+              <a:buSzPct val="100000"/>
+              <a:buFont typeface="Arial"/>
+              <a:buChar char="•"/>
+            </a:pPr>
+            <a:r>
+              <a:rPr b="0" baseline="0" i="0" lang="en-US" sz="3200" u="none" cap="none" strike="noStrike">
+                <a:solidFill>
+                  <a:srgbClr val="000000"/>
+                </a:solidFill>
+                <a:latin typeface="Arial"/>
+                <a:ea typeface="Arial"/>
+                <a:cs typeface="Arial"/>
+                <a:sym typeface="Arial"/>
+              </a:rPr>
+              <a:t>Paper relevance.</a:t>
+            </a:r>
+          </a:p>
+        </p:txBody>
+      </p:sp>
       <p:pic>
         <p:nvPicPr>
-          <p:cNvPr id="174" name="Shape 174"/>
+          <p:cNvPr id="177" name="Shape 177"/>
           <p:cNvPicPr preferRelativeResize="0"/>
           <p:nvPr/>
         </p:nvPicPr>
@@ -8742,8 +9104,8 @@
         </p:blipFill>
         <p:spPr>
           <a:xfrm>
-            <a:off x="6108700" y="1822450"/>
-            <a:ext cx="5632450" cy="4178300"/>
+            <a:off x="5613400" y="1924050"/>
+            <a:ext cx="6223000" cy="4127500"/>
           </a:xfrm>
           <a:prstGeom prst="rect">
             <a:avLst/>
@@ -8754,177 +9116,6 @@
           </a:ln>
         </p:spPr>
       </p:pic>
-      <p:sp>
-        <p:nvSpPr>
-          <p:cNvPr id="175" name="Shape 175"/>
-          <p:cNvSpPr txBox="1"/>
-          <p:nvPr/>
-        </p:nvSpPr>
-        <p:spPr>
-          <a:xfrm>
-            <a:off x="280987" y="1906586"/>
-            <a:ext cx="5762624" cy="547687"/>
-          </a:xfrm>
-          <a:prstGeom prst="rect">
-            <a:avLst/>
-          </a:prstGeom>
-          <a:noFill/>
-          <a:ln>
-            <a:noFill/>
-          </a:ln>
-        </p:spPr>
-        <p:txBody>
-          <a:bodyPr anchorCtr="0" anchor="t" bIns="0" lIns="0" rIns="0" tIns="0">
-            <a:noAutofit/>
-          </a:bodyPr>
-          <a:lstStyle/>
-          <a:p>
-            <a:pPr indent="-468312" lvl="1" marL="1065212" marR="0" rtl="0" algn="l">
-              <a:lnSpc>
-                <a:spcPct val="100000"/>
-              </a:lnSpc>
-              <a:spcBef>
-                <a:spcPts val="0"/>
-              </a:spcBef>
-              <a:spcAft>
-                <a:spcPts val="0"/>
-              </a:spcAft>
-              <a:buClr>
-                <a:srgbClr val="000000"/>
-              </a:buClr>
-              <a:buSzPct val="100000"/>
-              <a:buFont typeface="Arial"/>
-              <a:buChar char="•"/>
-            </a:pPr>
-            <a:r>
-              <a:rPr b="0" baseline="0" i="0" lang="en-US" sz="3200" u="none" cap="none" strike="noStrike">
-                <a:solidFill>
-                  <a:srgbClr val="000000"/>
-                </a:solidFill>
-                <a:latin typeface="Arial"/>
-                <a:ea typeface="Arial"/>
-                <a:cs typeface="Arial"/>
-                <a:sym typeface="Arial"/>
-              </a:rPr>
-              <a:t>Author popularity.</a:t>
-            </a:r>
-          </a:p>
-        </p:txBody>
-      </p:sp>
-      <p:sp>
-        <p:nvSpPr>
-          <p:cNvPr id="176" name="Shape 176"/>
-          <p:cNvSpPr txBox="1"/>
-          <p:nvPr/>
-        </p:nvSpPr>
-        <p:spPr>
-          <a:xfrm>
-            <a:off x="284162" y="2693986"/>
-            <a:ext cx="4243386" cy="547687"/>
-          </a:xfrm>
-          <a:prstGeom prst="rect">
-            <a:avLst/>
-          </a:prstGeom>
-          <a:noFill/>
-          <a:ln>
-            <a:noFill/>
-          </a:ln>
-        </p:spPr>
-        <p:txBody>
-          <a:bodyPr anchorCtr="0" anchor="t" bIns="0" lIns="0" rIns="0" tIns="0">
-            <a:noAutofit/>
-          </a:bodyPr>
-          <a:lstStyle/>
-          <a:p>
-            <a:pPr indent="-468312" lvl="1" marL="1065212" marR="0" rtl="0" algn="l">
-              <a:lnSpc>
-                <a:spcPct val="100000"/>
-              </a:lnSpc>
-              <a:spcBef>
-                <a:spcPts val="0"/>
-              </a:spcBef>
-              <a:spcAft>
-                <a:spcPts val="0"/>
-              </a:spcAft>
-              <a:buClr>
-                <a:srgbClr val="000000"/>
-              </a:buClr>
-              <a:buSzPct val="100000"/>
-              <a:buFont typeface="Arial"/>
-              <a:buChar char="•"/>
-            </a:pPr>
-            <a:r>
-              <a:rPr b="0" baseline="0" i="0" lang="en-US" sz="3200" u="none" cap="none" strike="noStrike">
-                <a:solidFill>
-                  <a:srgbClr val="000000"/>
-                </a:solidFill>
-                <a:latin typeface="Arial"/>
-                <a:ea typeface="Arial"/>
-                <a:cs typeface="Arial"/>
-                <a:sym typeface="Arial"/>
-              </a:rPr>
-              <a:t>Paper relevance.</a:t>
-            </a:r>
-          </a:p>
-        </p:txBody>
-      </p:sp>
-      <p:sp>
-        <p:nvSpPr>
-          <p:cNvPr id="177" name="Shape 177"/>
-          <p:cNvSpPr txBox="1"/>
-          <p:nvPr/>
-        </p:nvSpPr>
-        <p:spPr>
-          <a:xfrm>
-            <a:off x="279400" y="3452812"/>
-            <a:ext cx="4792661" cy="547687"/>
-          </a:xfrm>
-          <a:prstGeom prst="rect">
-            <a:avLst/>
-          </a:prstGeom>
-          <a:noFill/>
-          <a:ln>
-            <a:noFill/>
-          </a:ln>
-        </p:spPr>
-        <p:txBody>
-          <a:bodyPr anchorCtr="0" anchor="t" bIns="0" lIns="0" rIns="0" tIns="0">
-            <a:noAutofit/>
-          </a:bodyPr>
-          <a:lstStyle/>
-          <a:p>
-            <a:pPr indent="-468312" lvl="1" marL="1065212" marR="0" rtl="0" algn="l">
-              <a:lnSpc>
-                <a:spcPct val="100000"/>
-              </a:lnSpc>
-              <a:spcBef>
-                <a:spcPts val="0"/>
-              </a:spcBef>
-              <a:spcAft>
-                <a:spcPts val="0"/>
-              </a:spcAft>
-              <a:buClr>
-                <a:srgbClr val="000000"/>
-              </a:buClr>
-              <a:buSzPct val="100000"/>
-              <a:buFont typeface="Arial"/>
-              <a:buChar char="•"/>
-            </a:pPr>
-            <a:r>
-              <a:rPr b="0" baseline="0" i="0" lang="en-US" sz="3200" u="none" cap="none" strike="noStrike">
-                <a:solidFill>
-                  <a:srgbClr val="000000"/>
-                </a:solidFill>
-                <a:latin typeface="Arial"/>
-                <a:ea typeface="Arial"/>
-                <a:cs typeface="Arial"/>
-                <a:sym typeface="Arial"/>
-              </a:rPr>
-              <a:t>Timeliness of paper.</a:t>
-            </a:r>
-          </a:p>
-        </p:txBody>
-      </p:sp>
     </p:spTree>
   </p:cSld>
   <p:clrMapOvr>
@@ -9078,9 +9269,36 @@
           </a:p>
         </p:txBody>
       </p:sp>
+      <p:pic>
+        <p:nvPicPr>
+          <p:cNvPr id="184" name="Shape 184"/>
+          <p:cNvPicPr preferRelativeResize="0"/>
+          <p:nvPr/>
+        </p:nvPicPr>
+        <p:blipFill rotWithShape="1">
+          <a:blip r:embed="rId3">
+            <a:alphaModFix/>
+          </a:blip>
+          <a:srcRect b="0" l="0" r="0" t="0"/>
+          <a:stretch/>
+        </p:blipFill>
+        <p:spPr>
+          <a:xfrm>
+            <a:off x="6108700" y="1822450"/>
+            <a:ext cx="5632450" cy="4178300"/>
+          </a:xfrm>
+          <a:prstGeom prst="rect">
+            <a:avLst/>
+          </a:prstGeom>
+          <a:noFill/>
+          <a:ln>
+            <a:noFill/>
+          </a:ln>
+        </p:spPr>
+      </p:pic>
       <p:sp>
         <p:nvSpPr>
-          <p:cNvPr id="184" name="Shape 184"/>
+          <p:cNvPr id="185" name="Shape 185"/>
           <p:cNvSpPr txBox="1"/>
           <p:nvPr/>
         </p:nvSpPr>
@@ -9137,7 +9355,7 @@
       </p:sp>
       <p:sp>
         <p:nvSpPr>
-          <p:cNvPr id="185" name="Shape 185"/>
+          <p:cNvPr id="186" name="Shape 186"/>
           <p:cNvSpPr txBox="1"/>
           <p:nvPr/>
         </p:nvSpPr>
@@ -9194,7 +9412,7 @@
       </p:sp>
       <p:sp>
         <p:nvSpPr>
-          <p:cNvPr id="186" name="Shape 186"/>
+          <p:cNvPr id="187" name="Shape 187"/>
           <p:cNvSpPr txBox="1"/>
           <p:nvPr/>
         </p:nvSpPr>
@@ -9249,90 +9467,6 @@
           </a:p>
         </p:txBody>
       </p:sp>
-      <p:sp>
-        <p:nvSpPr>
-          <p:cNvPr id="187" name="Shape 187"/>
-          <p:cNvSpPr txBox="1"/>
-          <p:nvPr/>
-        </p:nvSpPr>
-        <p:spPr>
-          <a:xfrm>
-            <a:off x="266700" y="4211637"/>
-            <a:ext cx="3994150" cy="547687"/>
-          </a:xfrm>
-          <a:prstGeom prst="rect">
-            <a:avLst/>
-          </a:prstGeom>
-          <a:noFill/>
-          <a:ln>
-            <a:noFill/>
-          </a:ln>
-        </p:spPr>
-        <p:txBody>
-          <a:bodyPr anchorCtr="0" anchor="t" bIns="0" lIns="0" rIns="0" tIns="0">
-            <a:noAutofit/>
-          </a:bodyPr>
-          <a:lstStyle/>
-          <a:p>
-            <a:pPr indent="-468312" lvl="1" marL="1065212" marR="0" rtl="0" algn="l">
-              <a:lnSpc>
-                <a:spcPct val="100000"/>
-              </a:lnSpc>
-              <a:spcBef>
-                <a:spcPts val="0"/>
-              </a:spcBef>
-              <a:spcAft>
-                <a:spcPts val="0"/>
-              </a:spcAft>
-              <a:buClr>
-                <a:srgbClr val="000000"/>
-              </a:buClr>
-              <a:buSzPct val="100000"/>
-              <a:buFont typeface="Arial"/>
-              <a:buChar char="•"/>
-            </a:pPr>
-            <a:r>
-              <a:rPr b="0" baseline="0" i="0" lang="en-US" sz="3200" u="none" cap="none" strike="noStrike">
-                <a:solidFill>
-                  <a:srgbClr val="000000"/>
-                </a:solidFill>
-                <a:latin typeface="Arial"/>
-                <a:ea typeface="Arial"/>
-                <a:cs typeface="Arial"/>
-                <a:sym typeface="Arial"/>
-              </a:rPr>
-              <a:t>Citation source.</a:t>
-            </a:r>
-          </a:p>
-        </p:txBody>
-      </p:sp>
-      <p:pic>
-        <p:nvPicPr>
-          <p:cNvPr id="188" name="Shape 188"/>
-          <p:cNvPicPr preferRelativeResize="0"/>
-          <p:nvPr/>
-        </p:nvPicPr>
-        <p:blipFill rotWithShape="1">
-          <a:blip r:embed="rId3">
-            <a:alphaModFix/>
-          </a:blip>
-          <a:srcRect b="0" l="0" r="0" t="0"/>
-          <a:stretch/>
-        </p:blipFill>
-        <p:spPr>
-          <a:xfrm>
-            <a:off x="5967412" y="1784350"/>
-            <a:ext cx="5856286" cy="4652962"/>
-          </a:xfrm>
-          <a:prstGeom prst="rect">
-            <a:avLst/>
-          </a:prstGeom>
-          <a:noFill/>
-          <a:ln>
-            <a:noFill/>
-          </a:ln>
-        </p:spPr>
-      </p:pic>
     </p:spTree>
   </p:cSld>
   <p:clrMapOvr>
@@ -9356,7 +9490,7 @@
     </p:bg>
     <p:spTree>
       <p:nvGrpSpPr>
-        <p:cNvPr id="192" name="Shape 192"/>
+        <p:cNvPr id="191" name="Shape 191"/>
         <p:cNvGrpSpPr/>
         <p:nvPr/>
       </p:nvGrpSpPr>
@@ -9370,7 +9504,7 @@
       </p:grpSpPr>
       <p:sp>
         <p:nvSpPr>
-          <p:cNvPr id="193" name="Shape 193"/>
+          <p:cNvPr id="192" name="Shape 192"/>
           <p:cNvSpPr txBox="1"/>
           <p:nvPr>
             <p:ph type="title"/>
@@ -9429,7 +9563,7 @@
       </p:sp>
       <p:sp>
         <p:nvSpPr>
-          <p:cNvPr id="194" name="Shape 194"/>
+          <p:cNvPr id="193" name="Shape 193"/>
           <p:cNvSpPr txBox="1"/>
           <p:nvPr>
             <p:ph idx="1" type="body"/>
@@ -9488,7 +9622,7 @@
       </p:sp>
       <p:sp>
         <p:nvSpPr>
-          <p:cNvPr id="195" name="Shape 195"/>
+          <p:cNvPr id="194" name="Shape 194"/>
           <p:cNvSpPr txBox="1"/>
           <p:nvPr/>
         </p:nvSpPr>
@@ -9545,7 +9679,7 @@
       </p:sp>
       <p:sp>
         <p:nvSpPr>
-          <p:cNvPr id="196" name="Shape 196"/>
+          <p:cNvPr id="195" name="Shape 195"/>
           <p:cNvSpPr txBox="1"/>
           <p:nvPr/>
         </p:nvSpPr>
@@ -9602,7 +9736,7 @@
       </p:sp>
       <p:sp>
         <p:nvSpPr>
-          <p:cNvPr id="197" name="Shape 197"/>
+          <p:cNvPr id="196" name="Shape 196"/>
           <p:cNvSpPr txBox="1"/>
           <p:nvPr/>
         </p:nvSpPr>
@@ -9659,7 +9793,7 @@
       </p:sp>
       <p:sp>
         <p:nvSpPr>
-          <p:cNvPr id="198" name="Shape 198"/>
+          <p:cNvPr id="197" name="Shape 197"/>
           <p:cNvSpPr txBox="1"/>
           <p:nvPr/>
         </p:nvSpPr>
@@ -9714,66 +9848,9 @@
           </a:p>
         </p:txBody>
       </p:sp>
-      <p:sp>
-        <p:nvSpPr>
-          <p:cNvPr id="199" name="Shape 199"/>
-          <p:cNvSpPr txBox="1"/>
-          <p:nvPr/>
-        </p:nvSpPr>
-        <p:spPr>
-          <a:xfrm>
-            <a:off x="296862" y="5000625"/>
-            <a:ext cx="4400550" cy="547687"/>
-          </a:xfrm>
-          <a:prstGeom prst="rect">
-            <a:avLst/>
-          </a:prstGeom>
-          <a:noFill/>
-          <a:ln>
-            <a:noFill/>
-          </a:ln>
-        </p:spPr>
-        <p:txBody>
-          <a:bodyPr anchorCtr="0" anchor="t" bIns="0" lIns="0" rIns="0" tIns="0">
-            <a:noAutofit/>
-          </a:bodyPr>
-          <a:lstStyle/>
-          <a:p>
-            <a:pPr indent="-468312" lvl="1" marL="1065212" marR="0" rtl="0" algn="l">
-              <a:lnSpc>
-                <a:spcPct val="100000"/>
-              </a:lnSpc>
-              <a:spcBef>
-                <a:spcPts val="0"/>
-              </a:spcBef>
-              <a:spcAft>
-                <a:spcPts val="0"/>
-              </a:spcAft>
-              <a:buClr>
-                <a:srgbClr val="000000"/>
-              </a:buClr>
-              <a:buSzPct val="100000"/>
-              <a:buFont typeface="Arial"/>
-              <a:buChar char="•"/>
-            </a:pPr>
-            <a:r>
-              <a:rPr b="0" baseline="0" i="0" lang="en-US" sz="3200" u="none" cap="none" strike="noStrike">
-                <a:solidFill>
-                  <a:srgbClr val="000000"/>
-                </a:solidFill>
-                <a:latin typeface="Arial"/>
-                <a:ea typeface="Arial"/>
-                <a:cs typeface="Arial"/>
-                <a:sym typeface="Arial"/>
-              </a:rPr>
-              <a:t>Access to papers.</a:t>
-            </a:r>
-          </a:p>
-        </p:txBody>
-      </p:sp>
       <p:pic>
         <p:nvPicPr>
-          <p:cNvPr id="200" name="Shape 200"/>
+          <p:cNvPr id="198" name="Shape 198"/>
           <p:cNvPicPr preferRelativeResize="0"/>
           <p:nvPr/>
         </p:nvPicPr>
@@ -9786,8 +9863,8 @@
         </p:blipFill>
         <p:spPr>
           <a:xfrm>
-            <a:off x="5734050" y="1924050"/>
-            <a:ext cx="6076950" cy="4051300"/>
+            <a:off x="5967412" y="1784350"/>
+            <a:ext cx="5856286" cy="4652962"/>
           </a:xfrm>
           <a:prstGeom prst="rect">
             <a:avLst/>
@@ -9821,7 +9898,7 @@
     </p:bg>
     <p:spTree>
       <p:nvGrpSpPr>
-        <p:cNvPr id="204" name="Shape 204"/>
+        <p:cNvPr id="202" name="Shape 202"/>
         <p:cNvGrpSpPr/>
         <p:nvPr/>
       </p:nvGrpSpPr>
@@ -9835,7 +9912,7 @@
       </p:grpSpPr>
       <p:sp>
         <p:nvSpPr>
-          <p:cNvPr id="205" name="Shape 205"/>
+          <p:cNvPr id="203" name="Shape 203"/>
           <p:cNvSpPr txBox="1"/>
           <p:nvPr>
             <p:ph type="title"/>
@@ -9892,9 +9969,353 @@
           </a:p>
         </p:txBody>
       </p:sp>
+      <p:sp>
+        <p:nvSpPr>
+          <p:cNvPr id="204" name="Shape 204"/>
+          <p:cNvSpPr txBox="1"/>
+          <p:nvPr>
+            <p:ph idx="1" type="body"/>
+          </p:nvPr>
+        </p:nvSpPr>
+        <p:spPr>
+          <a:xfrm>
+            <a:off x="406400" y="1193800"/>
+            <a:ext cx="6602411" cy="727074"/>
+          </a:xfrm>
+          <a:prstGeom prst="rect">
+            <a:avLst/>
+          </a:prstGeom>
+          <a:noFill/>
+          <a:ln>
+            <a:noFill/>
+          </a:ln>
+        </p:spPr>
+        <p:txBody>
+          <a:bodyPr anchorCtr="0" anchor="t" bIns="45700" lIns="45700" rIns="45700" tIns="45700">
+            <a:noAutofit/>
+          </a:bodyPr>
+          <a:lstStyle/>
+          <a:p>
+            <a:pPr indent="-455612" lvl="0" marL="455612" marR="0" rtl="0" algn="l">
+              <a:lnSpc>
+                <a:spcPct val="100000"/>
+              </a:lnSpc>
+              <a:spcBef>
+                <a:spcPts val="0"/>
+              </a:spcBef>
+              <a:spcAft>
+                <a:spcPts val="0"/>
+              </a:spcAft>
+              <a:buClr>
+                <a:srgbClr val="000000"/>
+              </a:buClr>
+              <a:buSzPct val="100000"/>
+              <a:buFont typeface="Arial"/>
+              <a:buChar char="•"/>
+            </a:pPr>
+            <a:r>
+              <a:rPr b="0" baseline="0" i="0" lang="en-US" sz="3200" u="none" cap="none" strike="noStrike">
+                <a:solidFill>
+                  <a:srgbClr val="000000"/>
+                </a:solidFill>
+                <a:latin typeface="Arial"/>
+                <a:ea typeface="Arial"/>
+                <a:cs typeface="Arial"/>
+                <a:sym typeface="Arial"/>
+              </a:rPr>
+              <a:t>What else could affect citations?</a:t>
+            </a:r>
+          </a:p>
+        </p:txBody>
+      </p:sp>
+      <p:sp>
+        <p:nvSpPr>
+          <p:cNvPr id="205" name="Shape 205"/>
+          <p:cNvSpPr txBox="1"/>
+          <p:nvPr/>
+        </p:nvSpPr>
+        <p:spPr>
+          <a:xfrm>
+            <a:off x="280987" y="1906586"/>
+            <a:ext cx="5762624" cy="547687"/>
+          </a:xfrm>
+          <a:prstGeom prst="rect">
+            <a:avLst/>
+          </a:prstGeom>
+          <a:noFill/>
+          <a:ln>
+            <a:noFill/>
+          </a:ln>
+        </p:spPr>
+        <p:txBody>
+          <a:bodyPr anchorCtr="0" anchor="t" bIns="0" lIns="0" rIns="0" tIns="0">
+            <a:noAutofit/>
+          </a:bodyPr>
+          <a:lstStyle/>
+          <a:p>
+            <a:pPr indent="-468312" lvl="1" marL="1065212" marR="0" rtl="0" algn="l">
+              <a:lnSpc>
+                <a:spcPct val="100000"/>
+              </a:lnSpc>
+              <a:spcBef>
+                <a:spcPts val="0"/>
+              </a:spcBef>
+              <a:spcAft>
+                <a:spcPts val="0"/>
+              </a:spcAft>
+              <a:buClr>
+                <a:srgbClr val="000000"/>
+              </a:buClr>
+              <a:buSzPct val="100000"/>
+              <a:buFont typeface="Arial"/>
+              <a:buChar char="•"/>
+            </a:pPr>
+            <a:r>
+              <a:rPr b="0" baseline="0" i="0" lang="en-US" sz="3200" u="none" cap="none" strike="noStrike">
+                <a:solidFill>
+                  <a:srgbClr val="000000"/>
+                </a:solidFill>
+                <a:latin typeface="Arial"/>
+                <a:ea typeface="Arial"/>
+                <a:cs typeface="Arial"/>
+                <a:sym typeface="Arial"/>
+              </a:rPr>
+              <a:t>Author popularity.</a:t>
+            </a:r>
+          </a:p>
+        </p:txBody>
+      </p:sp>
+      <p:sp>
+        <p:nvSpPr>
+          <p:cNvPr id="206" name="Shape 206"/>
+          <p:cNvSpPr txBox="1"/>
+          <p:nvPr/>
+        </p:nvSpPr>
+        <p:spPr>
+          <a:xfrm>
+            <a:off x="284162" y="2693986"/>
+            <a:ext cx="4243386" cy="547687"/>
+          </a:xfrm>
+          <a:prstGeom prst="rect">
+            <a:avLst/>
+          </a:prstGeom>
+          <a:noFill/>
+          <a:ln>
+            <a:noFill/>
+          </a:ln>
+        </p:spPr>
+        <p:txBody>
+          <a:bodyPr anchorCtr="0" anchor="t" bIns="0" lIns="0" rIns="0" tIns="0">
+            <a:noAutofit/>
+          </a:bodyPr>
+          <a:lstStyle/>
+          <a:p>
+            <a:pPr indent="-468312" lvl="1" marL="1065212" marR="0" rtl="0" algn="l">
+              <a:lnSpc>
+                <a:spcPct val="100000"/>
+              </a:lnSpc>
+              <a:spcBef>
+                <a:spcPts val="0"/>
+              </a:spcBef>
+              <a:spcAft>
+                <a:spcPts val="0"/>
+              </a:spcAft>
+              <a:buClr>
+                <a:srgbClr val="000000"/>
+              </a:buClr>
+              <a:buSzPct val="100000"/>
+              <a:buFont typeface="Arial"/>
+              <a:buChar char="•"/>
+            </a:pPr>
+            <a:r>
+              <a:rPr b="0" baseline="0" i="0" lang="en-US" sz="3200" u="none" cap="none" strike="noStrike">
+                <a:solidFill>
+                  <a:srgbClr val="000000"/>
+                </a:solidFill>
+                <a:latin typeface="Arial"/>
+                <a:ea typeface="Arial"/>
+                <a:cs typeface="Arial"/>
+                <a:sym typeface="Arial"/>
+              </a:rPr>
+              <a:t>Paper relevance.</a:t>
+            </a:r>
+          </a:p>
+        </p:txBody>
+      </p:sp>
+      <p:sp>
+        <p:nvSpPr>
+          <p:cNvPr id="207" name="Shape 207"/>
+          <p:cNvSpPr txBox="1"/>
+          <p:nvPr/>
+        </p:nvSpPr>
+        <p:spPr>
+          <a:xfrm>
+            <a:off x="279400" y="3452812"/>
+            <a:ext cx="4792661" cy="547687"/>
+          </a:xfrm>
+          <a:prstGeom prst="rect">
+            <a:avLst/>
+          </a:prstGeom>
+          <a:noFill/>
+          <a:ln>
+            <a:noFill/>
+          </a:ln>
+        </p:spPr>
+        <p:txBody>
+          <a:bodyPr anchorCtr="0" anchor="t" bIns="0" lIns="0" rIns="0" tIns="0">
+            <a:noAutofit/>
+          </a:bodyPr>
+          <a:lstStyle/>
+          <a:p>
+            <a:pPr indent="-468312" lvl="1" marL="1065212" marR="0" rtl="0" algn="l">
+              <a:lnSpc>
+                <a:spcPct val="100000"/>
+              </a:lnSpc>
+              <a:spcBef>
+                <a:spcPts val="0"/>
+              </a:spcBef>
+              <a:spcAft>
+                <a:spcPts val="0"/>
+              </a:spcAft>
+              <a:buClr>
+                <a:srgbClr val="000000"/>
+              </a:buClr>
+              <a:buSzPct val="100000"/>
+              <a:buFont typeface="Arial"/>
+              <a:buChar char="•"/>
+            </a:pPr>
+            <a:r>
+              <a:rPr b="0" baseline="0" i="0" lang="en-US" sz="3200" u="none" cap="none" strike="noStrike">
+                <a:solidFill>
+                  <a:srgbClr val="000000"/>
+                </a:solidFill>
+                <a:latin typeface="Arial"/>
+                <a:ea typeface="Arial"/>
+                <a:cs typeface="Arial"/>
+                <a:sym typeface="Arial"/>
+              </a:rPr>
+              <a:t>Timeliness of paper.</a:t>
+            </a:r>
+          </a:p>
+        </p:txBody>
+      </p:sp>
+      <p:sp>
+        <p:nvSpPr>
+          <p:cNvPr id="208" name="Shape 208"/>
+          <p:cNvSpPr txBox="1"/>
+          <p:nvPr/>
+        </p:nvSpPr>
+        <p:spPr>
+          <a:xfrm>
+            <a:off x="266700" y="4211637"/>
+            <a:ext cx="3994150" cy="547687"/>
+          </a:xfrm>
+          <a:prstGeom prst="rect">
+            <a:avLst/>
+          </a:prstGeom>
+          <a:noFill/>
+          <a:ln>
+            <a:noFill/>
+          </a:ln>
+        </p:spPr>
+        <p:txBody>
+          <a:bodyPr anchorCtr="0" anchor="t" bIns="0" lIns="0" rIns="0" tIns="0">
+            <a:noAutofit/>
+          </a:bodyPr>
+          <a:lstStyle/>
+          <a:p>
+            <a:pPr indent="-468312" lvl="1" marL="1065212" marR="0" rtl="0" algn="l">
+              <a:lnSpc>
+                <a:spcPct val="100000"/>
+              </a:lnSpc>
+              <a:spcBef>
+                <a:spcPts val="0"/>
+              </a:spcBef>
+              <a:spcAft>
+                <a:spcPts val="0"/>
+              </a:spcAft>
+              <a:buClr>
+                <a:srgbClr val="000000"/>
+              </a:buClr>
+              <a:buSzPct val="100000"/>
+              <a:buFont typeface="Arial"/>
+              <a:buChar char="•"/>
+            </a:pPr>
+            <a:r>
+              <a:rPr b="0" baseline="0" i="0" lang="en-US" sz="3200" u="none" cap="none" strike="noStrike">
+                <a:solidFill>
+                  <a:srgbClr val="000000"/>
+                </a:solidFill>
+                <a:latin typeface="Arial"/>
+                <a:ea typeface="Arial"/>
+                <a:cs typeface="Arial"/>
+                <a:sym typeface="Arial"/>
+              </a:rPr>
+              <a:t>Citation source.</a:t>
+            </a:r>
+          </a:p>
+        </p:txBody>
+      </p:sp>
+      <p:sp>
+        <p:nvSpPr>
+          <p:cNvPr id="209" name="Shape 209"/>
+          <p:cNvSpPr txBox="1"/>
+          <p:nvPr/>
+        </p:nvSpPr>
+        <p:spPr>
+          <a:xfrm>
+            <a:off x="296862" y="5000625"/>
+            <a:ext cx="4400550" cy="547687"/>
+          </a:xfrm>
+          <a:prstGeom prst="rect">
+            <a:avLst/>
+          </a:prstGeom>
+          <a:noFill/>
+          <a:ln>
+            <a:noFill/>
+          </a:ln>
+        </p:spPr>
+        <p:txBody>
+          <a:bodyPr anchorCtr="0" anchor="t" bIns="0" lIns="0" rIns="0" tIns="0">
+            <a:noAutofit/>
+          </a:bodyPr>
+          <a:lstStyle/>
+          <a:p>
+            <a:pPr indent="-468312" lvl="1" marL="1065212" marR="0" rtl="0" algn="l">
+              <a:lnSpc>
+                <a:spcPct val="100000"/>
+              </a:lnSpc>
+              <a:spcBef>
+                <a:spcPts val="0"/>
+              </a:spcBef>
+              <a:spcAft>
+                <a:spcPts val="0"/>
+              </a:spcAft>
+              <a:buClr>
+                <a:srgbClr val="000000"/>
+              </a:buClr>
+              <a:buSzPct val="100000"/>
+              <a:buFont typeface="Arial"/>
+              <a:buChar char="•"/>
+            </a:pPr>
+            <a:r>
+              <a:rPr b="0" baseline="0" i="0" lang="en-US" sz="3200" u="none" cap="none" strike="noStrike">
+                <a:solidFill>
+                  <a:srgbClr val="000000"/>
+                </a:solidFill>
+                <a:latin typeface="Arial"/>
+                <a:ea typeface="Arial"/>
+                <a:cs typeface="Arial"/>
+                <a:sym typeface="Arial"/>
+              </a:rPr>
+              <a:t>Access to papers.</a:t>
+            </a:r>
+          </a:p>
+        </p:txBody>
+      </p:sp>
       <p:pic>
         <p:nvPicPr>
-          <p:cNvPr id="206" name="Shape 206"/>
+          <p:cNvPr id="210" name="Shape 210"/>
           <p:cNvPicPr preferRelativeResize="0"/>
           <p:nvPr/>
         </p:nvPicPr>
@@ -9907,8 +10328,8 @@
         </p:blipFill>
         <p:spPr>
           <a:xfrm>
-            <a:off x="3627437" y="982662"/>
-            <a:ext cx="4548187" cy="5499099"/>
+            <a:off x="5734050" y="1924050"/>
+            <a:ext cx="6076950" cy="4051300"/>
           </a:xfrm>
           <a:prstGeom prst="rect">
             <a:avLst/>
@@ -9942,7 +10363,7 @@
     </p:bg>
     <p:spTree>
       <p:nvGrpSpPr>
-        <p:cNvPr id="210" name="Shape 210"/>
+        <p:cNvPr id="214" name="Shape 214"/>
         <p:cNvGrpSpPr/>
         <p:nvPr/>
       </p:nvGrpSpPr>
@@ -9956,7 +10377,128 @@
       </p:grpSpPr>
       <p:sp>
         <p:nvSpPr>
-          <p:cNvPr id="211" name="Shape 211"/>
+          <p:cNvPr id="215" name="Shape 215"/>
+          <p:cNvSpPr txBox="1"/>
+          <p:nvPr>
+            <p:ph type="title"/>
+          </p:nvPr>
+        </p:nvSpPr>
+        <p:spPr>
+          <a:xfrm>
+            <a:off x="304800" y="74611"/>
+            <a:ext cx="8839199" cy="731837"/>
+          </a:xfrm>
+          <a:prstGeom prst="rect">
+            <a:avLst/>
+          </a:prstGeom>
+          <a:noFill/>
+          <a:ln>
+            <a:noFill/>
+          </a:ln>
+        </p:spPr>
+        <p:txBody>
+          <a:bodyPr anchorCtr="0" anchor="ctr" bIns="0" lIns="0" rIns="0" tIns="0">
+            <a:noAutofit/>
+          </a:bodyPr>
+          <a:lstStyle/>
+          <a:p>
+            <a:pPr indent="0" lvl="0" marL="0" marR="0" rtl="0" algn="l">
+              <a:lnSpc>
+                <a:spcPct val="100000"/>
+              </a:lnSpc>
+              <a:spcBef>
+                <a:spcPts val="0"/>
+              </a:spcBef>
+              <a:spcAft>
+                <a:spcPts val="0"/>
+              </a:spcAft>
+              <a:buClr>
+                <a:srgbClr val="0A1F62"/>
+              </a:buClr>
+              <a:buSzPct val="25000"/>
+              <a:buFont typeface="Arial"/>
+              <a:buNone/>
+            </a:pPr>
+            <a:r>
+              <a:rPr b="1" baseline="0" i="0" lang="en-US" sz="4200" u="none" cap="none" strike="noStrike">
+                <a:solidFill>
+                  <a:srgbClr val="0A1F62"/>
+                </a:solidFill>
+                <a:latin typeface="Arial"/>
+                <a:ea typeface="Arial"/>
+                <a:cs typeface="Arial"/>
+                <a:sym typeface="Arial"/>
+              </a:rPr>
+              <a:t>Conclusion Contd…</a:t>
+            </a:r>
+          </a:p>
+        </p:txBody>
+      </p:sp>
+      <p:pic>
+        <p:nvPicPr>
+          <p:cNvPr id="216" name="Shape 216"/>
+          <p:cNvPicPr preferRelativeResize="0"/>
+          <p:nvPr/>
+        </p:nvPicPr>
+        <p:blipFill rotWithShape="1">
+          <a:blip r:embed="rId3">
+            <a:alphaModFix/>
+          </a:blip>
+          <a:srcRect b="0" l="0" r="0" t="0"/>
+          <a:stretch/>
+        </p:blipFill>
+        <p:spPr>
+          <a:xfrm>
+            <a:off x="3627437" y="982662"/>
+            <a:ext cx="4548187" cy="5499099"/>
+          </a:xfrm>
+          <a:prstGeom prst="rect">
+            <a:avLst/>
+          </a:prstGeom>
+          <a:noFill/>
+          <a:ln>
+            <a:noFill/>
+          </a:ln>
+        </p:spPr>
+      </p:pic>
+    </p:spTree>
+  </p:cSld>
+  <p:clrMapOvr>
+    <a:masterClrMapping/>
+  </p:clrMapOvr>
+  <p:transition spd="slow">
+    <p:cut/>
+  </p:transition>
+</p:sld>
+</file>
+
+<file path=ppt/slides/slide29.xml><?xml version="1.0" encoding="utf-8"?>
+<p:sld xmlns:a="http://schemas.openxmlformats.org/drawingml/2006/main" xmlns:r="http://schemas.openxmlformats.org/officeDocument/2006/relationships" xmlns:mc="http://schemas.openxmlformats.org/markup-compatibility/2006" xmlns:mv="urn:schemas-microsoft-com:mac:vml" xmlns:p="http://schemas.openxmlformats.org/presentationml/2006/main" xmlns:c="http://schemas.openxmlformats.org/drawingml/2006/chart" xmlns:dgm="http://schemas.openxmlformats.org/drawingml/2006/diagram" xmlns:o="urn:schemas-microsoft-com:office:office" xmlns:v="urn:schemas-microsoft-com:vml" xmlns:pvml="urn:schemas-microsoft-com:office:powerpoint" xmlns:com="http://schemas.openxmlformats.org/drawingml/2006/compatibility" xmlns:p14="http://schemas.microsoft.com/office/powerpoint/2010/main">
+  <p:cSld>
+    <p:bg>
+      <p:bgPr>
+        <a:solidFill>
+          <a:srgbClr val="FFFFFF"/>
+        </a:solidFill>
+      </p:bgPr>
+    </p:bg>
+    <p:spTree>
+      <p:nvGrpSpPr>
+        <p:cNvPr id="220" name="Shape 220"/>
+        <p:cNvGrpSpPr/>
+        <p:nvPr/>
+      </p:nvGrpSpPr>
+      <p:grpSpPr>
+        <a:xfrm>
+          <a:off x="0" y="0"/>
+          <a:ext cx="0" cy="0"/>
+          <a:chOff x="0" y="0"/>
+          <a:chExt cx="0" cy="0"/>
+        </a:xfrm>
+      </p:grpSpPr>
+      <p:sp>
+        <p:nvSpPr>
+          <p:cNvPr id="221" name="Shape 221"/>
           <p:cNvSpPr txBox="1"/>
           <p:nvPr/>
         </p:nvSpPr>
@@ -10056,7 +10598,7 @@
       </p:sp>
       <p:pic>
         <p:nvPicPr>
-          <p:cNvPr id="212" name="Shape 212"/>
+          <p:cNvPr id="222" name="Shape 222"/>
           <p:cNvPicPr preferRelativeResize="0"/>
           <p:nvPr/>
         </p:nvPicPr>
@@ -10083,7 +10625,7 @@
       </p:pic>
       <p:sp>
         <p:nvSpPr>
-          <p:cNvPr id="213" name="Shape 213"/>
+          <p:cNvPr id="223" name="Shape 223"/>
           <p:cNvSpPr txBox="1"/>
           <p:nvPr/>
         </p:nvSpPr>
@@ -10292,17 +10834,18 @@
           <p:cNvPicPr preferRelativeResize="0"/>
           <p:nvPr/>
         </p:nvPicPr>
-        <p:blipFill rotWithShape="1">
+        <p:blipFill>
           <a:blip r:embed="rId5">
             <a:alphaModFix/>
           </a:blip>
-          <a:srcRect b="0" l="0" r="0" t="0"/>
-          <a:stretch/>
+          <a:stretch>
+            <a:fillRect/>
+          </a:stretch>
         </p:blipFill>
         <p:spPr>
           <a:xfrm>
-            <a:off x="5659437" y="2660650"/>
-            <a:ext cx="1500187" cy="1500187"/>
+            <a:off x="5384800" y="2883647"/>
+            <a:ext cx="1663699" cy="1451049"/>
           </a:xfrm>
           <a:prstGeom prst="rect">
             <a:avLst/>
@@ -10449,8 +10992,8 @@
         </p:blipFill>
         <p:spPr>
           <a:xfrm>
-            <a:off x="5659437" y="2660650"/>
-            <a:ext cx="1500187" cy="1500187"/>
+            <a:off x="373062" y="1450975"/>
+            <a:ext cx="4033837" cy="4316412"/>
           </a:xfrm>
           <a:prstGeom prst="rect">
             <a:avLst/>
@@ -10467,17 +11010,18 @@
           <p:cNvPicPr preferRelativeResize="0"/>
           <p:nvPr/>
         </p:nvPicPr>
-        <p:blipFill rotWithShape="1">
+        <p:blipFill>
           <a:blip r:embed="rId5">
             <a:alphaModFix/>
           </a:blip>
-          <a:srcRect b="0" l="0" r="0" t="0"/>
-          <a:stretch/>
+          <a:stretch>
+            <a:fillRect/>
+          </a:stretch>
         </p:blipFill>
         <p:spPr>
           <a:xfrm>
-            <a:off x="373062" y="1450975"/>
-            <a:ext cx="4033837" cy="4316412"/>
+            <a:off x="5384800" y="2883647"/>
+            <a:ext cx="1663699" cy="1451049"/>
           </a:xfrm>
           <a:prstGeom prst="rect">
             <a:avLst/>
@@ -10624,8 +11168,8 @@
         </p:blipFill>
         <p:spPr>
           <a:xfrm>
-            <a:off x="5659437" y="2660650"/>
-            <a:ext cx="1500187" cy="1500187"/>
+            <a:off x="-147925" y="1938325"/>
+            <a:ext cx="5021399" cy="3090900"/>
           </a:xfrm>
           <a:prstGeom prst="rect">
             <a:avLst/>
@@ -10642,17 +11186,18 @@
           <p:cNvPicPr preferRelativeResize="0"/>
           <p:nvPr/>
         </p:nvPicPr>
-        <p:blipFill rotWithShape="1">
+        <p:blipFill>
           <a:blip r:embed="rId5">
             <a:alphaModFix/>
           </a:blip>
-          <a:srcRect b="0" l="0" r="0" t="0"/>
-          <a:stretch/>
+          <a:stretch>
+            <a:fillRect/>
+          </a:stretch>
         </p:blipFill>
         <p:spPr>
           <a:xfrm>
-            <a:off x="55274" y="1709725"/>
-            <a:ext cx="5620199" cy="3459300"/>
+            <a:off x="5384800" y="2883647"/>
+            <a:ext cx="1663699" cy="1451049"/>
           </a:xfrm>
           <a:prstGeom prst="rect">
             <a:avLst/>
@@ -10709,7 +11254,7 @@
         <p:spPr>
           <a:xfrm>
             <a:off x="304800" y="74611"/>
-            <a:ext cx="8839199" cy="731837"/>
+            <a:ext cx="8839199" cy="731700"/>
           </a:xfrm>
           <a:prstGeom prst="rect">
             <a:avLst/>
@@ -10742,6 +11287,14 @@
               <a:buFont typeface="Arial"/>
               <a:buNone/>
             </a:pPr>
+            <a:r>
+              <a:rPr b="1" lang="en-US" sz="4200">
+                <a:solidFill>
+                  <a:srgbClr val="0A1F62"/>
+                </a:solidFill>
+              </a:rPr>
+              <a:t>Alternate</a:t>
+            </a:r>
             <a:r>
               <a:rPr b="1" baseline="0" i="0" lang="en-US" sz="4200" u="none" cap="none" strike="noStrike">
                 <a:solidFill>
@@ -10752,23 +11305,28 @@
                 <a:cs typeface="Arial"/>
                 <a:sym typeface="Arial"/>
               </a:rPr>
-              <a:t>Response Variable and Factors</a:t>
+              <a:t> Hypothesis</a:t>
             </a:r>
           </a:p>
         </p:txBody>
       </p:sp>
-      <p:sp>
-        <p:nvSpPr>
+      <p:pic>
+        <p:nvPicPr>
           <p:cNvPr id="59" name="Shape 59"/>
-          <p:cNvSpPr txBox="1"/>
-          <p:nvPr>
-            <p:ph idx="1" type="body"/>
-          </p:nvPr>
-        </p:nvSpPr>
-        <p:spPr>
-          <a:xfrm>
-            <a:off x="406400" y="1193800"/>
-            <a:ext cx="11277600" cy="5080000"/>
+          <p:cNvPicPr preferRelativeResize="0"/>
+          <p:nvPr/>
+        </p:nvPicPr>
+        <p:blipFill rotWithShape="1">
+          <a:blip r:embed="rId3">
+            <a:alphaModFix/>
+          </a:blip>
+          <a:srcRect b="0" l="0" r="0" t="0"/>
+          <a:stretch/>
+        </p:blipFill>
+        <p:spPr>
+          <a:xfrm>
+            <a:off x="7429500" y="1293812"/>
+            <a:ext cx="4752900" cy="4630799"/>
           </a:xfrm>
           <a:prstGeom prst="rect">
             <a:avLst/>
@@ -10778,322 +11336,115 @@
             <a:noFill/>
           </a:ln>
         </p:spPr>
-        <p:txBody>
-          <a:bodyPr anchorCtr="0" anchor="t" bIns="45700" lIns="45700" rIns="45700" tIns="45700">
-            <a:noAutofit/>
-          </a:bodyPr>
-          <a:lstStyle/>
-          <a:p>
-            <a:pPr indent="-455612" lvl="0" marL="455612" marR="0" rtl="0" algn="l">
-              <a:lnSpc>
-                <a:spcPct val="100000"/>
-              </a:lnSpc>
-              <a:spcBef>
-                <a:spcPts val="0"/>
-              </a:spcBef>
-              <a:spcAft>
-                <a:spcPts val="0"/>
-              </a:spcAft>
-              <a:buClr>
-                <a:srgbClr val="262626"/>
-              </a:buClr>
-              <a:buSzPct val="100000"/>
-              <a:buFont typeface="Arial"/>
-              <a:buChar char="•"/>
-            </a:pPr>
-            <a:r>
-              <a:rPr b="0" baseline="0" i="0" lang="en-US" sz="3200" u="none" cap="none" strike="noStrike">
-                <a:solidFill>
-                  <a:srgbClr val="262626"/>
-                </a:solidFill>
-                <a:latin typeface="Arial"/>
-                <a:ea typeface="Arial"/>
-                <a:cs typeface="Arial"/>
-                <a:sym typeface="Arial"/>
-              </a:rPr>
-              <a:t>Response variable</a:t>
-            </a:r>
-          </a:p>
-          <a:p>
-            <a:pPr indent="-481012" lvl="1" marL="1077912" marR="0" rtl="0" algn="l">
-              <a:lnSpc>
-                <a:spcPct val="100000"/>
-              </a:lnSpc>
-              <a:spcBef>
-                <a:spcPts val="600"/>
-              </a:spcBef>
-              <a:spcAft>
-                <a:spcPts val="0"/>
-              </a:spcAft>
-              <a:buClr>
-                <a:srgbClr val="262626"/>
-              </a:buClr>
-              <a:buSzPct val="100000"/>
-              <a:buFont typeface="Noto Symbol"/>
-              <a:buChar char="●"/>
-            </a:pPr>
-            <a:r>
-              <a:rPr b="0" baseline="0" i="0" lang="en-US" sz="2600" u="none" cap="none" strike="noStrike">
-                <a:solidFill>
-                  <a:srgbClr val="262626"/>
-                </a:solidFill>
-                <a:latin typeface="Arial"/>
-                <a:ea typeface="Arial"/>
-                <a:cs typeface="Arial"/>
-                <a:sym typeface="Arial"/>
-              </a:rPr>
-              <a:t>Citation count</a:t>
-            </a:r>
-          </a:p>
-          <a:p>
-            <a:pPr indent="-252412" lvl="0" marL="455612" marR="0" rtl="0" algn="l">
-              <a:lnSpc>
-                <a:spcPct val="100000"/>
-              </a:lnSpc>
-              <a:spcBef>
-                <a:spcPts val="700"/>
-              </a:spcBef>
-              <a:spcAft>
-                <a:spcPts val="0"/>
-              </a:spcAft>
-              <a:buClr>
-                <a:srgbClr val="262626"/>
-              </a:buClr>
-              <a:buFont typeface="Arial"/>
-              <a:buNone/>
-            </a:pPr>
-            <a:r>
-              <a:t/>
-            </a:r>
-            <a:endParaRPr b="0" baseline="0" i="0" sz="3200" u="none" cap="none" strike="noStrike">
-              <a:solidFill>
-                <a:srgbClr val="262626"/>
-              </a:solidFill>
-              <a:latin typeface="Arial"/>
-              <a:ea typeface="Arial"/>
-              <a:cs typeface="Arial"/>
-              <a:sym typeface="Arial"/>
-            </a:endParaRPr>
-          </a:p>
-          <a:p>
-            <a:pPr indent="-455612" lvl="0" marL="455612" marR="0" rtl="0" algn="l">
-              <a:lnSpc>
-                <a:spcPct val="100000"/>
-              </a:lnSpc>
-              <a:spcBef>
-                <a:spcPts val="700"/>
-              </a:spcBef>
-              <a:spcAft>
-                <a:spcPts val="0"/>
-              </a:spcAft>
-              <a:buClr>
-                <a:srgbClr val="262626"/>
-              </a:buClr>
-              <a:buSzPct val="100000"/>
-              <a:buFont typeface="Arial"/>
-              <a:buChar char="•"/>
-            </a:pPr>
-            <a:r>
-              <a:rPr b="0" baseline="0" i="0" lang="en-US" sz="3200" u="none" cap="none" strike="noStrike">
-                <a:solidFill>
-                  <a:srgbClr val="262626"/>
-                </a:solidFill>
-                <a:latin typeface="Arial"/>
-                <a:ea typeface="Arial"/>
-                <a:cs typeface="Arial"/>
-                <a:sym typeface="Arial"/>
-              </a:rPr>
-              <a:t>Factors</a:t>
-            </a:r>
-          </a:p>
-          <a:p>
-            <a:pPr indent="-481012" lvl="1" marL="1077912" marR="0" rtl="0" algn="l">
-              <a:lnSpc>
-                <a:spcPct val="100000"/>
-              </a:lnSpc>
-              <a:spcBef>
-                <a:spcPts val="600"/>
-              </a:spcBef>
-              <a:spcAft>
-                <a:spcPts val="0"/>
-              </a:spcAft>
-              <a:buClr>
-                <a:srgbClr val="262626"/>
-              </a:buClr>
-              <a:buSzPct val="100000"/>
-              <a:buFont typeface="Noto Symbol"/>
-              <a:buChar char="●"/>
-            </a:pPr>
-            <a:r>
-              <a:rPr b="0" baseline="0" i="0" lang="en-US" sz="2600" u="none" cap="none" strike="noStrike">
-                <a:solidFill>
-                  <a:srgbClr val="262626"/>
-                </a:solidFill>
-                <a:latin typeface="Arial"/>
-                <a:ea typeface="Arial"/>
-                <a:cs typeface="Arial"/>
-                <a:sym typeface="Arial"/>
-              </a:rPr>
-              <a:t>Choice of keywords in the paper title </a:t>
-            </a:r>
-          </a:p>
-          <a:p>
-            <a:pPr indent="-417512" lvl="2" marL="1624012" marR="0" rtl="0" algn="l">
-              <a:lnSpc>
-                <a:spcPct val="100000"/>
-              </a:lnSpc>
-              <a:spcBef>
-                <a:spcPts val="500"/>
-              </a:spcBef>
-              <a:spcAft>
-                <a:spcPts val="0"/>
-              </a:spcAft>
-              <a:buClr>
-                <a:srgbClr val="215968"/>
-              </a:buClr>
-              <a:buSzPct val="100000"/>
-              <a:buFont typeface="Noto Symbol"/>
-              <a:buChar char="●"/>
-            </a:pPr>
-            <a:r>
-              <a:rPr b="0" baseline="0" i="0" lang="en-US" sz="2400" u="none" cap="none" strike="noStrike">
-                <a:solidFill>
-                  <a:srgbClr val="215968"/>
-                </a:solidFill>
-                <a:latin typeface="Arial"/>
-                <a:ea typeface="Arial"/>
-                <a:cs typeface="Arial"/>
-                <a:sym typeface="Arial"/>
-              </a:rPr>
-              <a:t>Cloud, Distributed, Security, Mobile, Performance</a:t>
-            </a:r>
-          </a:p>
-          <a:p>
-            <a:pPr indent="-481012" lvl="1" marL="1077912" marR="0" rtl="0" algn="l">
-              <a:lnSpc>
-                <a:spcPct val="100000"/>
-              </a:lnSpc>
-              <a:spcBef>
-                <a:spcPts val="600"/>
-              </a:spcBef>
-              <a:spcAft>
-                <a:spcPts val="0"/>
-              </a:spcAft>
-              <a:buClr>
-                <a:srgbClr val="262626"/>
-              </a:buClr>
-              <a:buSzPct val="100000"/>
-              <a:buFont typeface="Noto Symbol"/>
-              <a:buChar char="●"/>
-            </a:pPr>
-            <a:r>
-              <a:rPr b="0" baseline="0" i="0" lang="en-US" sz="2600" u="none" cap="none" strike="noStrike">
-                <a:solidFill>
-                  <a:srgbClr val="262626"/>
-                </a:solidFill>
-                <a:latin typeface="Arial"/>
-                <a:ea typeface="Arial"/>
-                <a:cs typeface="Arial"/>
-                <a:sym typeface="Arial"/>
-              </a:rPr>
-              <a:t>Conference Rank</a:t>
-            </a:r>
-          </a:p>
-          <a:p>
-            <a:pPr indent="-417512" lvl="2" marL="1624012" marR="0" rtl="0" algn="l">
-              <a:lnSpc>
-                <a:spcPct val="100000"/>
-              </a:lnSpc>
-              <a:spcBef>
-                <a:spcPts val="500"/>
-              </a:spcBef>
-              <a:spcAft>
-                <a:spcPts val="0"/>
-              </a:spcAft>
-              <a:buClr>
-                <a:srgbClr val="215968"/>
-              </a:buClr>
-              <a:buSzPct val="100000"/>
-              <a:buFont typeface="Noto Symbol"/>
-              <a:buChar char="●"/>
-            </a:pPr>
-            <a:r>
-              <a:rPr b="0" baseline="0" i="0" lang="en-US" sz="2400" u="none" cap="none" strike="noStrike">
-                <a:solidFill>
-                  <a:srgbClr val="215968"/>
-                </a:solidFill>
-                <a:latin typeface="Arial"/>
-                <a:ea typeface="Arial"/>
-                <a:cs typeface="Arial"/>
-                <a:sym typeface="Arial"/>
-              </a:rPr>
-              <a:t>A, B, C</a:t>
-            </a:r>
-          </a:p>
-          <a:p>
-            <a:pPr indent="-481012" lvl="1" marL="1077912" marR="0" rtl="0" algn="l">
-              <a:lnSpc>
-                <a:spcPct val="100000"/>
-              </a:lnSpc>
-              <a:spcBef>
-                <a:spcPts val="600"/>
-              </a:spcBef>
-              <a:spcAft>
-                <a:spcPts val="0"/>
-              </a:spcAft>
-              <a:buClr>
-                <a:srgbClr val="262626"/>
-              </a:buClr>
-              <a:buSzPct val="100000"/>
-              <a:buFont typeface="Noto Symbol"/>
-              <a:buChar char="●"/>
-            </a:pPr>
-            <a:r>
-              <a:rPr b="0" baseline="0" i="0" lang="en-US" sz="2600" u="none" cap="none" strike="noStrike">
-                <a:solidFill>
-                  <a:srgbClr val="262626"/>
-                </a:solidFill>
-                <a:latin typeface="Arial"/>
-                <a:ea typeface="Arial"/>
-                <a:cs typeface="Arial"/>
-                <a:sym typeface="Arial"/>
-              </a:rPr>
-              <a:t>Publication year</a:t>
-            </a:r>
-          </a:p>
-          <a:p>
-            <a:pPr indent="-417512" lvl="2" marL="1624012" marR="0" rtl="0" algn="l">
-              <a:lnSpc>
-                <a:spcPct val="100000"/>
-              </a:lnSpc>
-              <a:spcBef>
-                <a:spcPts val="500"/>
-              </a:spcBef>
-              <a:spcAft>
-                <a:spcPts val="0"/>
-              </a:spcAft>
-              <a:buClr>
-                <a:srgbClr val="215968"/>
-              </a:buClr>
-              <a:buSzPct val="100000"/>
-              <a:buFont typeface="Noto Symbol"/>
-              <a:buChar char="●"/>
-            </a:pPr>
-            <a:r>
-              <a:rPr b="0" baseline="0" i="0" lang="en-US" sz="2400" u="none" cap="none" strike="noStrike">
-                <a:solidFill>
-                  <a:srgbClr val="215968"/>
-                </a:solidFill>
-                <a:latin typeface="Arial"/>
-                <a:ea typeface="Arial"/>
-                <a:cs typeface="Arial"/>
-                <a:sym typeface="Arial"/>
-              </a:rPr>
-              <a:t>2008 until 2012 (5 years) </a:t>
-            </a:r>
-          </a:p>
-        </p:txBody>
-      </p:sp>
+      </p:pic>
+      <p:pic>
+        <p:nvPicPr>
+          <p:cNvPr id="60" name="Shape 60"/>
+          <p:cNvPicPr preferRelativeResize="0"/>
+          <p:nvPr/>
+        </p:nvPicPr>
+        <p:blipFill rotWithShape="1">
+          <a:blip r:embed="rId4">
+            <a:alphaModFix/>
+          </a:blip>
+          <a:srcRect b="0" l="0" r="0" t="0"/>
+          <a:stretch/>
+        </p:blipFill>
+        <p:spPr>
+          <a:xfrm>
+            <a:off x="5659437" y="2660650"/>
+            <a:ext cx="1500300" cy="1500300"/>
+          </a:xfrm>
+          <a:prstGeom prst="rect">
+            <a:avLst/>
+          </a:prstGeom>
+          <a:noFill/>
+          <a:ln>
+            <a:noFill/>
+          </a:ln>
+        </p:spPr>
+      </p:pic>
+      <p:pic>
+        <p:nvPicPr>
+          <p:cNvPr id="61" name="Shape 61"/>
+          <p:cNvPicPr preferRelativeResize="0"/>
+          <p:nvPr/>
+        </p:nvPicPr>
+        <p:blipFill rotWithShape="1">
+          <a:blip r:embed="rId5">
+            <a:alphaModFix/>
+          </a:blip>
+          <a:srcRect b="0" l="0" r="0" t="0"/>
+          <a:stretch/>
+        </p:blipFill>
+        <p:spPr>
+          <a:xfrm>
+            <a:off x="1282700" y="3906825"/>
+            <a:ext cx="2834400" cy="1744800"/>
+          </a:xfrm>
+          <a:prstGeom prst="rect">
+            <a:avLst/>
+          </a:prstGeom>
+          <a:noFill/>
+          <a:ln>
+            <a:noFill/>
+          </a:ln>
+        </p:spPr>
+      </p:pic>
+      <p:pic>
+        <p:nvPicPr>
+          <p:cNvPr id="62" name="Shape 62"/>
+          <p:cNvPicPr preferRelativeResize="0"/>
+          <p:nvPr/>
+        </p:nvPicPr>
+        <p:blipFill rotWithShape="1">
+          <a:blip r:embed="rId6">
+            <a:alphaModFix/>
+          </a:blip>
+          <a:srcRect b="0" l="0" r="0" t="0"/>
+          <a:stretch/>
+        </p:blipFill>
+        <p:spPr>
+          <a:xfrm>
+            <a:off x="3103551" y="1835100"/>
+            <a:ext cx="1630500" cy="1744800"/>
+          </a:xfrm>
+          <a:prstGeom prst="rect">
+            <a:avLst/>
+          </a:prstGeom>
+          <a:noFill/>
+          <a:ln>
+            <a:noFill/>
+          </a:ln>
+        </p:spPr>
+      </p:pic>
+      <p:pic>
+        <p:nvPicPr>
+          <p:cNvPr id="63" name="Shape 63"/>
+          <p:cNvPicPr preferRelativeResize="0"/>
+          <p:nvPr/>
+        </p:nvPicPr>
+        <p:blipFill rotWithShape="1">
+          <a:blip r:embed="rId7">
+            <a:alphaModFix/>
+          </a:blip>
+          <a:srcRect b="0" l="0" r="0" t="0"/>
+          <a:stretch/>
+        </p:blipFill>
+        <p:spPr>
+          <a:xfrm>
+            <a:off x="304805" y="1389855"/>
+            <a:ext cx="2312700" cy="2313900"/>
+          </a:xfrm>
+          <a:prstGeom prst="rect">
+            <a:avLst/>
+          </a:prstGeom>
+          <a:noFill/>
+          <a:ln>
+            <a:noFill/>
+          </a:ln>
+        </p:spPr>
+      </p:pic>
     </p:spTree>
   </p:cSld>
   <p:clrMapOvr>
@@ -11117,7 +11468,7 @@
     </p:bg>
     <p:spTree>
       <p:nvGrpSpPr>
-        <p:cNvPr id="63" name="Shape 63"/>
+        <p:cNvPr id="67" name="Shape 67"/>
         <p:cNvGrpSpPr/>
         <p:nvPr/>
       </p:nvGrpSpPr>
@@ -11131,7 +11482,7 @@
       </p:grpSpPr>
       <p:sp>
         <p:nvSpPr>
-          <p:cNvPr id="64" name="Shape 64"/>
+          <p:cNvPr id="68" name="Shape 68"/>
           <p:cNvSpPr txBox="1"/>
           <p:nvPr>
             <p:ph type="title"/>
@@ -11139,8 +11490,8 @@
         </p:nvSpPr>
         <p:spPr>
           <a:xfrm>
-            <a:off x="304800" y="0"/>
-            <a:ext cx="8839199" cy="882649"/>
+            <a:off x="304800" y="74611"/>
+            <a:ext cx="8839199" cy="731837"/>
           </a:xfrm>
           <a:prstGeom prst="rect">
             <a:avLst/>
@@ -11151,7 +11502,7 @@
           </a:ln>
         </p:spPr>
         <p:txBody>
-          <a:bodyPr anchorCtr="0" anchor="ctr" bIns="45700" lIns="45700" rIns="45700" tIns="45700">
+          <a:bodyPr anchorCtr="0" anchor="ctr" bIns="0" lIns="0" rIns="0" tIns="0">
             <a:noAutofit/>
           </a:bodyPr>
           <a:lstStyle/>
@@ -11183,14 +11534,14 @@
                 <a:cs typeface="Arial"/>
                 <a:sym typeface="Arial"/>
               </a:rPr>
-              <a:t>Research Questions</a:t>
+              <a:t>Response Variable and Factors</a:t>
             </a:r>
           </a:p>
         </p:txBody>
       </p:sp>
       <p:sp>
         <p:nvSpPr>
-          <p:cNvPr id="65" name="Shape 65"/>
+          <p:cNvPr id="69" name="Shape 69"/>
           <p:cNvSpPr txBox="1"/>
           <p:nvPr>
             <p:ph idx="1" type="body"/>
@@ -11199,7 +11550,7 @@
         <p:spPr>
           <a:xfrm>
             <a:off x="406400" y="1193800"/>
-            <a:ext cx="11277600" cy="5664199"/>
+            <a:ext cx="11277600" cy="5080000"/>
           </a:xfrm>
           <a:prstGeom prst="rect">
             <a:avLst/>
@@ -11230,7 +11581,7 @@
               </a:buClr>
               <a:buSzPct val="100000"/>
               <a:buFont typeface="Arial"/>
-              <a:buChar char="•"/>
+              <a:buChar char="●"/>
             </a:pPr>
             <a:r>
               <a:rPr b="0" baseline="0" i="0" lang="en-US" sz="3200" u="none" cap="none" strike="noStrike">
@@ -11242,10 +11593,29 @@
                 <a:cs typeface="Arial"/>
                 <a:sym typeface="Arial"/>
               </a:rPr>
-              <a:t>How to </a:t>
-            </a:r>
-            <a:r>
-              <a:rPr b="1" baseline="0" i="0" lang="en-US" sz="3200" u="none" cap="none" strike="noStrike">
+              <a:t>Response variable</a:t>
+            </a:r>
+          </a:p>
+          <a:p>
+            <a:pPr indent="-481012" lvl="1" marL="1077912" marR="0" rtl="0" algn="l">
+              <a:lnSpc>
+                <a:spcPct val="100000"/>
+              </a:lnSpc>
+              <a:spcBef>
+                <a:spcPts val="600"/>
+              </a:spcBef>
+              <a:spcAft>
+                <a:spcPts val="0"/>
+              </a:spcAft>
+              <a:buClr>
+                <a:srgbClr val="262626"/>
+              </a:buClr>
+              <a:buSzPct val="100000"/>
+              <a:buFont typeface="Noto Symbol"/>
+              <a:buChar char="○"/>
+            </a:pPr>
+            <a:r>
+              <a:rPr b="0" baseline="0" i="0" lang="en-US" sz="2600" u="none" cap="none" strike="noStrike">
                 <a:solidFill>
                   <a:srgbClr val="262626"/>
                 </a:solidFill>
@@ -11254,8 +11624,57 @@
                 <a:cs typeface="Arial"/>
                 <a:sym typeface="Arial"/>
               </a:rPr>
-              <a:t>classify conferences</a:t>
-            </a:r>
+              <a:t>Citation count</a:t>
+            </a:r>
+          </a:p>
+          <a:p>
+            <a:pPr indent="-252412" lvl="0" marL="455612" marR="0" rtl="0" algn="l">
+              <a:lnSpc>
+                <a:spcPct val="100000"/>
+              </a:lnSpc>
+              <a:spcBef>
+                <a:spcPts val="700"/>
+              </a:spcBef>
+              <a:spcAft>
+                <a:spcPts val="0"/>
+              </a:spcAft>
+              <a:buClr>
+                <a:srgbClr val="262626"/>
+              </a:buClr>
+              <a:buFont typeface="Arial"/>
+              <a:buNone/>
+            </a:pPr>
+            <a:r>
+              <a:t/>
+            </a:r>
+            <a:endParaRPr b="0" baseline="0" i="0" sz="3200" u="none" cap="none" strike="noStrike">
+              <a:solidFill>
+                <a:srgbClr val="262626"/>
+              </a:solidFill>
+              <a:latin typeface="Arial"/>
+              <a:ea typeface="Arial"/>
+              <a:cs typeface="Arial"/>
+              <a:sym typeface="Arial"/>
+            </a:endParaRPr>
+          </a:p>
+          <a:p>
+            <a:pPr indent="-455612" lvl="0" marL="455612" marR="0" rtl="0" algn="l">
+              <a:lnSpc>
+                <a:spcPct val="100000"/>
+              </a:lnSpc>
+              <a:spcBef>
+                <a:spcPts val="700"/>
+              </a:spcBef>
+              <a:spcAft>
+                <a:spcPts val="0"/>
+              </a:spcAft>
+              <a:buClr>
+                <a:srgbClr val="262626"/>
+              </a:buClr>
+              <a:buSzPct val="100000"/>
+              <a:buFont typeface="Arial"/>
+              <a:buChar char="●"/>
+            </a:pPr>
             <a:r>
               <a:rPr b="0" baseline="0" i="0" lang="en-US" sz="3200" u="none" cap="none" strike="noStrike">
                 <a:solidFill>
@@ -11266,16 +11685,16 @@
                 <a:cs typeface="Arial"/>
                 <a:sym typeface="Arial"/>
               </a:rPr>
-              <a:t> in different ranks?</a:t>
-            </a:r>
-          </a:p>
-          <a:p>
-            <a:pPr indent="-252412" lvl="0" marL="455612" marR="0" rtl="0" algn="l">
-              <a:lnSpc>
-                <a:spcPct val="100000"/>
-              </a:lnSpc>
-              <a:spcBef>
-                <a:spcPts val="700"/>
+              <a:t>Factors</a:t>
+            </a:r>
+          </a:p>
+          <a:p>
+            <a:pPr indent="-481012" lvl="1" marL="1077912" marR="0" rtl="0" algn="l">
+              <a:lnSpc>
+                <a:spcPct val="100000"/>
+              </a:lnSpc>
+              <a:spcBef>
+                <a:spcPts val="600"/>
               </a:spcBef>
               <a:spcAft>
                 <a:spcPts val="0"/>
@@ -11283,160 +11702,176 @@
               <a:buClr>
                 <a:srgbClr val="262626"/>
               </a:buClr>
-              <a:buFont typeface="Arial"/>
-              <a:buNone/>
-            </a:pPr>
-            <a:r>
-              <a:t/>
-            </a:r>
-            <a:endParaRPr b="0" baseline="0" i="0" sz="3200" u="none" cap="none" strike="noStrike">
-              <a:solidFill>
-                <a:srgbClr val="262626"/>
-              </a:solidFill>
-              <a:latin typeface="Arial"/>
-              <a:ea typeface="Arial"/>
-              <a:cs typeface="Arial"/>
-              <a:sym typeface="Arial"/>
-            </a:endParaRPr>
-          </a:p>
-          <a:p>
-            <a:pPr indent="-455612" lvl="0" marL="455612" marR="0" rtl="0" algn="l">
-              <a:lnSpc>
-                <a:spcPct val="100000"/>
-              </a:lnSpc>
-              <a:spcBef>
-                <a:spcPts val="700"/>
-              </a:spcBef>
-              <a:spcAft>
-                <a:spcPts val="0"/>
-              </a:spcAft>
-              <a:buClr>
-                <a:srgbClr val="BEBEBE"/>
-              </a:buClr>
               <a:buSzPct val="100000"/>
-              <a:buFont typeface="Arial"/>
-              <a:buChar char="•"/>
-            </a:pPr>
-            <a:r>
-              <a:rPr b="0" baseline="0" i="0" lang="en-US" sz="3200" u="none" cap="none" strike="noStrike">
+              <a:buFont typeface="Noto Symbol"/>
+              <a:buChar char="○"/>
+            </a:pPr>
+            <a:r>
+              <a:rPr b="0" baseline="0" i="0" lang="en-US" sz="2600" u="none" cap="none" strike="noStrike">
                 <a:solidFill>
-                  <a:srgbClr val="BEBEBE"/>
+                  <a:srgbClr val="262626"/>
                 </a:solidFill>
                 <a:latin typeface="Arial"/>
                 <a:ea typeface="Arial"/>
                 <a:cs typeface="Arial"/>
                 <a:sym typeface="Arial"/>
               </a:rPr>
-              <a:t>Is there an </a:t>
-            </a:r>
-            <a:r>
-              <a:rPr b="1" baseline="0" i="0" lang="en-US" sz="3200" u="none" cap="none" strike="noStrike">
+              <a:t>Choice of keywords in the paper title </a:t>
+            </a:r>
+          </a:p>
+          <a:p>
+            <a:pPr indent="-417512" lvl="2" marL="1624012" marR="0" rtl="0" algn="l">
+              <a:lnSpc>
+                <a:spcPct val="100000"/>
+              </a:lnSpc>
+              <a:spcBef>
+                <a:spcPts val="500"/>
+              </a:spcBef>
+              <a:spcAft>
+                <a:spcPts val="0"/>
+              </a:spcAft>
+              <a:buClr>
+                <a:srgbClr val="215968"/>
+              </a:buClr>
+              <a:buSzPct val="100000"/>
+              <a:buFont typeface="Noto Symbol"/>
+              <a:buChar char="■"/>
+            </a:pPr>
+            <a:r>
+              <a:rPr b="0" baseline="0" i="0" lang="en-US" sz="2400" u="none" cap="none" strike="noStrike">
                 <a:solidFill>
-                  <a:srgbClr val="BEBEBE"/>
+                  <a:srgbClr val="215968"/>
                 </a:solidFill>
                 <a:latin typeface="Arial"/>
                 <a:ea typeface="Arial"/>
                 <a:cs typeface="Arial"/>
                 <a:sym typeface="Arial"/>
               </a:rPr>
-              <a:t>accurate database</a:t>
-            </a:r>
-            <a:r>
-              <a:rPr b="0" baseline="0" i="0" lang="en-US" sz="3200" u="none" cap="none" strike="noStrike">
+              <a:t>Cloud, Distributed, Security, Mobile, Performance</a:t>
+            </a:r>
+          </a:p>
+          <a:p>
+            <a:pPr indent="-481012" lvl="1" marL="1077912" marR="0" rtl="0" algn="l">
+              <a:lnSpc>
+                <a:spcPct val="100000"/>
+              </a:lnSpc>
+              <a:spcBef>
+                <a:spcPts val="600"/>
+              </a:spcBef>
+              <a:spcAft>
+                <a:spcPts val="0"/>
+              </a:spcAft>
+              <a:buClr>
+                <a:srgbClr val="262626"/>
+              </a:buClr>
+              <a:buSzPct val="100000"/>
+              <a:buFont typeface="Noto Symbol"/>
+              <a:buChar char="○"/>
+            </a:pPr>
+            <a:r>
+              <a:rPr b="0" baseline="0" i="0" lang="en-US" sz="2600" u="none" cap="none" strike="noStrike">
                 <a:solidFill>
-                  <a:srgbClr val="BEBEBE"/>
+                  <a:srgbClr val="262626"/>
                 </a:solidFill>
                 <a:latin typeface="Arial"/>
                 <a:ea typeface="Arial"/>
                 <a:cs typeface="Arial"/>
                 <a:sym typeface="Arial"/>
               </a:rPr>
-              <a:t> for conference rankings?</a:t>
-            </a:r>
-          </a:p>
-          <a:p>
-            <a:pPr indent="-252412" lvl="0" marL="455612" marR="0" rtl="0" algn="l">
-              <a:lnSpc>
-                <a:spcPct val="100000"/>
-              </a:lnSpc>
-              <a:spcBef>
-                <a:spcPts val="700"/>
+              <a:t>Conference Rank</a:t>
+            </a:r>
+          </a:p>
+          <a:p>
+            <a:pPr indent="-417512" lvl="2" marL="1624012" marR="0" rtl="0" algn="l">
+              <a:lnSpc>
+                <a:spcPct val="100000"/>
+              </a:lnSpc>
+              <a:spcBef>
+                <a:spcPts val="500"/>
               </a:spcBef>
               <a:spcAft>
                 <a:spcPts val="0"/>
               </a:spcAft>
               <a:buClr>
-                <a:srgbClr val="262626"/>
-              </a:buClr>
-              <a:buFont typeface="Arial"/>
-              <a:buNone/>
-            </a:pPr>
-            <a:r>
-              <a:t/>
-            </a:r>
-            <a:endParaRPr b="0" baseline="0" i="0" sz="3200" u="none" cap="none" strike="noStrike">
-              <a:solidFill>
-                <a:srgbClr val="BEBEBE"/>
-              </a:solidFill>
-              <a:latin typeface="Arial"/>
-              <a:ea typeface="Arial"/>
-              <a:cs typeface="Arial"/>
-              <a:sym typeface="Arial"/>
-            </a:endParaRPr>
-          </a:p>
-          <a:p>
-            <a:pPr indent="-455612" lvl="0" marL="455612" marR="0" rtl="0" algn="l">
-              <a:lnSpc>
-                <a:spcPct val="100000"/>
-              </a:lnSpc>
-              <a:spcBef>
-                <a:spcPts val="700"/>
-              </a:spcBef>
-              <a:spcAft>
-                <a:spcPts val="0"/>
-              </a:spcAft>
-              <a:buClr>
-                <a:srgbClr val="BEBEBE"/>
+                <a:srgbClr val="215968"/>
               </a:buClr>
               <a:buSzPct val="100000"/>
-              <a:buFont typeface="Arial"/>
-              <a:buChar char="•"/>
-            </a:pPr>
-            <a:r>
-              <a:rPr b="0" baseline="0" i="0" lang="en-US" sz="3200" u="none" cap="none" strike="noStrike">
+              <a:buFont typeface="Noto Symbol"/>
+              <a:buChar char="■"/>
+            </a:pPr>
+            <a:r>
+              <a:rPr b="0" baseline="0" i="0" lang="en-US" sz="2400" u="none" cap="none" strike="noStrike">
                 <a:solidFill>
-                  <a:srgbClr val="BEBEBE"/>
+                  <a:srgbClr val="215968"/>
                 </a:solidFill>
                 <a:latin typeface="Arial"/>
                 <a:ea typeface="Arial"/>
                 <a:cs typeface="Arial"/>
                 <a:sym typeface="Arial"/>
               </a:rPr>
-              <a:t>Does the rankings </a:t>
-            </a:r>
-            <a:r>
-              <a:rPr b="1" baseline="0" i="0" lang="en-US" sz="3200" u="none" cap="none" strike="noStrike">
+              <a:t>A, B, C</a:t>
+            </a:r>
+          </a:p>
+          <a:p>
+            <a:pPr indent="-481012" lvl="1" marL="1077912" marR="0" rtl="0" algn="l">
+              <a:lnSpc>
+                <a:spcPct val="100000"/>
+              </a:lnSpc>
+              <a:spcBef>
+                <a:spcPts val="600"/>
+              </a:spcBef>
+              <a:spcAft>
+                <a:spcPts val="0"/>
+              </a:spcAft>
+              <a:buClr>
+                <a:srgbClr val="262626"/>
+              </a:buClr>
+              <a:buSzPct val="100000"/>
+              <a:buFont typeface="Noto Symbol"/>
+              <a:buChar char="○"/>
+            </a:pPr>
+            <a:r>
+              <a:rPr b="0" baseline="0" i="0" lang="en-US" sz="2600" u="none" cap="none" strike="noStrike">
                 <a:solidFill>
-                  <a:srgbClr val="BEBEBE"/>
+                  <a:srgbClr val="262626"/>
                 </a:solidFill>
                 <a:latin typeface="Arial"/>
                 <a:ea typeface="Arial"/>
                 <a:cs typeface="Arial"/>
                 <a:sym typeface="Arial"/>
               </a:rPr>
-              <a:t>change over time</a:t>
-            </a:r>
-            <a:r>
-              <a:rPr b="0" baseline="0" i="0" lang="en-US" sz="3200" u="none" cap="none" strike="noStrike">
+              <a:t>Publication year</a:t>
+            </a:r>
+          </a:p>
+          <a:p>
+            <a:pPr indent="-417512" lvl="2" marL="1624012" marR="0" rtl="0" algn="l">
+              <a:lnSpc>
+                <a:spcPct val="100000"/>
+              </a:lnSpc>
+              <a:spcBef>
+                <a:spcPts val="500"/>
+              </a:spcBef>
+              <a:spcAft>
+                <a:spcPts val="0"/>
+              </a:spcAft>
+              <a:buClr>
+                <a:srgbClr val="215968"/>
+              </a:buClr>
+              <a:buSzPct val="100000"/>
+              <a:buFont typeface="Noto Symbol"/>
+              <a:buChar char="■"/>
+            </a:pPr>
+            <a:r>
+              <a:rPr b="0" baseline="0" i="0" lang="en-US" sz="2400" u="none" cap="none" strike="noStrike">
                 <a:solidFill>
-                  <a:srgbClr val="BEBEBE"/>
+                  <a:srgbClr val="215968"/>
                 </a:solidFill>
                 <a:latin typeface="Arial"/>
                 <a:ea typeface="Arial"/>
                 <a:cs typeface="Arial"/>
                 <a:sym typeface="Arial"/>
               </a:rPr>
-              <a:t>?</a:t>
+              <a:t>2008 until 2012 (5 years) </a:t>
             </a:r>
           </a:p>
         </p:txBody>
@@ -11464,7 +11899,7 @@
     </p:bg>
     <p:spTree>
       <p:nvGrpSpPr>
-        <p:cNvPr id="69" name="Shape 69"/>
+        <p:cNvPr id="73" name="Shape 73"/>
         <p:cNvGrpSpPr/>
         <p:nvPr/>
       </p:nvGrpSpPr>
@@ -11478,7 +11913,7 @@
       </p:grpSpPr>
       <p:sp>
         <p:nvSpPr>
-          <p:cNvPr id="70" name="Shape 70"/>
+          <p:cNvPr id="74" name="Shape 74"/>
           <p:cNvSpPr txBox="1"/>
           <p:nvPr>
             <p:ph type="title"/>
@@ -11486,8 +11921,8 @@
         </p:nvSpPr>
         <p:spPr>
           <a:xfrm>
-            <a:off x="304800" y="74611"/>
-            <a:ext cx="8839199" cy="731837"/>
+            <a:off x="304800" y="0"/>
+            <a:ext cx="8839199" cy="882649"/>
           </a:xfrm>
           <a:prstGeom prst="rect">
             <a:avLst/>
@@ -11498,7 +11933,7 @@
           </a:ln>
         </p:spPr>
         <p:txBody>
-          <a:bodyPr anchorCtr="0" anchor="ctr" bIns="0" lIns="0" rIns="0" tIns="0">
+          <a:bodyPr anchorCtr="0" anchor="ctr" bIns="45700" lIns="45700" rIns="45700" tIns="45700">
             <a:noAutofit/>
           </a:bodyPr>
           <a:lstStyle/>
@@ -11530,14 +11965,14 @@
                 <a:cs typeface="Arial"/>
                 <a:sym typeface="Arial"/>
               </a:rPr>
-              <a:t>Data Collection Technique</a:t>
+              <a:t>Research Questions</a:t>
             </a:r>
           </a:p>
         </p:txBody>
       </p:sp>
       <p:sp>
         <p:nvSpPr>
-          <p:cNvPr id="71" name="Shape 71"/>
+          <p:cNvPr id="75" name="Shape 75"/>
           <p:cNvSpPr txBox="1"/>
           <p:nvPr>
             <p:ph idx="1" type="body"/>
@@ -11546,7 +11981,7 @@
         <p:spPr>
           <a:xfrm>
             <a:off x="406400" y="1193800"/>
-            <a:ext cx="11277600" cy="5080000"/>
+            <a:ext cx="11277600" cy="5664199"/>
           </a:xfrm>
           <a:prstGeom prst="rect">
             <a:avLst/>
@@ -11580,7 +12015,7 @@
               <a:buChar char="•"/>
             </a:pPr>
             <a:r>
-              <a:rPr b="0" baseline="0" i="0" lang="en-US" sz="2900" u="none" cap="none" strike="noStrike">
+              <a:rPr b="0" baseline="0" i="0" lang="en-US" sz="3200" u="none" cap="none" strike="noStrike">
                 <a:solidFill>
                   <a:srgbClr val="262626"/>
                 </a:solidFill>
@@ -11589,87 +12024,40 @@
                 <a:cs typeface="Arial"/>
                 <a:sym typeface="Arial"/>
               </a:rPr>
-              <a:t>Google Survey for determining conference ranking</a:t>
-            </a:r>
-          </a:p>
-          <a:p>
-            <a:pPr indent="-481012" lvl="1" marL="1077912" marR="0" rtl="0" algn="l">
-              <a:lnSpc>
-                <a:spcPct val="100000"/>
-              </a:lnSpc>
-              <a:spcBef>
-                <a:spcPts val="500"/>
-              </a:spcBef>
-              <a:spcAft>
-                <a:spcPts val="0"/>
-              </a:spcAft>
-              <a:buClr>
-                <a:srgbClr val="215968"/>
-              </a:buClr>
-              <a:buSzPct val="25000"/>
-              <a:buFont typeface="Arial"/>
-              <a:buNone/>
-            </a:pPr>
-            <a:r>
-              <a:rPr b="0" baseline="0" i="0" lang="en-US" sz="2300" u="none" cap="none" strike="noStrike">
+              <a:t>How to </a:t>
+            </a:r>
+            <a:r>
+              <a:rPr b="1" baseline="0" i="0" lang="en-US" sz="3200" u="none" cap="none" strike="noStrike">
                 <a:solidFill>
-                  <a:srgbClr val="215968"/>
+                  <a:srgbClr val="262626"/>
                 </a:solidFill>
                 <a:latin typeface="Arial"/>
                 <a:ea typeface="Arial"/>
                 <a:cs typeface="Arial"/>
                 <a:sym typeface="Arial"/>
               </a:rPr>
-              <a:t>Insight of Community opinion (</a:t>
-            </a:r>
-            <a:r>
-              <a:rPr lang="en-US" sz="2300">
+              <a:t>classify conferences</a:t>
+            </a:r>
+            <a:r>
+              <a:rPr b="0" baseline="0" i="0" lang="en-US" sz="3200" u="none" cap="none" strike="noStrike">
                 <a:solidFill>
-                  <a:srgbClr val="215968"/>
-                </a:solidFill>
-              </a:rPr>
-              <a:t>47 </a:t>
-            </a:r>
-            <a:r>
-              <a:rPr b="0" baseline="0" i="0" lang="en-US" sz="2300" u="none" cap="none" strike="noStrike">
-                <a:solidFill>
-                  <a:srgbClr val="215968"/>
+                  <a:srgbClr val="262626"/>
                 </a:solidFill>
                 <a:latin typeface="Arial"/>
                 <a:ea typeface="Arial"/>
                 <a:cs typeface="Arial"/>
                 <a:sym typeface="Arial"/>
               </a:rPr>
-              <a:t>response</a:t>
-            </a:r>
-            <a:r>
-              <a:rPr lang="en-US" sz="2300">
-                <a:solidFill>
-                  <a:srgbClr val="215968"/>
-                </a:solidFill>
-              </a:rPr>
-              <a:t>s</a:t>
-            </a:r>
-            <a:r>
-              <a:rPr b="0" baseline="0" i="0" lang="en-US" sz="2300" u="none" cap="none" strike="noStrike">
-                <a:solidFill>
-                  <a:srgbClr val="215968"/>
-                </a:solidFill>
-                <a:latin typeface="Arial"/>
-                <a:ea typeface="Arial"/>
-                <a:cs typeface="Arial"/>
-                <a:sym typeface="Arial"/>
-              </a:rPr>
-              <a:t>)</a:t>
-            </a:r>
-          </a:p>
-          <a:p>
-            <a:pPr indent="-481012" lvl="1" marL="1077912" marR="0" rtl="0" algn="l">
-              <a:lnSpc>
-                <a:spcPct val="100000"/>
-              </a:lnSpc>
-              <a:spcBef>
-                <a:spcPts val="500"/>
+              <a:t> in different ranks?</a:t>
+            </a:r>
+          </a:p>
+          <a:p>
+            <a:pPr indent="-252412" lvl="0" marL="455612" marR="0" rtl="0" algn="l">
+              <a:lnSpc>
+                <a:spcPct val="100000"/>
+              </a:lnSpc>
+              <a:spcBef>
+                <a:spcPts val="700"/>
               </a:spcBef>
               <a:spcAft>
                 <a:spcPts val="0"/>
@@ -11683,7 +12071,7 @@
             <a:r>
               <a:t/>
             </a:r>
-            <a:endParaRPr b="0" baseline="0" i="0" sz="2300" u="none" cap="none" strike="noStrike">
+            <a:endParaRPr b="0" baseline="0" i="0" sz="3200" u="none" cap="none" strike="noStrike">
               <a:solidFill>
                 <a:srgbClr val="262626"/>
               </a:solidFill>
@@ -11705,63 +12093,56 @@
                 <a:spcPts val="0"/>
               </a:spcAft>
               <a:buClr>
-                <a:srgbClr val="262626"/>
+                <a:srgbClr val="BEBEBE"/>
               </a:buClr>
               <a:buSzPct val="100000"/>
               <a:buFont typeface="Arial"/>
               <a:buChar char="•"/>
             </a:pPr>
             <a:r>
-              <a:rPr b="0" baseline="0" i="0" lang="en-US" sz="2900" u="none" cap="none" strike="noStrike">
+              <a:rPr b="0" baseline="0" i="0" lang="en-US" sz="3200" u="none" cap="none" strike="noStrike">
                 <a:solidFill>
-                  <a:srgbClr val="262626"/>
+                  <a:srgbClr val="BEBEBE"/>
                 </a:solidFill>
                 <a:latin typeface="Arial"/>
                 <a:ea typeface="Arial"/>
                 <a:cs typeface="Arial"/>
                 <a:sym typeface="Arial"/>
               </a:rPr>
-              <a:t>Online Conference Ranking Databases</a:t>
-            </a:r>
-          </a:p>
-          <a:p>
-            <a:pPr indent="-481012" lvl="1" marL="1077912" marR="0" rtl="0" algn="l">
-              <a:lnSpc>
-                <a:spcPct val="100000"/>
-              </a:lnSpc>
-              <a:spcBef>
-                <a:spcPts val="500"/>
-              </a:spcBef>
-              <a:spcAft>
-                <a:spcPts val="0"/>
-              </a:spcAft>
-              <a:buClr>
-                <a:srgbClr val="215968"/>
-              </a:buClr>
-              <a:buSzPct val="25000"/>
-              <a:buFont typeface="Arial"/>
-              <a:buNone/>
-            </a:pPr>
-            <a:r>
-              <a:rPr b="0" baseline="0" i="0" lang="en-US" sz="2300" u="none" cap="none" strike="noStrike">
+              <a:t>Is there an </a:t>
+            </a:r>
+            <a:r>
+              <a:rPr b="1" baseline="0" i="0" lang="en-US" sz="3200" u="none" cap="none" strike="noStrike">
                 <a:solidFill>
-                  <a:srgbClr val="215968"/>
+                  <a:srgbClr val="BEBEBE"/>
                 </a:solidFill>
                 <a:latin typeface="Arial"/>
                 <a:ea typeface="Arial"/>
                 <a:cs typeface="Arial"/>
                 <a:sym typeface="Arial"/>
               </a:rPr>
-              <a:t>Core Conference Portal, ERA Ranking Portal</a:t>
-            </a:r>
-          </a:p>
-          <a:p>
-            <a:pPr indent="-481012" lvl="1" marL="1077912" marR="0" rtl="0" algn="l">
-              <a:lnSpc>
-                <a:spcPct val="100000"/>
-              </a:lnSpc>
-              <a:spcBef>
-                <a:spcPts val="500"/>
+              <a:t>accurate database</a:t>
+            </a:r>
+            <a:r>
+              <a:rPr b="0" baseline="0" i="0" lang="en-US" sz="3200" u="none" cap="none" strike="noStrike">
+                <a:solidFill>
+                  <a:srgbClr val="BEBEBE"/>
+                </a:solidFill>
+                <a:latin typeface="Arial"/>
+                <a:ea typeface="Arial"/>
+                <a:cs typeface="Arial"/>
+                <a:sym typeface="Arial"/>
+              </a:rPr>
+              <a:t> for conference rankings?</a:t>
+            </a:r>
+          </a:p>
+          <a:p>
+            <a:pPr indent="-252412" lvl="0" marL="455612" marR="0" rtl="0" algn="l">
+              <a:lnSpc>
+                <a:spcPct val="100000"/>
+              </a:lnSpc>
+              <a:spcBef>
+                <a:spcPts val="700"/>
               </a:spcBef>
               <a:spcAft>
                 <a:spcPts val="0"/>
@@ -11775,9 +12156,9 @@
             <a:r>
               <a:t/>
             </a:r>
-            <a:endParaRPr b="0" baseline="0" i="0" sz="2300" u="none" cap="none" strike="noStrike">
+            <a:endParaRPr b="0" baseline="0" i="0" sz="3200" u="none" cap="none" strike="noStrike">
               <a:solidFill>
-                <a:srgbClr val="262626"/>
+                <a:srgbClr val="BEBEBE"/>
               </a:solidFill>
               <a:latin typeface="Arial"/>
               <a:ea typeface="Arial"/>
@@ -11797,146 +12178,47 @@
                 <a:spcPts val="0"/>
               </a:spcAft>
               <a:buClr>
-                <a:srgbClr val="262626"/>
+                <a:srgbClr val="BEBEBE"/>
               </a:buClr>
               <a:buSzPct val="100000"/>
               <a:buFont typeface="Arial"/>
               <a:buChar char="•"/>
             </a:pPr>
             <a:r>
-              <a:rPr b="0" baseline="0" i="0" lang="en-US" sz="2900" u="none" cap="none" strike="noStrike">
+              <a:rPr b="0" baseline="0" i="0" lang="en-US" sz="3200" u="none" cap="none" strike="noStrike">
                 <a:solidFill>
-                  <a:srgbClr val="262626"/>
+                  <a:srgbClr val="BEBEBE"/>
                 </a:solidFill>
                 <a:latin typeface="Arial"/>
                 <a:ea typeface="Arial"/>
                 <a:cs typeface="Arial"/>
                 <a:sym typeface="Arial"/>
               </a:rPr>
-              <a:t>Prof. Kevin Almeroth’s blog on Conference Statistics</a:t>
-            </a:r>
-          </a:p>
-          <a:p>
-            <a:pPr indent="-481012" lvl="1" marL="1077912" marR="0" rtl="0" algn="l">
-              <a:lnSpc>
-                <a:spcPct val="100000"/>
-              </a:lnSpc>
-              <a:spcBef>
-                <a:spcPts val="500"/>
-              </a:spcBef>
-              <a:spcAft>
-                <a:spcPts val="0"/>
-              </a:spcAft>
-              <a:buClr>
-                <a:srgbClr val="215968"/>
-              </a:buClr>
-              <a:buSzPct val="25000"/>
-              <a:buFont typeface="Arial"/>
-              <a:buNone/>
-            </a:pPr>
-            <a:r>
-              <a:rPr b="0" baseline="0" i="0" lang="en-US" sz="2300" u="none" cap="none" strike="noStrike">
+              <a:t>Does the rankings </a:t>
+            </a:r>
+            <a:r>
+              <a:rPr b="1" baseline="0" i="0" lang="en-US" sz="3200" u="none" cap="none" strike="noStrike">
                 <a:solidFill>
-                  <a:srgbClr val="215968"/>
+                  <a:srgbClr val="BEBEBE"/>
                 </a:solidFill>
                 <a:latin typeface="Arial"/>
                 <a:ea typeface="Arial"/>
                 <a:cs typeface="Arial"/>
                 <a:sym typeface="Arial"/>
               </a:rPr>
-              <a:t>Acceptance rate, #Papers submitted, #Papers accepted</a:t>
-            </a:r>
-          </a:p>
-          <a:p>
-            <a:pPr indent="-481012" lvl="1" marL="1077912" marR="0" rtl="0" algn="l">
-              <a:lnSpc>
-                <a:spcPct val="100000"/>
-              </a:lnSpc>
-              <a:spcBef>
-                <a:spcPts val="500"/>
-              </a:spcBef>
-              <a:spcAft>
-                <a:spcPts val="0"/>
-              </a:spcAft>
-              <a:buClr>
-                <a:srgbClr val="262626"/>
-              </a:buClr>
-              <a:buFont typeface="Arial"/>
-              <a:buNone/>
-            </a:pPr>
-            <a:r>
-              <a:t/>
-            </a:r>
-            <a:endParaRPr b="0" baseline="0" i="0" sz="2300" u="none" cap="none" strike="noStrike">
-              <a:solidFill>
-                <a:srgbClr val="262626"/>
-              </a:solidFill>
-              <a:latin typeface="Arial"/>
-              <a:ea typeface="Arial"/>
-              <a:cs typeface="Arial"/>
-              <a:sym typeface="Arial"/>
-            </a:endParaRPr>
-          </a:p>
-          <a:p>
-            <a:pPr indent="-455612" lvl="0" marL="455612" marR="0" rtl="0" algn="l">
-              <a:lnSpc>
-                <a:spcPct val="100000"/>
-              </a:lnSpc>
-              <a:spcBef>
-                <a:spcPts val="700"/>
-              </a:spcBef>
-              <a:spcAft>
-                <a:spcPts val="0"/>
-              </a:spcAft>
-              <a:buClr>
-                <a:srgbClr val="262626"/>
-              </a:buClr>
-              <a:buSzPct val="100000"/>
-              <a:buFont typeface="Arial"/>
-              <a:buChar char="•"/>
-            </a:pPr>
-            <a:r>
-              <a:rPr b="0" baseline="0" i="0" lang="en-US" sz="2900" u="none" cap="none" strike="noStrike">
+              <a:t>change over time</a:t>
+            </a:r>
+            <a:r>
+              <a:rPr b="0" baseline="0" i="0" lang="en-US" sz="3200" u="none" cap="none" strike="noStrike">
                 <a:solidFill>
-                  <a:srgbClr val="262626"/>
+                  <a:srgbClr val="BEBEBE"/>
                 </a:solidFill>
                 <a:latin typeface="Arial"/>
                 <a:ea typeface="Arial"/>
                 <a:cs typeface="Arial"/>
                 <a:sym typeface="Arial"/>
               </a:rPr>
-              <a:t>Google Scholar</a:t>
-            </a:r>
-          </a:p>
-          <a:p>
-            <a:pPr indent="-481012" lvl="1" marL="1077912" marR="0" rtl="0" algn="l">
-              <a:lnSpc>
-                <a:spcPct val="100000"/>
-              </a:lnSpc>
-              <a:spcBef>
-                <a:spcPts val="500"/>
-              </a:spcBef>
-              <a:spcAft>
-                <a:spcPts val="0"/>
-              </a:spcAft>
-              <a:buClr>
-                <a:srgbClr val="215968"/>
-              </a:buClr>
-              <a:buSzPct val="25000"/>
-              <a:buFont typeface="Arial"/>
-              <a:buNone/>
-            </a:pPr>
-            <a:r>
-              <a:rPr b="0" baseline="0" i="0" lang="en-US" sz="2300" u="none" cap="none" strike="noStrike">
-                <a:solidFill>
-                  <a:srgbClr val="215968"/>
-                </a:solidFill>
-                <a:latin typeface="Arial"/>
-                <a:ea typeface="Arial"/>
-                <a:cs typeface="Arial"/>
-                <a:sym typeface="Arial"/>
-              </a:rPr>
-              <a:t>Paper Title, Citation Count, Conference Name, Publication Year</a:t>
+              <a:t>?</a:t>
             </a:r>
           </a:p>
         </p:txBody>
@@ -11964,7 +12246,7 @@
     </p:bg>
     <p:spTree>
       <p:nvGrpSpPr>
-        <p:cNvPr id="75" name="Shape 75"/>
+        <p:cNvPr id="79" name="Shape 79"/>
         <p:cNvGrpSpPr/>
         <p:nvPr/>
       </p:nvGrpSpPr>
@@ -11978,7 +12260,7 @@
       </p:grpSpPr>
       <p:sp>
         <p:nvSpPr>
-          <p:cNvPr id="76" name="Shape 76"/>
+          <p:cNvPr id="80" name="Shape 80"/>
           <p:cNvSpPr txBox="1"/>
           <p:nvPr>
             <p:ph type="title"/>
@@ -12030,14 +12312,14 @@
                 <a:cs typeface="Arial"/>
                 <a:sym typeface="Arial"/>
               </a:rPr>
-              <a:t>Data Collected</a:t>
+              <a:t>Data Collection Technique</a:t>
             </a:r>
           </a:p>
         </p:txBody>
       </p:sp>
       <p:sp>
         <p:nvSpPr>
-          <p:cNvPr id="77" name="Shape 77"/>
+          <p:cNvPr id="81" name="Shape 81"/>
           <p:cNvSpPr txBox="1"/>
           <p:nvPr>
             <p:ph idx="1" type="body"/>
@@ -12080,7 +12362,7 @@
               <a:buChar char="•"/>
             </a:pPr>
             <a:r>
-              <a:rPr b="0" baseline="0" i="0" lang="en-US" sz="3200" u="none" cap="none" strike="noStrike">
+              <a:rPr b="0" baseline="0" i="0" lang="en-US" sz="2900" u="none" cap="none" strike="noStrike">
                 <a:solidFill>
                   <a:srgbClr val="262626"/>
                 </a:solidFill>
@@ -12089,7 +12371,7 @@
                 <a:cs typeface="Arial"/>
                 <a:sym typeface="Arial"/>
               </a:rPr>
-              <a:t>63 networking conferences</a:t>
+              <a:t>Google Survey for determining conference ranking</a:t>
             </a:r>
           </a:p>
           <a:p>
@@ -12098,7 +12380,7 @@
                 <a:spcPct val="100000"/>
               </a:lnSpc>
               <a:spcBef>
-                <a:spcPts val="600"/>
+                <a:spcPts val="500"/>
               </a:spcBef>
               <a:spcAft>
                 <a:spcPts val="0"/>
@@ -12111,7 +12393,7 @@
               <a:buNone/>
             </a:pPr>
             <a:r>
-              <a:rPr b="1" baseline="0" i="0" lang="en-US" sz="2600" u="none" cap="none" strike="noStrike">
+              <a:rPr b="0" baseline="0" i="0" lang="en-US" sz="2300" u="none" cap="none" strike="noStrike">
                 <a:solidFill>
                   <a:srgbClr val="215968"/>
                 </a:solidFill>
@@ -12120,10 +12402,18 @@
                 <a:cs typeface="Arial"/>
                 <a:sym typeface="Arial"/>
               </a:rPr>
-              <a:t>22 rank A conferences</a:t>
-            </a:r>
-            <a:r>
-              <a:rPr b="0" baseline="0" i="0" lang="en-US" sz="2600" u="none" cap="none" strike="noStrike">
+              <a:t>Insight of Community opinion (</a:t>
+            </a:r>
+            <a:r>
+              <a:rPr lang="en-US" sz="2300">
+                <a:solidFill>
+                  <a:srgbClr val="215968"/>
+                </a:solidFill>
+              </a:rPr>
+              <a:t>47 </a:t>
+            </a:r>
+            <a:r>
+              <a:rPr b="0" baseline="0" i="0" lang="en-US" sz="2300" u="none" cap="none" strike="noStrike">
                 <a:solidFill>
                   <a:srgbClr val="215968"/>
                 </a:solidFill>
@@ -12132,29 +12422,18 @@
                 <a:cs typeface="Arial"/>
                 <a:sym typeface="Arial"/>
               </a:rPr>
-              <a:t> (Acceptance Rate: 11% to 20.9%)</a:t>
-            </a:r>
-          </a:p>
-          <a:p>
-            <a:pPr indent="-481012" lvl="1" marL="1077912" marR="0" rtl="0" algn="l">
-              <a:lnSpc>
-                <a:spcPct val="100000"/>
-              </a:lnSpc>
-              <a:spcBef>
-                <a:spcPts val="600"/>
-              </a:spcBef>
-              <a:spcAft>
-                <a:spcPts val="0"/>
-              </a:spcAft>
-              <a:buClr>
-                <a:srgbClr val="215968"/>
-              </a:buClr>
-              <a:buSzPct val="25000"/>
-              <a:buFont typeface="Arial"/>
-              <a:buNone/>
-            </a:pPr>
-            <a:r>
-              <a:rPr b="1" baseline="0" i="0" lang="en-US" sz="2600" u="none" cap="none" strike="noStrike">
+              <a:t>response</a:t>
+            </a:r>
+            <a:r>
+              <a:rPr lang="en-US" sz="2300">
+                <a:solidFill>
+                  <a:srgbClr val="215968"/>
+                </a:solidFill>
+              </a:rPr>
+              <a:t>s</a:t>
+            </a:r>
+            <a:r>
+              <a:rPr b="0" baseline="0" i="0" lang="en-US" sz="2300" u="none" cap="none" strike="noStrike">
                 <a:solidFill>
                   <a:srgbClr val="215968"/>
                 </a:solidFill>
@@ -12163,10 +12442,90 @@
                 <a:cs typeface="Arial"/>
                 <a:sym typeface="Arial"/>
               </a:rPr>
-              <a:t>22 rank B conferences</a:t>
-            </a:r>
-            <a:r>
-              <a:rPr b="0" baseline="0" i="0" lang="en-US" sz="2600" u="none" cap="none" strike="noStrike">
+              <a:t>)</a:t>
+            </a:r>
+          </a:p>
+          <a:p>
+            <a:pPr indent="-481012" lvl="1" marL="1077912" marR="0" rtl="0" algn="l">
+              <a:lnSpc>
+                <a:spcPct val="100000"/>
+              </a:lnSpc>
+              <a:spcBef>
+                <a:spcPts val="500"/>
+              </a:spcBef>
+              <a:spcAft>
+                <a:spcPts val="0"/>
+              </a:spcAft>
+              <a:buClr>
+                <a:srgbClr val="262626"/>
+              </a:buClr>
+              <a:buFont typeface="Arial"/>
+              <a:buNone/>
+            </a:pPr>
+            <a:r>
+              <a:t/>
+            </a:r>
+            <a:endParaRPr b="0" baseline="0" i="0" sz="2300" u="none" cap="none" strike="noStrike">
+              <a:solidFill>
+                <a:srgbClr val="262626"/>
+              </a:solidFill>
+              <a:latin typeface="Arial"/>
+              <a:ea typeface="Arial"/>
+              <a:cs typeface="Arial"/>
+              <a:sym typeface="Arial"/>
+            </a:endParaRPr>
+          </a:p>
+          <a:p>
+            <a:pPr indent="-455612" lvl="0" marL="455612" marR="0" rtl="0" algn="l">
+              <a:lnSpc>
+                <a:spcPct val="100000"/>
+              </a:lnSpc>
+              <a:spcBef>
+                <a:spcPts val="700"/>
+              </a:spcBef>
+              <a:spcAft>
+                <a:spcPts val="0"/>
+              </a:spcAft>
+              <a:buClr>
+                <a:srgbClr val="262626"/>
+              </a:buClr>
+              <a:buSzPct val="100000"/>
+              <a:buFont typeface="Arial"/>
+              <a:buChar char="•"/>
+            </a:pPr>
+            <a:r>
+              <a:rPr b="0" baseline="0" i="0" lang="en-US" sz="2900" u="none" cap="none" strike="noStrike">
+                <a:solidFill>
+                  <a:srgbClr val="262626"/>
+                </a:solidFill>
+                <a:latin typeface="Arial"/>
+                <a:ea typeface="Arial"/>
+                <a:cs typeface="Arial"/>
+                <a:sym typeface="Arial"/>
+              </a:rPr>
+              <a:t>Online Conference Ranking Databases</a:t>
+            </a:r>
+          </a:p>
+          <a:p>
+            <a:pPr indent="-481012" lvl="1" marL="1077912" marR="0" rtl="0" algn="l">
+              <a:lnSpc>
+                <a:spcPct val="100000"/>
+              </a:lnSpc>
+              <a:spcBef>
+                <a:spcPts val="500"/>
+              </a:spcBef>
+              <a:spcAft>
+                <a:spcPts val="0"/>
+              </a:spcAft>
+              <a:buClr>
+                <a:srgbClr val="215968"/>
+              </a:buClr>
+              <a:buSzPct val="25000"/>
+              <a:buFont typeface="Arial"/>
+              <a:buNone/>
+            </a:pPr>
+            <a:r>
+              <a:rPr b="0" baseline="0" i="0" lang="en-US" sz="2300" u="none" cap="none" strike="noStrike">
                 <a:solidFill>
                   <a:srgbClr val="215968"/>
                 </a:solidFill>
@@ -12175,7 +12534,7 @@
                 <a:cs typeface="Arial"/>
                 <a:sym typeface="Arial"/>
               </a:rPr>
-              <a:t> (Acceptance Rate: 21% to 30.9%)</a:t>
+              <a:t>Core Conference Portal, ERA Ranking Portal</a:t>
             </a:r>
           </a:p>
           <a:p>
@@ -12184,7 +12543,68 @@
                 <a:spcPct val="100000"/>
               </a:lnSpc>
               <a:spcBef>
-                <a:spcPts val="600"/>
+                <a:spcPts val="500"/>
+              </a:spcBef>
+              <a:spcAft>
+                <a:spcPts val="0"/>
+              </a:spcAft>
+              <a:buClr>
+                <a:srgbClr val="262626"/>
+              </a:buClr>
+              <a:buFont typeface="Arial"/>
+              <a:buNone/>
+            </a:pPr>
+            <a:r>
+              <a:t/>
+            </a:r>
+            <a:endParaRPr b="0" baseline="0" i="0" sz="2300" u="none" cap="none" strike="noStrike">
+              <a:solidFill>
+                <a:srgbClr val="262626"/>
+              </a:solidFill>
+              <a:latin typeface="Arial"/>
+              <a:ea typeface="Arial"/>
+              <a:cs typeface="Arial"/>
+              <a:sym typeface="Arial"/>
+            </a:endParaRPr>
+          </a:p>
+          <a:p>
+            <a:pPr indent="-455612" lvl="0" marL="455612" marR="0" rtl="0" algn="l">
+              <a:lnSpc>
+                <a:spcPct val="100000"/>
+              </a:lnSpc>
+              <a:spcBef>
+                <a:spcPts val="700"/>
+              </a:spcBef>
+              <a:spcAft>
+                <a:spcPts val="0"/>
+              </a:spcAft>
+              <a:buClr>
+                <a:srgbClr val="262626"/>
+              </a:buClr>
+              <a:buSzPct val="100000"/>
+              <a:buFont typeface="Arial"/>
+              <a:buChar char="•"/>
+            </a:pPr>
+            <a:r>
+              <a:rPr b="0" baseline="0" i="0" lang="en-US" sz="2900" u="none" cap="none" strike="noStrike">
+                <a:solidFill>
+                  <a:srgbClr val="262626"/>
+                </a:solidFill>
+                <a:latin typeface="Arial"/>
+                <a:ea typeface="Arial"/>
+                <a:cs typeface="Arial"/>
+                <a:sym typeface="Arial"/>
+              </a:rPr>
+              <a:t>Prof. Kevin Almeroth’s blog on Conference Statistics</a:t>
+            </a:r>
+          </a:p>
+          <a:p>
+            <a:pPr indent="-481012" lvl="1" marL="1077912" marR="0" rtl="0" algn="l">
+              <a:lnSpc>
+                <a:spcPct val="100000"/>
+              </a:lnSpc>
+              <a:spcBef>
+                <a:spcPts val="500"/>
               </a:spcBef>
               <a:spcAft>
                 <a:spcPts val="0"/>
@@ -12197,7 +12617,7 @@
               <a:buNone/>
             </a:pPr>
             <a:r>
-              <a:rPr b="1" baseline="0" i="0" lang="en-US" sz="2600" u="none" cap="none" strike="noStrike">
+              <a:rPr b="0" baseline="0" i="0" lang="en-US" sz="2300" u="none" cap="none" strike="noStrike">
                 <a:solidFill>
                   <a:srgbClr val="215968"/>
                 </a:solidFill>
@@ -12206,10 +12626,90 @@
                 <a:cs typeface="Arial"/>
                 <a:sym typeface="Arial"/>
               </a:rPr>
-              <a:t>19 rank C conferences</a:t>
-            </a:r>
-            <a:r>
-              <a:rPr b="0" baseline="0" i="0" lang="en-US" sz="2600" u="none" cap="none" strike="noStrike">
+              <a:t>Acceptance rate, #Papers submitted, #Papers accepted</a:t>
+            </a:r>
+          </a:p>
+          <a:p>
+            <a:pPr indent="-481012" lvl="1" marL="1077912" marR="0" rtl="0" algn="l">
+              <a:lnSpc>
+                <a:spcPct val="100000"/>
+              </a:lnSpc>
+              <a:spcBef>
+                <a:spcPts val="500"/>
+              </a:spcBef>
+              <a:spcAft>
+                <a:spcPts val="0"/>
+              </a:spcAft>
+              <a:buClr>
+                <a:srgbClr val="262626"/>
+              </a:buClr>
+              <a:buFont typeface="Arial"/>
+              <a:buNone/>
+            </a:pPr>
+            <a:r>
+              <a:t/>
+            </a:r>
+            <a:endParaRPr b="0" baseline="0" i="0" sz="2300" u="none" cap="none" strike="noStrike">
+              <a:solidFill>
+                <a:srgbClr val="262626"/>
+              </a:solidFill>
+              <a:latin typeface="Arial"/>
+              <a:ea typeface="Arial"/>
+              <a:cs typeface="Arial"/>
+              <a:sym typeface="Arial"/>
+            </a:endParaRPr>
+          </a:p>
+          <a:p>
+            <a:pPr indent="-455612" lvl="0" marL="455612" marR="0" rtl="0" algn="l">
+              <a:lnSpc>
+                <a:spcPct val="100000"/>
+              </a:lnSpc>
+              <a:spcBef>
+                <a:spcPts val="700"/>
+              </a:spcBef>
+              <a:spcAft>
+                <a:spcPts val="0"/>
+              </a:spcAft>
+              <a:buClr>
+                <a:srgbClr val="262626"/>
+              </a:buClr>
+              <a:buSzPct val="100000"/>
+              <a:buFont typeface="Arial"/>
+              <a:buChar char="•"/>
+            </a:pPr>
+            <a:r>
+              <a:rPr b="0" baseline="0" i="0" lang="en-US" sz="2900" u="none" cap="none" strike="noStrike">
+                <a:solidFill>
+                  <a:srgbClr val="262626"/>
+                </a:solidFill>
+                <a:latin typeface="Arial"/>
+                <a:ea typeface="Arial"/>
+                <a:cs typeface="Arial"/>
+                <a:sym typeface="Arial"/>
+              </a:rPr>
+              <a:t>Google Scholar</a:t>
+            </a:r>
+          </a:p>
+          <a:p>
+            <a:pPr indent="-481012" lvl="1" marL="1077912" marR="0" rtl="0" algn="l">
+              <a:lnSpc>
+                <a:spcPct val="100000"/>
+              </a:lnSpc>
+              <a:spcBef>
+                <a:spcPts val="500"/>
+              </a:spcBef>
+              <a:spcAft>
+                <a:spcPts val="0"/>
+              </a:spcAft>
+              <a:buClr>
+                <a:srgbClr val="215968"/>
+              </a:buClr>
+              <a:buSzPct val="25000"/>
+              <a:buFont typeface="Arial"/>
+              <a:buNone/>
+            </a:pPr>
+            <a:r>
+              <a:rPr b="0" baseline="0" i="0" lang="en-US" sz="2300" u="none" cap="none" strike="noStrike">
                 <a:solidFill>
                   <a:srgbClr val="215968"/>
                 </a:solidFill>
@@ -12218,161 +12718,7 @@
                 <a:cs typeface="Arial"/>
                 <a:sym typeface="Arial"/>
               </a:rPr>
-              <a:t> (Acceptance Rate: 31% to 40.9%)</a:t>
-            </a:r>
-          </a:p>
-          <a:p>
-            <a:pPr indent="-481012" lvl="1" marL="1077912" marR="0" rtl="0" algn="l">
-              <a:lnSpc>
-                <a:spcPct val="100000"/>
-              </a:lnSpc>
-              <a:spcBef>
-                <a:spcPts val="600"/>
-              </a:spcBef>
-              <a:spcAft>
-                <a:spcPts val="0"/>
-              </a:spcAft>
-              <a:buClr>
-                <a:srgbClr val="262626"/>
-              </a:buClr>
-              <a:buFont typeface="Arial"/>
-              <a:buNone/>
-            </a:pPr>
-            <a:r>
-              <a:t/>
-            </a:r>
-            <a:endParaRPr b="0" baseline="0" i="0" sz="2600" u="none" cap="none" strike="noStrike">
-              <a:solidFill>
-                <a:srgbClr val="215968"/>
-              </a:solidFill>
-              <a:latin typeface="Arial"/>
-              <a:ea typeface="Arial"/>
-              <a:cs typeface="Arial"/>
-              <a:sym typeface="Arial"/>
-            </a:endParaRPr>
-          </a:p>
-          <a:p>
-            <a:pPr indent="-455612" lvl="0" marL="455612" marR="0" rtl="0" algn="l">
-              <a:lnSpc>
-                <a:spcPct val="100000"/>
-              </a:lnSpc>
-              <a:spcBef>
-                <a:spcPts val="700"/>
-              </a:spcBef>
-              <a:spcAft>
-                <a:spcPts val="0"/>
-              </a:spcAft>
-              <a:buClr>
-                <a:srgbClr val="262626"/>
-              </a:buClr>
-              <a:buSzPct val="100000"/>
-              <a:buFont typeface="Arial"/>
-              <a:buChar char="•"/>
-            </a:pPr>
-            <a:r>
-              <a:rPr b="0" baseline="0" i="0" lang="en-US" sz="3200" u="none" cap="none" strike="noStrike">
-                <a:solidFill>
-                  <a:srgbClr val="262626"/>
-                </a:solidFill>
-                <a:latin typeface="Arial"/>
-                <a:ea typeface="Arial"/>
-                <a:cs typeface="Arial"/>
-                <a:sym typeface="Arial"/>
-              </a:rPr>
-              <a:t>Total papers = 38895</a:t>
-            </a:r>
-          </a:p>
-          <a:p>
-            <a:pPr indent="-481012" lvl="1" marL="1077912" marR="0" rtl="0" algn="l">
-              <a:lnSpc>
-                <a:spcPct val="100000"/>
-              </a:lnSpc>
-              <a:spcBef>
-                <a:spcPts val="600"/>
-              </a:spcBef>
-              <a:spcAft>
-                <a:spcPts val="0"/>
-              </a:spcAft>
-              <a:buClr>
-                <a:srgbClr val="215968"/>
-              </a:buClr>
-              <a:buSzPct val="25000"/>
-              <a:buFont typeface="Arial"/>
-              <a:buNone/>
-            </a:pPr>
-            <a:r>
-              <a:rPr b="1" baseline="0" i="0" lang="en-US" sz="2600" u="none" cap="none" strike="noStrike">
-                <a:solidFill>
-                  <a:srgbClr val="215968"/>
-                </a:solidFill>
-                <a:latin typeface="Arial"/>
-                <a:ea typeface="Arial"/>
-                <a:cs typeface="Arial"/>
-                <a:sym typeface="Arial"/>
-              </a:rPr>
-              <a:t>#Papers in Rank A Conferences = 8224</a:t>
-            </a:r>
-          </a:p>
-          <a:p>
-            <a:pPr indent="-481012" lvl="1" marL="1077912" marR="0" rtl="0" algn="l">
-              <a:lnSpc>
-                <a:spcPct val="100000"/>
-              </a:lnSpc>
-              <a:spcBef>
-                <a:spcPts val="600"/>
-              </a:spcBef>
-              <a:spcAft>
-                <a:spcPts val="0"/>
-              </a:spcAft>
-              <a:buClr>
-                <a:srgbClr val="215968"/>
-              </a:buClr>
-              <a:buSzPct val="25000"/>
-              <a:buFont typeface="Arial"/>
-              <a:buNone/>
-            </a:pPr>
-            <a:r>
-              <a:rPr b="1" baseline="0" i="0" lang="en-US" sz="2600" u="none" cap="none" strike="noStrike">
-                <a:solidFill>
-                  <a:srgbClr val="215968"/>
-                </a:solidFill>
-                <a:latin typeface="Arial"/>
-                <a:ea typeface="Arial"/>
-                <a:cs typeface="Arial"/>
-                <a:sym typeface="Arial"/>
-              </a:rPr>
-              <a:t>#Papers in Rank B Conferences = 7134</a:t>
-            </a:r>
-          </a:p>
-          <a:p>
-            <a:pPr indent="-481012" lvl="1" marL="1077912" marR="0" rtl="0" algn="l">
-              <a:lnSpc>
-                <a:spcPct val="100000"/>
-              </a:lnSpc>
-              <a:spcBef>
-                <a:spcPts val="600"/>
-              </a:spcBef>
-              <a:spcAft>
-                <a:spcPts val="0"/>
-              </a:spcAft>
-              <a:buClr>
-                <a:srgbClr val="215968"/>
-              </a:buClr>
-              <a:buSzPct val="25000"/>
-              <a:buFont typeface="Arial"/>
-              <a:buNone/>
-            </a:pPr>
-            <a:r>
-              <a:rPr b="1" baseline="0" i="0" lang="en-US" sz="2600" u="none" cap="none" strike="noStrike">
-                <a:solidFill>
-                  <a:srgbClr val="215968"/>
-                </a:solidFill>
-                <a:latin typeface="Arial"/>
-                <a:ea typeface="Arial"/>
-                <a:cs typeface="Arial"/>
-                <a:sym typeface="Arial"/>
-              </a:rPr>
-              <a:t>#Papers in Rank C Conferences = 23537</a:t>
+              <a:t>Paper Title, Citation Count, Conference Name, Publication Year</a:t>
             </a:r>
           </a:p>
         </p:txBody>
@@ -12389,44 +12735,44 @@
 </file>
 
 <file path=ppt/theme/theme1.xml><?xml version="1.0" encoding="utf-8"?>
-<a:theme xmlns:a="http://schemas.openxmlformats.org/drawingml/2006/main" xmlns:r="http://schemas.openxmlformats.org/officeDocument/2006/relationships" name="Office Theme">
+<a:theme xmlns:a="http://schemas.openxmlformats.org/drawingml/2006/main" xmlns:r="http://schemas.openxmlformats.org/officeDocument/2006/relationships" name="Custom Theme">
   <a:themeElements>
-    <a:clrScheme name="Office">
+    <a:clrScheme name="Default">
       <a:dk1>
-        <a:sysClr lastClr="000000" val="windowText"/>
+        <a:srgbClr val="000000"/>
       </a:dk1>
       <a:lt1>
-        <a:sysClr lastClr="FFFFFF" val="window"/>
+        <a:srgbClr val="FFFFFF"/>
       </a:lt1>
       <a:dk2>
-        <a:srgbClr val="1F497D"/>
+        <a:srgbClr val="158158"/>
       </a:dk2>
       <a:lt2>
-        <a:srgbClr val="EEECE1"/>
+        <a:srgbClr val="F3F3F3"/>
       </a:lt2>
       <a:accent1>
-        <a:srgbClr val="4F81BD"/>
+        <a:srgbClr val="058DC7"/>
       </a:accent1>
       <a:accent2>
-        <a:srgbClr val="C0504D"/>
+        <a:srgbClr val="50B432"/>
       </a:accent2>
       <a:accent3>
-        <a:srgbClr val="9BBB59"/>
+        <a:srgbClr val="ED561B"/>
       </a:accent3>
       <a:accent4>
-        <a:srgbClr val="8064A2"/>
+        <a:srgbClr val="EDEF00"/>
       </a:accent4>
       <a:accent5>
-        <a:srgbClr val="4BACC6"/>
+        <a:srgbClr val="24CBE5"/>
       </a:accent5>
       <a:accent6>
-        <a:srgbClr val="F79646"/>
+        <a:srgbClr val="64E572"/>
       </a:accent6>
       <a:hlink>
-        <a:srgbClr val="0000FF"/>
+        <a:srgbClr val="2200CC"/>
       </a:hlink>
       <a:folHlink>
-        <a:srgbClr val="800080"/>
+        <a:srgbClr val="551A8B"/>
       </a:folHlink>
     </a:clrScheme>
     <a:fontScheme name="Office">
@@ -12662,88 +13008,48 @@
       </a:bgFillStyleLst>
     </a:fmtScheme>
   </a:themeElements>
-  <a:objectDefaults>
-    <a:spDef>
-      <a:spPr/>
-      <a:bodyPr/>
-      <a:lstStyle/>
-      <a:style>
-        <a:lnRef idx="1">
-          <a:schemeClr val="accent1"/>
-        </a:lnRef>
-        <a:fillRef idx="3">
-          <a:schemeClr val="accent1"/>
-        </a:fillRef>
-        <a:effectRef idx="2">
-          <a:schemeClr val="accent1"/>
-        </a:effectRef>
-        <a:fontRef idx="minor">
-          <a:schemeClr val="lt1"/>
-        </a:fontRef>
-      </a:style>
-    </a:spDef>
-    <a:lnDef>
-      <a:spPr/>
-      <a:bodyPr/>
-      <a:lstStyle/>
-      <a:style>
-        <a:lnRef idx="2">
-          <a:schemeClr val="accent1"/>
-        </a:lnRef>
-        <a:fillRef idx="0">
-          <a:schemeClr val="accent1"/>
-        </a:fillRef>
-        <a:effectRef idx="1">
-          <a:schemeClr val="accent1"/>
-        </a:effectRef>
-        <a:fontRef idx="minor">
-          <a:schemeClr val="tx1"/>
-        </a:fontRef>
-      </a:style>
-    </a:lnDef>
-  </a:objectDefaults>
 </a:theme>
 </file>
 
 <file path=ppt/theme/theme2.xml><?xml version="1.0" encoding="utf-8"?>
-<a:theme xmlns:a="http://schemas.openxmlformats.org/drawingml/2006/main" xmlns:r="http://schemas.openxmlformats.org/officeDocument/2006/relationships" name="Custom Theme">
+<a:theme xmlns:a="http://schemas.openxmlformats.org/drawingml/2006/main" xmlns:r="http://schemas.openxmlformats.org/officeDocument/2006/relationships" name="Default">
   <a:themeElements>
-    <a:clrScheme name="Default">
+    <a:clrScheme name="Default 1">
       <a:dk1>
-        <a:srgbClr val="000000"/>
+        <a:srgbClr val="262626"/>
       </a:dk1>
       <a:lt1>
         <a:srgbClr val="FFFFFF"/>
       </a:lt1>
       <a:dk2>
-        <a:srgbClr val="158158"/>
+        <a:srgbClr val="A7A7A7"/>
       </a:dk2>
       <a:lt2>
-        <a:srgbClr val="F3F3F3"/>
+        <a:srgbClr val="535353"/>
       </a:lt2>
       <a:accent1>
-        <a:srgbClr val="058DC7"/>
+        <a:srgbClr val="0A1F62"/>
       </a:accent1>
       <a:accent2>
-        <a:srgbClr val="50B432"/>
+        <a:srgbClr val="F0AC00"/>
       </a:accent2>
       <a:accent3>
-        <a:srgbClr val="ED561B"/>
+        <a:srgbClr val="FFFFFF"/>
       </a:accent3>
       <a:accent4>
-        <a:srgbClr val="EDEF00"/>
+        <a:srgbClr val="0A1F62"/>
       </a:accent4>
       <a:accent5>
-        <a:srgbClr val="24CBE5"/>
+        <a:srgbClr val="F0AC00"/>
       </a:accent5>
       <a:accent6>
-        <a:srgbClr val="64E572"/>
+        <a:srgbClr val="FFFFFF"/>
       </a:accent6>
       <a:hlink>
-        <a:srgbClr val="2200CC"/>
+        <a:srgbClr val="0000FF"/>
       </a:hlink>
       <a:folHlink>
-        <a:srgbClr val="551A8B"/>
+        <a:srgbClr val="FF00FF"/>
       </a:folHlink>
     </a:clrScheme>
     <a:fontScheme name="Office">
@@ -13260,44 +13566,44 @@
 </file>
 
 <file path=ppt/theme/theme4.xml><?xml version="1.0" encoding="utf-8"?>
-<a:theme xmlns:a="http://schemas.openxmlformats.org/drawingml/2006/main" xmlns:r="http://schemas.openxmlformats.org/officeDocument/2006/relationships" name="Default">
+<a:theme xmlns:a="http://schemas.openxmlformats.org/drawingml/2006/main" xmlns:r="http://schemas.openxmlformats.org/officeDocument/2006/relationships" name="Office Theme">
   <a:themeElements>
-    <a:clrScheme name="Default 1">
+    <a:clrScheme name="Office">
       <a:dk1>
-        <a:srgbClr val="262626"/>
+        <a:sysClr lastClr="000000" val="windowText"/>
       </a:dk1>
       <a:lt1>
-        <a:srgbClr val="FFFFFF"/>
+        <a:sysClr lastClr="FFFFFF" val="window"/>
       </a:lt1>
       <a:dk2>
-        <a:srgbClr val="A7A7A7"/>
+        <a:srgbClr val="1F497D"/>
       </a:dk2>
       <a:lt2>
-        <a:srgbClr val="535353"/>
+        <a:srgbClr val="EEECE1"/>
       </a:lt2>
       <a:accent1>
-        <a:srgbClr val="0A1F62"/>
+        <a:srgbClr val="4F81BD"/>
       </a:accent1>
       <a:accent2>
-        <a:srgbClr val="F0AC00"/>
+        <a:srgbClr val="C0504D"/>
       </a:accent2>
       <a:accent3>
-        <a:srgbClr val="FFFFFF"/>
+        <a:srgbClr val="9BBB59"/>
       </a:accent3>
       <a:accent4>
-        <a:srgbClr val="0A1F62"/>
+        <a:srgbClr val="8064A2"/>
       </a:accent4>
       <a:accent5>
-        <a:srgbClr val="F0AC00"/>
+        <a:srgbClr val="4BACC6"/>
       </a:accent5>
       <a:accent6>
-        <a:srgbClr val="FFFFFF"/>
+        <a:srgbClr val="F79646"/>
       </a:accent6>
       <a:hlink>
         <a:srgbClr val="0000FF"/>
       </a:hlink>
       <a:folHlink>
-        <a:srgbClr val="FF00FF"/>
+        <a:srgbClr val="800080"/>
       </a:folHlink>
     </a:clrScheme>
     <a:fontScheme name="Office">
@@ -13533,5 +13839,45 @@
       </a:bgFillStyleLst>
     </a:fmtScheme>
   </a:themeElements>
+  <a:objectDefaults>
+    <a:spDef>
+      <a:spPr/>
+      <a:bodyPr/>
+      <a:lstStyle/>
+      <a:style>
+        <a:lnRef idx="1">
+          <a:schemeClr val="accent1"/>
+        </a:lnRef>
+        <a:fillRef idx="3">
+          <a:schemeClr val="accent1"/>
+        </a:fillRef>
+        <a:effectRef idx="2">
+          <a:schemeClr val="accent1"/>
+        </a:effectRef>
+        <a:fontRef idx="minor">
+          <a:schemeClr val="lt1"/>
+        </a:fontRef>
+      </a:style>
+    </a:spDef>
+    <a:lnDef>
+      <a:spPr/>
+      <a:bodyPr/>
+      <a:lstStyle/>
+      <a:style>
+        <a:lnRef idx="2">
+          <a:schemeClr val="accent1"/>
+        </a:lnRef>
+        <a:fillRef idx="0">
+          <a:schemeClr val="accent1"/>
+        </a:fillRef>
+        <a:effectRef idx="1">
+          <a:schemeClr val="accent1"/>
+        </a:effectRef>
+        <a:fontRef idx="minor">
+          <a:schemeClr val="tx1"/>
+        </a:fontRef>
+      </a:style>
+    </a:lnDef>
+  </a:objectDefaults>
 </a:theme>
 </file>